--- a/anger_release.pptx
+++ b/anger_release.pptx
@@ -1,6 +1,6 @@
 
 <file path=ppt/presentation.xml><?xml version="1.0" encoding="utf-8"?>
-<p:presentation xmlns:a="http://schemas.openxmlformats.org/drawingml/2006/main" xmlns:r="http://schemas.openxmlformats.org/officeDocument/2006/relationships" xmlns:mc="http://schemas.openxmlformats.org/markup-compatibility/2006" xmlns:mv="urn:schemas-microsoft-com:mac:vml" xmlns:p="http://schemas.openxmlformats.org/presentationml/2006/main" xmlns:c="http://schemas.openxmlformats.org/drawingml/2006/chart" xmlns:dgm="http://schemas.openxmlformats.org/drawingml/2006/diagram" xmlns:o="urn:schemas-microsoft-com:office:office" xmlns:v="urn:schemas-microsoft-com:vml" xmlns:pvml="urn:schemas-microsoft-com:office:powerpoint" xmlns:com="http://schemas.openxmlformats.org/drawingml/2006/compatibility" xmlns:p14="http://schemas.microsoft.com/office/powerpoint/2010/main" autoCompressPictures="0" strictFirstAndLastChars="0" saveSubsetFonts="1">
+<p:presentation xmlns:a="http://schemas.openxmlformats.org/drawingml/2006/main" xmlns:r="http://schemas.openxmlformats.org/officeDocument/2006/relationships" xmlns:mc="http://schemas.openxmlformats.org/markup-compatibility/2006" xmlns:mv="urn:schemas-microsoft-com:mac:vml" xmlns:p="http://schemas.openxmlformats.org/presentationml/2006/main" xmlns:c="http://schemas.openxmlformats.org/drawingml/2006/chart" xmlns:dgm="http://schemas.openxmlformats.org/drawingml/2006/diagram" xmlns:o="urn:schemas-microsoft-com:office:office" xmlns:v="urn:schemas-microsoft-com:vml" xmlns:pvml="urn:schemas-microsoft-com:office:powerpoint" xmlns:com="http://schemas.openxmlformats.org/drawingml/2006/compatibility" xmlns:p14="http://schemas.microsoft.com/office/powerpoint/2010/main" autoCompressPictures="0" embedTrueTypeFonts="1" strictFirstAndLastChars="0" saveSubsetFonts="1">
   <p:sldMasterIdLst>
     <p:sldMasterId id="2147483659" r:id="rId3"/>
   </p:sldMasterIdLst>
@@ -9,9 +9,32 @@
   </p:notesMasterIdLst>
   <p:sldIdLst>
     <p:sldId id="256" r:id="rId5"/>
+    <p:sldId id="257" r:id="rId6"/>
+    <p:sldId id="258" r:id="rId7"/>
+    <p:sldId id="259" r:id="rId8"/>
+    <p:sldId id="260" r:id="rId9"/>
+    <p:sldId id="261" r:id="rId10"/>
+    <p:sldId id="262" r:id="rId11"/>
+    <p:sldId id="263" r:id="rId12"/>
+    <p:sldId id="264" r:id="rId13"/>
+    <p:sldId id="265" r:id="rId14"/>
+    <p:sldId id="266" r:id="rId15"/>
+    <p:sldId id="267" r:id="rId16"/>
   </p:sldIdLst>
   <p:sldSz cy="5143500" cx="9144000"/>
   <p:notesSz cx="6858000" cy="9144000"/>
+  <p:embeddedFontLst>
+    <p:embeddedFont>
+      <p:font typeface="Amatic SC"/>
+      <p:regular r:id="rId17"/>
+      <p:bold r:id="rId18"/>
+    </p:embeddedFont>
+    <p:embeddedFont>
+      <p:font typeface="Source Code Pro"/>
+      <p:regular r:id="rId19"/>
+      <p:bold r:id="rId20"/>
+    </p:embeddedFont>
+  </p:embeddedFontLst>
   <p:defaultTextStyle>
     <a:defPPr lvl="0" marR="0" rtl="0" algn="l">
       <a:lnSpc>
@@ -371,7 +394,7 @@
   <p:cSld>
     <p:spTree>
       <p:nvGrpSpPr>
-        <p:cNvPr id="50" name="Shape 50"/>
+        <p:cNvPr id="52" name="Shape 52"/>
         <p:cNvGrpSpPr/>
         <p:nvPr/>
       </p:nvGrpSpPr>
@@ -385,7 +408,7 @@
       </p:grpSpPr>
       <p:sp>
         <p:nvSpPr>
-          <p:cNvPr id="51" name="Shape 51"/>
+          <p:cNvPr id="53" name="Shape 53"/>
           <p:cNvSpPr/>
           <p:nvPr>
             <p:ph idx="2" type="sldImg"/>
@@ -419,7 +442,1052 @@
       </p:sp>
       <p:sp>
         <p:nvSpPr>
-          <p:cNvPr id="52" name="Shape 52"/>
+          <p:cNvPr id="54" name="Shape 54"/>
+          <p:cNvSpPr txBox="1"/>
+          <p:nvPr>
+            <p:ph idx="1" type="body"/>
+          </p:nvPr>
+        </p:nvSpPr>
+        <p:spPr>
+          <a:xfrm>
+            <a:off x="685800" y="4343400"/>
+            <a:ext cx="5486400" cy="4114800"/>
+          </a:xfrm>
+          <a:prstGeom prst="rect">
+            <a:avLst/>
+          </a:prstGeom>
+        </p:spPr>
+        <p:txBody>
+          <a:bodyPr anchorCtr="0" anchor="t" bIns="91425" lIns="91425" rIns="91425" tIns="91425">
+            <a:noAutofit/>
+          </a:bodyPr>
+          <a:lstStyle/>
+          <a:p>
+            <a:pPr lvl="0">
+              <a:spcBef>
+                <a:spcPts val="0"/>
+              </a:spcBef>
+              <a:buNone/>
+            </a:pPr>
+            <a:r>
+              <a:t/>
+            </a:r>
+            <a:endParaRPr/>
+          </a:p>
+        </p:txBody>
+      </p:sp>
+    </p:spTree>
+  </p:cSld>
+  <p:clrMapOvr>
+    <a:masterClrMapping/>
+  </p:clrMapOvr>
+</p:notes>
+</file>
+
+<file path=ppt/notesSlides/notesSlide10.xml><?xml version="1.0" encoding="utf-8"?>
+<p:notes xmlns:a="http://schemas.openxmlformats.org/drawingml/2006/main" xmlns:r="http://schemas.openxmlformats.org/officeDocument/2006/relationships" xmlns:mc="http://schemas.openxmlformats.org/markup-compatibility/2006" xmlns:mv="urn:schemas-microsoft-com:mac:vml" xmlns:p="http://schemas.openxmlformats.org/presentationml/2006/main" xmlns:c="http://schemas.openxmlformats.org/drawingml/2006/chart" xmlns:dgm="http://schemas.openxmlformats.org/drawingml/2006/diagram" xmlns:o="urn:schemas-microsoft-com:office:office" xmlns:v="urn:schemas-microsoft-com:vml" xmlns:pvml="urn:schemas-microsoft-com:office:powerpoint" xmlns:com="http://schemas.openxmlformats.org/drawingml/2006/compatibility" xmlns:p14="http://schemas.microsoft.com/office/powerpoint/2010/main" showMasterPhAnim="0" showMasterSp="0">
+  <p:cSld>
+    <p:spTree>
+      <p:nvGrpSpPr>
+        <p:cNvPr id="103" name="Shape 103"/>
+        <p:cNvGrpSpPr/>
+        <p:nvPr/>
+      </p:nvGrpSpPr>
+      <p:grpSpPr>
+        <a:xfrm>
+          <a:off x="0" y="0"/>
+          <a:ext cx="0" cy="0"/>
+          <a:chOff x="0" y="0"/>
+          <a:chExt cx="0" cy="0"/>
+        </a:xfrm>
+      </p:grpSpPr>
+      <p:sp>
+        <p:nvSpPr>
+          <p:cNvPr id="104" name="Shape 104"/>
+          <p:cNvSpPr/>
+          <p:nvPr>
+            <p:ph idx="2" type="sldImg"/>
+          </p:nvPr>
+        </p:nvSpPr>
+        <p:spPr>
+          <a:xfrm>
+            <a:off x="381300" y="685800"/>
+            <a:ext cx="6096000" cy="3429000"/>
+          </a:xfrm>
+          <a:custGeom>
+            <a:pathLst>
+              <a:path extrusionOk="0" h="120000" w="120000">
+                <a:moveTo>
+                  <a:pt x="0" y="0"/>
+                </a:moveTo>
+                <a:lnTo>
+                  <a:pt x="120000" y="0"/>
+                </a:lnTo>
+                <a:lnTo>
+                  <a:pt x="120000" y="120000"/>
+                </a:lnTo>
+                <a:lnTo>
+                  <a:pt x="0" y="120000"/>
+                </a:lnTo>
+                <a:close/>
+              </a:path>
+            </a:pathLst>
+          </a:custGeom>
+        </p:spPr>
+      </p:sp>
+      <p:sp>
+        <p:nvSpPr>
+          <p:cNvPr id="105" name="Shape 105"/>
+          <p:cNvSpPr txBox="1"/>
+          <p:nvPr>
+            <p:ph idx="1" type="body"/>
+          </p:nvPr>
+        </p:nvSpPr>
+        <p:spPr>
+          <a:xfrm>
+            <a:off x="685800" y="4343400"/>
+            <a:ext cx="5486400" cy="4114800"/>
+          </a:xfrm>
+          <a:prstGeom prst="rect">
+            <a:avLst/>
+          </a:prstGeom>
+        </p:spPr>
+        <p:txBody>
+          <a:bodyPr anchorCtr="0" anchor="t" bIns="91425" lIns="91425" rIns="91425" tIns="91425">
+            <a:noAutofit/>
+          </a:bodyPr>
+          <a:lstStyle/>
+          <a:p>
+            <a:pPr lvl="0" rtl="0">
+              <a:spcBef>
+                <a:spcPts val="0"/>
+              </a:spcBef>
+              <a:buNone/>
+            </a:pPr>
+            <a:r>
+              <a:t/>
+            </a:r>
+            <a:endParaRPr/>
+          </a:p>
+        </p:txBody>
+      </p:sp>
+    </p:spTree>
+  </p:cSld>
+  <p:clrMapOvr>
+    <a:masterClrMapping/>
+  </p:clrMapOvr>
+</p:notes>
+</file>
+
+<file path=ppt/notesSlides/notesSlide11.xml><?xml version="1.0" encoding="utf-8"?>
+<p:notes xmlns:a="http://schemas.openxmlformats.org/drawingml/2006/main" xmlns:r="http://schemas.openxmlformats.org/officeDocument/2006/relationships" xmlns:mc="http://schemas.openxmlformats.org/markup-compatibility/2006" xmlns:mv="urn:schemas-microsoft-com:mac:vml" xmlns:p="http://schemas.openxmlformats.org/presentationml/2006/main" xmlns:c="http://schemas.openxmlformats.org/drawingml/2006/chart" xmlns:dgm="http://schemas.openxmlformats.org/drawingml/2006/diagram" xmlns:o="urn:schemas-microsoft-com:office:office" xmlns:v="urn:schemas-microsoft-com:vml" xmlns:pvml="urn:schemas-microsoft-com:office:powerpoint" xmlns:com="http://schemas.openxmlformats.org/drawingml/2006/compatibility" xmlns:p14="http://schemas.microsoft.com/office/powerpoint/2010/main" showMasterPhAnim="0" showMasterSp="0">
+  <p:cSld>
+    <p:spTree>
+      <p:nvGrpSpPr>
+        <p:cNvPr id="108" name="Shape 108"/>
+        <p:cNvGrpSpPr/>
+        <p:nvPr/>
+      </p:nvGrpSpPr>
+      <p:grpSpPr>
+        <a:xfrm>
+          <a:off x="0" y="0"/>
+          <a:ext cx="0" cy="0"/>
+          <a:chOff x="0" y="0"/>
+          <a:chExt cx="0" cy="0"/>
+        </a:xfrm>
+      </p:grpSpPr>
+      <p:sp>
+        <p:nvSpPr>
+          <p:cNvPr id="109" name="Shape 109"/>
+          <p:cNvSpPr/>
+          <p:nvPr>
+            <p:ph idx="2" type="sldImg"/>
+          </p:nvPr>
+        </p:nvSpPr>
+        <p:spPr>
+          <a:xfrm>
+            <a:off x="381300" y="685800"/>
+            <a:ext cx="6096000" cy="3429000"/>
+          </a:xfrm>
+          <a:custGeom>
+            <a:pathLst>
+              <a:path extrusionOk="0" h="120000" w="120000">
+                <a:moveTo>
+                  <a:pt x="0" y="0"/>
+                </a:moveTo>
+                <a:lnTo>
+                  <a:pt x="120000" y="0"/>
+                </a:lnTo>
+                <a:lnTo>
+                  <a:pt x="120000" y="120000"/>
+                </a:lnTo>
+                <a:lnTo>
+                  <a:pt x="0" y="120000"/>
+                </a:lnTo>
+                <a:close/>
+              </a:path>
+            </a:pathLst>
+          </a:custGeom>
+        </p:spPr>
+      </p:sp>
+      <p:sp>
+        <p:nvSpPr>
+          <p:cNvPr id="110" name="Shape 110"/>
+          <p:cNvSpPr txBox="1"/>
+          <p:nvPr>
+            <p:ph idx="1" type="body"/>
+          </p:nvPr>
+        </p:nvSpPr>
+        <p:spPr>
+          <a:xfrm>
+            <a:off x="685800" y="4343400"/>
+            <a:ext cx="5486400" cy="4114800"/>
+          </a:xfrm>
+          <a:prstGeom prst="rect">
+            <a:avLst/>
+          </a:prstGeom>
+        </p:spPr>
+        <p:txBody>
+          <a:bodyPr anchorCtr="0" anchor="t" bIns="91425" lIns="91425" rIns="91425" tIns="91425">
+            <a:noAutofit/>
+          </a:bodyPr>
+          <a:lstStyle/>
+          <a:p>
+            <a:pPr lvl="0">
+              <a:spcBef>
+                <a:spcPts val="0"/>
+              </a:spcBef>
+              <a:buNone/>
+            </a:pPr>
+            <a:r>
+              <a:t/>
+            </a:r>
+            <a:endParaRPr/>
+          </a:p>
+        </p:txBody>
+      </p:sp>
+    </p:spTree>
+  </p:cSld>
+  <p:clrMapOvr>
+    <a:masterClrMapping/>
+  </p:clrMapOvr>
+</p:notes>
+</file>
+
+<file path=ppt/notesSlides/notesSlide12.xml><?xml version="1.0" encoding="utf-8"?>
+<p:notes xmlns:a="http://schemas.openxmlformats.org/drawingml/2006/main" xmlns:r="http://schemas.openxmlformats.org/officeDocument/2006/relationships" xmlns:mc="http://schemas.openxmlformats.org/markup-compatibility/2006" xmlns:mv="urn:schemas-microsoft-com:mac:vml" xmlns:p="http://schemas.openxmlformats.org/presentationml/2006/main" xmlns:c="http://schemas.openxmlformats.org/drawingml/2006/chart" xmlns:dgm="http://schemas.openxmlformats.org/drawingml/2006/diagram" xmlns:o="urn:schemas-microsoft-com:office:office" xmlns:v="urn:schemas-microsoft-com:vml" xmlns:pvml="urn:schemas-microsoft-com:office:powerpoint" xmlns:com="http://schemas.openxmlformats.org/drawingml/2006/compatibility" xmlns:p14="http://schemas.microsoft.com/office/powerpoint/2010/main" showMasterPhAnim="0" showMasterSp="0">
+  <p:cSld>
+    <p:spTree>
+      <p:nvGrpSpPr>
+        <p:cNvPr id="117" name="Shape 117"/>
+        <p:cNvGrpSpPr/>
+        <p:nvPr/>
+      </p:nvGrpSpPr>
+      <p:grpSpPr>
+        <a:xfrm>
+          <a:off x="0" y="0"/>
+          <a:ext cx="0" cy="0"/>
+          <a:chOff x="0" y="0"/>
+          <a:chExt cx="0" cy="0"/>
+        </a:xfrm>
+      </p:grpSpPr>
+      <p:sp>
+        <p:nvSpPr>
+          <p:cNvPr id="118" name="Shape 118"/>
+          <p:cNvSpPr/>
+          <p:nvPr>
+            <p:ph idx="2" type="sldImg"/>
+          </p:nvPr>
+        </p:nvSpPr>
+        <p:spPr>
+          <a:xfrm>
+            <a:off x="381300" y="685800"/>
+            <a:ext cx="6096000" cy="3429000"/>
+          </a:xfrm>
+          <a:custGeom>
+            <a:pathLst>
+              <a:path extrusionOk="0" h="120000" w="120000">
+                <a:moveTo>
+                  <a:pt x="0" y="0"/>
+                </a:moveTo>
+                <a:lnTo>
+                  <a:pt x="120000" y="0"/>
+                </a:lnTo>
+                <a:lnTo>
+                  <a:pt x="120000" y="120000"/>
+                </a:lnTo>
+                <a:lnTo>
+                  <a:pt x="0" y="120000"/>
+                </a:lnTo>
+                <a:close/>
+              </a:path>
+            </a:pathLst>
+          </a:custGeom>
+        </p:spPr>
+      </p:sp>
+      <p:sp>
+        <p:nvSpPr>
+          <p:cNvPr id="119" name="Shape 119"/>
+          <p:cNvSpPr txBox="1"/>
+          <p:nvPr>
+            <p:ph idx="1" type="body"/>
+          </p:nvPr>
+        </p:nvSpPr>
+        <p:spPr>
+          <a:xfrm>
+            <a:off x="685800" y="4343400"/>
+            <a:ext cx="5486400" cy="4114800"/>
+          </a:xfrm>
+          <a:prstGeom prst="rect">
+            <a:avLst/>
+          </a:prstGeom>
+        </p:spPr>
+        <p:txBody>
+          <a:bodyPr anchorCtr="0" anchor="t" bIns="91425" lIns="91425" rIns="91425" tIns="91425">
+            <a:noAutofit/>
+          </a:bodyPr>
+          <a:lstStyle/>
+          <a:p>
+            <a:pPr lvl="0">
+              <a:spcBef>
+                <a:spcPts val="0"/>
+              </a:spcBef>
+              <a:buNone/>
+            </a:pPr>
+            <a:r>
+              <a:t/>
+            </a:r>
+            <a:endParaRPr/>
+          </a:p>
+        </p:txBody>
+      </p:sp>
+    </p:spTree>
+  </p:cSld>
+  <p:clrMapOvr>
+    <a:masterClrMapping/>
+  </p:clrMapOvr>
+</p:notes>
+</file>
+
+<file path=ppt/notesSlides/notesSlide2.xml><?xml version="1.0" encoding="utf-8"?>
+<p:notes xmlns:a="http://schemas.openxmlformats.org/drawingml/2006/main" xmlns:r="http://schemas.openxmlformats.org/officeDocument/2006/relationships" xmlns:mc="http://schemas.openxmlformats.org/markup-compatibility/2006" xmlns:mv="urn:schemas-microsoft-com:mac:vml" xmlns:p="http://schemas.openxmlformats.org/presentationml/2006/main" xmlns:c="http://schemas.openxmlformats.org/drawingml/2006/chart" xmlns:dgm="http://schemas.openxmlformats.org/drawingml/2006/diagram" xmlns:o="urn:schemas-microsoft-com:office:office" xmlns:v="urn:schemas-microsoft-com:vml" xmlns:pvml="urn:schemas-microsoft-com:office:powerpoint" xmlns:com="http://schemas.openxmlformats.org/drawingml/2006/compatibility" xmlns:p14="http://schemas.microsoft.com/office/powerpoint/2010/main" showMasterPhAnim="0" showMasterSp="0">
+  <p:cSld>
+    <p:spTree>
+      <p:nvGrpSpPr>
+        <p:cNvPr id="58" name="Shape 58"/>
+        <p:cNvGrpSpPr/>
+        <p:nvPr/>
+      </p:nvGrpSpPr>
+      <p:grpSpPr>
+        <a:xfrm>
+          <a:off x="0" y="0"/>
+          <a:ext cx="0" cy="0"/>
+          <a:chOff x="0" y="0"/>
+          <a:chExt cx="0" cy="0"/>
+        </a:xfrm>
+      </p:grpSpPr>
+      <p:sp>
+        <p:nvSpPr>
+          <p:cNvPr id="59" name="Shape 59"/>
+          <p:cNvSpPr/>
+          <p:nvPr>
+            <p:ph idx="2" type="sldImg"/>
+          </p:nvPr>
+        </p:nvSpPr>
+        <p:spPr>
+          <a:xfrm>
+            <a:off x="381300" y="685800"/>
+            <a:ext cx="6096000" cy="3429000"/>
+          </a:xfrm>
+          <a:custGeom>
+            <a:pathLst>
+              <a:path extrusionOk="0" h="120000" w="120000">
+                <a:moveTo>
+                  <a:pt x="0" y="0"/>
+                </a:moveTo>
+                <a:lnTo>
+                  <a:pt x="120000" y="0"/>
+                </a:lnTo>
+                <a:lnTo>
+                  <a:pt x="120000" y="120000"/>
+                </a:lnTo>
+                <a:lnTo>
+                  <a:pt x="0" y="120000"/>
+                </a:lnTo>
+                <a:close/>
+              </a:path>
+            </a:pathLst>
+          </a:custGeom>
+        </p:spPr>
+      </p:sp>
+      <p:sp>
+        <p:nvSpPr>
+          <p:cNvPr id="60" name="Shape 60"/>
+          <p:cNvSpPr txBox="1"/>
+          <p:nvPr>
+            <p:ph idx="1" type="body"/>
+          </p:nvPr>
+        </p:nvSpPr>
+        <p:spPr>
+          <a:xfrm>
+            <a:off x="685800" y="4343400"/>
+            <a:ext cx="5486400" cy="4114800"/>
+          </a:xfrm>
+          <a:prstGeom prst="rect">
+            <a:avLst/>
+          </a:prstGeom>
+        </p:spPr>
+        <p:txBody>
+          <a:bodyPr anchorCtr="0" anchor="t" bIns="91425" lIns="91425" rIns="91425" tIns="91425">
+            <a:noAutofit/>
+          </a:bodyPr>
+          <a:lstStyle/>
+          <a:p>
+            <a:pPr lvl="0" rtl="0">
+              <a:spcBef>
+                <a:spcPts val="0"/>
+              </a:spcBef>
+              <a:buNone/>
+            </a:pPr>
+            <a:r>
+              <a:t/>
+            </a:r>
+            <a:endParaRPr/>
+          </a:p>
+        </p:txBody>
+      </p:sp>
+    </p:spTree>
+  </p:cSld>
+  <p:clrMapOvr>
+    <a:masterClrMapping/>
+  </p:clrMapOvr>
+</p:notes>
+</file>
+
+<file path=ppt/notesSlides/notesSlide3.xml><?xml version="1.0" encoding="utf-8"?>
+<p:notes xmlns:a="http://schemas.openxmlformats.org/drawingml/2006/main" xmlns:r="http://schemas.openxmlformats.org/officeDocument/2006/relationships" xmlns:mc="http://schemas.openxmlformats.org/markup-compatibility/2006" xmlns:mv="urn:schemas-microsoft-com:mac:vml" xmlns:p="http://schemas.openxmlformats.org/presentationml/2006/main" xmlns:c="http://schemas.openxmlformats.org/drawingml/2006/chart" xmlns:dgm="http://schemas.openxmlformats.org/drawingml/2006/diagram" xmlns:o="urn:schemas-microsoft-com:office:office" xmlns:v="urn:schemas-microsoft-com:vml" xmlns:pvml="urn:schemas-microsoft-com:office:powerpoint" xmlns:com="http://schemas.openxmlformats.org/drawingml/2006/compatibility" xmlns:p14="http://schemas.microsoft.com/office/powerpoint/2010/main" showMasterPhAnim="0" showMasterSp="0">
+  <p:cSld>
+    <p:spTree>
+      <p:nvGrpSpPr>
+        <p:cNvPr id="63" name="Shape 63"/>
+        <p:cNvGrpSpPr/>
+        <p:nvPr/>
+      </p:nvGrpSpPr>
+      <p:grpSpPr>
+        <a:xfrm>
+          <a:off x="0" y="0"/>
+          <a:ext cx="0" cy="0"/>
+          <a:chOff x="0" y="0"/>
+          <a:chExt cx="0" cy="0"/>
+        </a:xfrm>
+      </p:grpSpPr>
+      <p:sp>
+        <p:nvSpPr>
+          <p:cNvPr id="64" name="Shape 64"/>
+          <p:cNvSpPr/>
+          <p:nvPr>
+            <p:ph idx="2" type="sldImg"/>
+          </p:nvPr>
+        </p:nvSpPr>
+        <p:spPr>
+          <a:xfrm>
+            <a:off x="381300" y="685800"/>
+            <a:ext cx="6096000" cy="3429000"/>
+          </a:xfrm>
+          <a:custGeom>
+            <a:pathLst>
+              <a:path extrusionOk="0" h="120000" w="120000">
+                <a:moveTo>
+                  <a:pt x="0" y="0"/>
+                </a:moveTo>
+                <a:lnTo>
+                  <a:pt x="120000" y="0"/>
+                </a:lnTo>
+                <a:lnTo>
+                  <a:pt x="120000" y="120000"/>
+                </a:lnTo>
+                <a:lnTo>
+                  <a:pt x="0" y="120000"/>
+                </a:lnTo>
+                <a:close/>
+              </a:path>
+            </a:pathLst>
+          </a:custGeom>
+        </p:spPr>
+      </p:sp>
+      <p:sp>
+        <p:nvSpPr>
+          <p:cNvPr id="65" name="Shape 65"/>
+          <p:cNvSpPr txBox="1"/>
+          <p:nvPr>
+            <p:ph idx="1" type="body"/>
+          </p:nvPr>
+        </p:nvSpPr>
+        <p:spPr>
+          <a:xfrm>
+            <a:off x="685800" y="4343400"/>
+            <a:ext cx="5486400" cy="4114800"/>
+          </a:xfrm>
+          <a:prstGeom prst="rect">
+            <a:avLst/>
+          </a:prstGeom>
+        </p:spPr>
+        <p:txBody>
+          <a:bodyPr anchorCtr="0" anchor="t" bIns="91425" lIns="91425" rIns="91425" tIns="91425">
+            <a:noAutofit/>
+          </a:bodyPr>
+          <a:lstStyle/>
+          <a:p>
+            <a:pPr lvl="0">
+              <a:spcBef>
+                <a:spcPts val="0"/>
+              </a:spcBef>
+              <a:buNone/>
+            </a:pPr>
+            <a:r>
+              <a:t/>
+            </a:r>
+            <a:endParaRPr/>
+          </a:p>
+        </p:txBody>
+      </p:sp>
+    </p:spTree>
+  </p:cSld>
+  <p:clrMapOvr>
+    <a:masterClrMapping/>
+  </p:clrMapOvr>
+</p:notes>
+</file>
+
+<file path=ppt/notesSlides/notesSlide4.xml><?xml version="1.0" encoding="utf-8"?>
+<p:notes xmlns:a="http://schemas.openxmlformats.org/drawingml/2006/main" xmlns:r="http://schemas.openxmlformats.org/officeDocument/2006/relationships" xmlns:mc="http://schemas.openxmlformats.org/markup-compatibility/2006" xmlns:mv="urn:schemas-microsoft-com:mac:vml" xmlns:p="http://schemas.openxmlformats.org/presentationml/2006/main" xmlns:c="http://schemas.openxmlformats.org/drawingml/2006/chart" xmlns:dgm="http://schemas.openxmlformats.org/drawingml/2006/diagram" xmlns:o="urn:schemas-microsoft-com:office:office" xmlns:v="urn:schemas-microsoft-com:vml" xmlns:pvml="urn:schemas-microsoft-com:office:powerpoint" xmlns:com="http://schemas.openxmlformats.org/drawingml/2006/compatibility" xmlns:p14="http://schemas.microsoft.com/office/powerpoint/2010/main" showMasterPhAnim="0" showMasterSp="0">
+  <p:cSld>
+    <p:spTree>
+      <p:nvGrpSpPr>
+        <p:cNvPr id="69" name="Shape 69"/>
+        <p:cNvGrpSpPr/>
+        <p:nvPr/>
+      </p:nvGrpSpPr>
+      <p:grpSpPr>
+        <a:xfrm>
+          <a:off x="0" y="0"/>
+          <a:ext cx="0" cy="0"/>
+          <a:chOff x="0" y="0"/>
+          <a:chExt cx="0" cy="0"/>
+        </a:xfrm>
+      </p:grpSpPr>
+      <p:sp>
+        <p:nvSpPr>
+          <p:cNvPr id="70" name="Shape 70"/>
+          <p:cNvSpPr/>
+          <p:nvPr>
+            <p:ph idx="2" type="sldImg"/>
+          </p:nvPr>
+        </p:nvSpPr>
+        <p:spPr>
+          <a:xfrm>
+            <a:off x="381300" y="685800"/>
+            <a:ext cx="6096000" cy="3429000"/>
+          </a:xfrm>
+          <a:custGeom>
+            <a:pathLst>
+              <a:path extrusionOk="0" h="120000" w="120000">
+                <a:moveTo>
+                  <a:pt x="0" y="0"/>
+                </a:moveTo>
+                <a:lnTo>
+                  <a:pt x="120000" y="0"/>
+                </a:lnTo>
+                <a:lnTo>
+                  <a:pt x="120000" y="120000"/>
+                </a:lnTo>
+                <a:lnTo>
+                  <a:pt x="0" y="120000"/>
+                </a:lnTo>
+                <a:close/>
+              </a:path>
+            </a:pathLst>
+          </a:custGeom>
+        </p:spPr>
+      </p:sp>
+      <p:sp>
+        <p:nvSpPr>
+          <p:cNvPr id="71" name="Shape 71"/>
+          <p:cNvSpPr txBox="1"/>
+          <p:nvPr>
+            <p:ph idx="1" type="body"/>
+          </p:nvPr>
+        </p:nvSpPr>
+        <p:spPr>
+          <a:xfrm>
+            <a:off x="685800" y="4343400"/>
+            <a:ext cx="5486400" cy="4114800"/>
+          </a:xfrm>
+          <a:prstGeom prst="rect">
+            <a:avLst/>
+          </a:prstGeom>
+        </p:spPr>
+        <p:txBody>
+          <a:bodyPr anchorCtr="0" anchor="t" bIns="91425" lIns="91425" rIns="91425" tIns="91425">
+            <a:noAutofit/>
+          </a:bodyPr>
+          <a:lstStyle/>
+          <a:p>
+            <a:pPr lvl="0">
+              <a:spcBef>
+                <a:spcPts val="0"/>
+              </a:spcBef>
+              <a:buNone/>
+            </a:pPr>
+            <a:r>
+              <a:t/>
+            </a:r>
+            <a:endParaRPr/>
+          </a:p>
+        </p:txBody>
+      </p:sp>
+    </p:spTree>
+  </p:cSld>
+  <p:clrMapOvr>
+    <a:masterClrMapping/>
+  </p:clrMapOvr>
+</p:notes>
+</file>
+
+<file path=ppt/notesSlides/notesSlide5.xml><?xml version="1.0" encoding="utf-8"?>
+<p:notes xmlns:a="http://schemas.openxmlformats.org/drawingml/2006/main" xmlns:r="http://schemas.openxmlformats.org/officeDocument/2006/relationships" xmlns:mc="http://schemas.openxmlformats.org/markup-compatibility/2006" xmlns:mv="urn:schemas-microsoft-com:mac:vml" xmlns:p="http://schemas.openxmlformats.org/presentationml/2006/main" xmlns:c="http://schemas.openxmlformats.org/drawingml/2006/chart" xmlns:dgm="http://schemas.openxmlformats.org/drawingml/2006/diagram" xmlns:o="urn:schemas-microsoft-com:office:office" xmlns:v="urn:schemas-microsoft-com:vml" xmlns:pvml="urn:schemas-microsoft-com:office:powerpoint" xmlns:com="http://schemas.openxmlformats.org/drawingml/2006/compatibility" xmlns:p14="http://schemas.microsoft.com/office/powerpoint/2010/main" showMasterPhAnim="0" showMasterSp="0">
+  <p:cSld>
+    <p:spTree>
+      <p:nvGrpSpPr>
+        <p:cNvPr id="75" name="Shape 75"/>
+        <p:cNvGrpSpPr/>
+        <p:nvPr/>
+      </p:nvGrpSpPr>
+      <p:grpSpPr>
+        <a:xfrm>
+          <a:off x="0" y="0"/>
+          <a:ext cx="0" cy="0"/>
+          <a:chOff x="0" y="0"/>
+          <a:chExt cx="0" cy="0"/>
+        </a:xfrm>
+      </p:grpSpPr>
+      <p:sp>
+        <p:nvSpPr>
+          <p:cNvPr id="76" name="Shape 76"/>
+          <p:cNvSpPr/>
+          <p:nvPr>
+            <p:ph idx="2" type="sldImg"/>
+          </p:nvPr>
+        </p:nvSpPr>
+        <p:spPr>
+          <a:xfrm>
+            <a:off x="381300" y="685800"/>
+            <a:ext cx="6096000" cy="3429000"/>
+          </a:xfrm>
+          <a:custGeom>
+            <a:pathLst>
+              <a:path extrusionOk="0" h="120000" w="120000">
+                <a:moveTo>
+                  <a:pt x="0" y="0"/>
+                </a:moveTo>
+                <a:lnTo>
+                  <a:pt x="120000" y="0"/>
+                </a:lnTo>
+                <a:lnTo>
+                  <a:pt x="120000" y="120000"/>
+                </a:lnTo>
+                <a:lnTo>
+                  <a:pt x="0" y="120000"/>
+                </a:lnTo>
+                <a:close/>
+              </a:path>
+            </a:pathLst>
+          </a:custGeom>
+        </p:spPr>
+      </p:sp>
+      <p:sp>
+        <p:nvSpPr>
+          <p:cNvPr id="77" name="Shape 77"/>
+          <p:cNvSpPr txBox="1"/>
+          <p:nvPr>
+            <p:ph idx="1" type="body"/>
+          </p:nvPr>
+        </p:nvSpPr>
+        <p:spPr>
+          <a:xfrm>
+            <a:off x="685800" y="4343400"/>
+            <a:ext cx="5486400" cy="4114800"/>
+          </a:xfrm>
+          <a:prstGeom prst="rect">
+            <a:avLst/>
+          </a:prstGeom>
+        </p:spPr>
+        <p:txBody>
+          <a:bodyPr anchorCtr="0" anchor="t" bIns="91425" lIns="91425" rIns="91425" tIns="91425">
+            <a:noAutofit/>
+          </a:bodyPr>
+          <a:lstStyle/>
+          <a:p>
+            <a:pPr lvl="0">
+              <a:spcBef>
+                <a:spcPts val="0"/>
+              </a:spcBef>
+              <a:buNone/>
+            </a:pPr>
+            <a:r>
+              <a:t/>
+            </a:r>
+            <a:endParaRPr/>
+          </a:p>
+        </p:txBody>
+      </p:sp>
+    </p:spTree>
+  </p:cSld>
+  <p:clrMapOvr>
+    <a:masterClrMapping/>
+  </p:clrMapOvr>
+</p:notes>
+</file>
+
+<file path=ppt/notesSlides/notesSlide6.xml><?xml version="1.0" encoding="utf-8"?>
+<p:notes xmlns:a="http://schemas.openxmlformats.org/drawingml/2006/main" xmlns:r="http://schemas.openxmlformats.org/officeDocument/2006/relationships" xmlns:mc="http://schemas.openxmlformats.org/markup-compatibility/2006" xmlns:mv="urn:schemas-microsoft-com:mac:vml" xmlns:p="http://schemas.openxmlformats.org/presentationml/2006/main" xmlns:c="http://schemas.openxmlformats.org/drawingml/2006/chart" xmlns:dgm="http://schemas.openxmlformats.org/drawingml/2006/diagram" xmlns:o="urn:schemas-microsoft-com:office:office" xmlns:v="urn:schemas-microsoft-com:vml" xmlns:pvml="urn:schemas-microsoft-com:office:powerpoint" xmlns:com="http://schemas.openxmlformats.org/drawingml/2006/compatibility" xmlns:p14="http://schemas.microsoft.com/office/powerpoint/2010/main" showMasterPhAnim="0" showMasterSp="0">
+  <p:cSld>
+    <p:spTree>
+      <p:nvGrpSpPr>
+        <p:cNvPr id="80" name="Shape 80"/>
+        <p:cNvGrpSpPr/>
+        <p:nvPr/>
+      </p:nvGrpSpPr>
+      <p:grpSpPr>
+        <a:xfrm>
+          <a:off x="0" y="0"/>
+          <a:ext cx="0" cy="0"/>
+          <a:chOff x="0" y="0"/>
+          <a:chExt cx="0" cy="0"/>
+        </a:xfrm>
+      </p:grpSpPr>
+      <p:sp>
+        <p:nvSpPr>
+          <p:cNvPr id="81" name="Shape 81"/>
+          <p:cNvSpPr/>
+          <p:nvPr>
+            <p:ph idx="2" type="sldImg"/>
+          </p:nvPr>
+        </p:nvSpPr>
+        <p:spPr>
+          <a:xfrm>
+            <a:off x="381300" y="685800"/>
+            <a:ext cx="6096000" cy="3429000"/>
+          </a:xfrm>
+          <a:custGeom>
+            <a:pathLst>
+              <a:path extrusionOk="0" h="120000" w="120000">
+                <a:moveTo>
+                  <a:pt x="0" y="0"/>
+                </a:moveTo>
+                <a:lnTo>
+                  <a:pt x="120000" y="0"/>
+                </a:lnTo>
+                <a:lnTo>
+                  <a:pt x="120000" y="120000"/>
+                </a:lnTo>
+                <a:lnTo>
+                  <a:pt x="0" y="120000"/>
+                </a:lnTo>
+                <a:close/>
+              </a:path>
+            </a:pathLst>
+          </a:custGeom>
+        </p:spPr>
+      </p:sp>
+      <p:sp>
+        <p:nvSpPr>
+          <p:cNvPr id="82" name="Shape 82"/>
+          <p:cNvSpPr txBox="1"/>
+          <p:nvPr>
+            <p:ph idx="1" type="body"/>
+          </p:nvPr>
+        </p:nvSpPr>
+        <p:spPr>
+          <a:xfrm>
+            <a:off x="685800" y="4343400"/>
+            <a:ext cx="5486400" cy="4114800"/>
+          </a:xfrm>
+          <a:prstGeom prst="rect">
+            <a:avLst/>
+          </a:prstGeom>
+        </p:spPr>
+        <p:txBody>
+          <a:bodyPr anchorCtr="0" anchor="t" bIns="91425" lIns="91425" rIns="91425" tIns="91425">
+            <a:noAutofit/>
+          </a:bodyPr>
+          <a:lstStyle/>
+          <a:p>
+            <a:pPr lvl="0" rtl="0">
+              <a:spcBef>
+                <a:spcPts val="0"/>
+              </a:spcBef>
+              <a:buNone/>
+            </a:pPr>
+            <a:r>
+              <a:t/>
+            </a:r>
+            <a:endParaRPr/>
+          </a:p>
+        </p:txBody>
+      </p:sp>
+    </p:spTree>
+  </p:cSld>
+  <p:clrMapOvr>
+    <a:masterClrMapping/>
+  </p:clrMapOvr>
+</p:notes>
+</file>
+
+<file path=ppt/notesSlides/notesSlide7.xml><?xml version="1.0" encoding="utf-8"?>
+<p:notes xmlns:a="http://schemas.openxmlformats.org/drawingml/2006/main" xmlns:r="http://schemas.openxmlformats.org/officeDocument/2006/relationships" xmlns:mc="http://schemas.openxmlformats.org/markup-compatibility/2006" xmlns:mv="urn:schemas-microsoft-com:mac:vml" xmlns:p="http://schemas.openxmlformats.org/presentationml/2006/main" xmlns:c="http://schemas.openxmlformats.org/drawingml/2006/chart" xmlns:dgm="http://schemas.openxmlformats.org/drawingml/2006/diagram" xmlns:o="urn:schemas-microsoft-com:office:office" xmlns:v="urn:schemas-microsoft-com:vml" xmlns:pvml="urn:schemas-microsoft-com:office:powerpoint" xmlns:com="http://schemas.openxmlformats.org/drawingml/2006/compatibility" xmlns:p14="http://schemas.microsoft.com/office/powerpoint/2010/main" showMasterPhAnim="0" showMasterSp="0">
+  <p:cSld>
+    <p:spTree>
+      <p:nvGrpSpPr>
+        <p:cNvPr id="86" name="Shape 86"/>
+        <p:cNvGrpSpPr/>
+        <p:nvPr/>
+      </p:nvGrpSpPr>
+      <p:grpSpPr>
+        <a:xfrm>
+          <a:off x="0" y="0"/>
+          <a:ext cx="0" cy="0"/>
+          <a:chOff x="0" y="0"/>
+          <a:chExt cx="0" cy="0"/>
+        </a:xfrm>
+      </p:grpSpPr>
+      <p:sp>
+        <p:nvSpPr>
+          <p:cNvPr id="87" name="Shape 87"/>
+          <p:cNvSpPr/>
+          <p:nvPr>
+            <p:ph idx="2" type="sldImg"/>
+          </p:nvPr>
+        </p:nvSpPr>
+        <p:spPr>
+          <a:xfrm>
+            <a:off x="381300" y="685800"/>
+            <a:ext cx="6096000" cy="3429000"/>
+          </a:xfrm>
+          <a:custGeom>
+            <a:pathLst>
+              <a:path extrusionOk="0" h="120000" w="120000">
+                <a:moveTo>
+                  <a:pt x="0" y="0"/>
+                </a:moveTo>
+                <a:lnTo>
+                  <a:pt x="120000" y="0"/>
+                </a:lnTo>
+                <a:lnTo>
+                  <a:pt x="120000" y="120000"/>
+                </a:lnTo>
+                <a:lnTo>
+                  <a:pt x="0" y="120000"/>
+                </a:lnTo>
+                <a:close/>
+              </a:path>
+            </a:pathLst>
+          </a:custGeom>
+        </p:spPr>
+      </p:sp>
+      <p:sp>
+        <p:nvSpPr>
+          <p:cNvPr id="88" name="Shape 88"/>
+          <p:cNvSpPr txBox="1"/>
+          <p:nvPr>
+            <p:ph idx="1" type="body"/>
+          </p:nvPr>
+        </p:nvSpPr>
+        <p:spPr>
+          <a:xfrm>
+            <a:off x="685800" y="4343400"/>
+            <a:ext cx="5486400" cy="4114800"/>
+          </a:xfrm>
+          <a:prstGeom prst="rect">
+            <a:avLst/>
+          </a:prstGeom>
+        </p:spPr>
+        <p:txBody>
+          <a:bodyPr anchorCtr="0" anchor="t" bIns="91425" lIns="91425" rIns="91425" tIns="91425">
+            <a:noAutofit/>
+          </a:bodyPr>
+          <a:lstStyle/>
+          <a:p>
+            <a:pPr lvl="0" rtl="0">
+              <a:spcBef>
+                <a:spcPts val="0"/>
+              </a:spcBef>
+              <a:buNone/>
+            </a:pPr>
+            <a:r>
+              <a:t/>
+            </a:r>
+            <a:endParaRPr/>
+          </a:p>
+        </p:txBody>
+      </p:sp>
+    </p:spTree>
+  </p:cSld>
+  <p:clrMapOvr>
+    <a:masterClrMapping/>
+  </p:clrMapOvr>
+</p:notes>
+</file>
+
+<file path=ppt/notesSlides/notesSlide8.xml><?xml version="1.0" encoding="utf-8"?>
+<p:notes xmlns:a="http://schemas.openxmlformats.org/drawingml/2006/main" xmlns:r="http://schemas.openxmlformats.org/officeDocument/2006/relationships" xmlns:mc="http://schemas.openxmlformats.org/markup-compatibility/2006" xmlns:mv="urn:schemas-microsoft-com:mac:vml" xmlns:p="http://schemas.openxmlformats.org/presentationml/2006/main" xmlns:c="http://schemas.openxmlformats.org/drawingml/2006/chart" xmlns:dgm="http://schemas.openxmlformats.org/drawingml/2006/diagram" xmlns:o="urn:schemas-microsoft-com:office:office" xmlns:v="urn:schemas-microsoft-com:vml" xmlns:pvml="urn:schemas-microsoft-com:office:powerpoint" xmlns:com="http://schemas.openxmlformats.org/drawingml/2006/compatibility" xmlns:p14="http://schemas.microsoft.com/office/powerpoint/2010/main" showMasterPhAnim="0" showMasterSp="0">
+  <p:cSld>
+    <p:spTree>
+      <p:nvGrpSpPr>
+        <p:cNvPr id="91" name="Shape 91"/>
+        <p:cNvGrpSpPr/>
+        <p:nvPr/>
+      </p:nvGrpSpPr>
+      <p:grpSpPr>
+        <a:xfrm>
+          <a:off x="0" y="0"/>
+          <a:ext cx="0" cy="0"/>
+          <a:chOff x="0" y="0"/>
+          <a:chExt cx="0" cy="0"/>
+        </a:xfrm>
+      </p:grpSpPr>
+      <p:sp>
+        <p:nvSpPr>
+          <p:cNvPr id="92" name="Shape 92"/>
+          <p:cNvSpPr/>
+          <p:nvPr>
+            <p:ph idx="2" type="sldImg"/>
+          </p:nvPr>
+        </p:nvSpPr>
+        <p:spPr>
+          <a:xfrm>
+            <a:off x="381300" y="685800"/>
+            <a:ext cx="6096000" cy="3429000"/>
+          </a:xfrm>
+          <a:custGeom>
+            <a:pathLst>
+              <a:path extrusionOk="0" h="120000" w="120000">
+                <a:moveTo>
+                  <a:pt x="0" y="0"/>
+                </a:moveTo>
+                <a:lnTo>
+                  <a:pt x="120000" y="0"/>
+                </a:lnTo>
+                <a:lnTo>
+                  <a:pt x="120000" y="120000"/>
+                </a:lnTo>
+                <a:lnTo>
+                  <a:pt x="0" y="120000"/>
+                </a:lnTo>
+                <a:close/>
+              </a:path>
+            </a:pathLst>
+          </a:custGeom>
+        </p:spPr>
+      </p:sp>
+      <p:sp>
+        <p:nvSpPr>
+          <p:cNvPr id="93" name="Shape 93"/>
+          <p:cNvSpPr txBox="1"/>
+          <p:nvPr>
+            <p:ph idx="1" type="body"/>
+          </p:nvPr>
+        </p:nvSpPr>
+        <p:spPr>
+          <a:xfrm>
+            <a:off x="685800" y="4343400"/>
+            <a:ext cx="5486400" cy="4114800"/>
+          </a:xfrm>
+          <a:prstGeom prst="rect">
+            <a:avLst/>
+          </a:prstGeom>
+        </p:spPr>
+        <p:txBody>
+          <a:bodyPr anchorCtr="0" anchor="t" bIns="91425" lIns="91425" rIns="91425" tIns="91425">
+            <a:noAutofit/>
+          </a:bodyPr>
+          <a:lstStyle/>
+          <a:p>
+            <a:pPr lvl="0">
+              <a:spcBef>
+                <a:spcPts val="0"/>
+              </a:spcBef>
+              <a:buNone/>
+            </a:pPr>
+            <a:r>
+              <a:t/>
+            </a:r>
+            <a:endParaRPr/>
+          </a:p>
+        </p:txBody>
+      </p:sp>
+    </p:spTree>
+  </p:cSld>
+  <p:clrMapOvr>
+    <a:masterClrMapping/>
+  </p:clrMapOvr>
+</p:notes>
+</file>
+
+<file path=ppt/notesSlides/notesSlide9.xml><?xml version="1.0" encoding="utf-8"?>
+<p:notes xmlns:a="http://schemas.openxmlformats.org/drawingml/2006/main" xmlns:r="http://schemas.openxmlformats.org/officeDocument/2006/relationships" xmlns:mc="http://schemas.openxmlformats.org/markup-compatibility/2006" xmlns:mv="urn:schemas-microsoft-com:mac:vml" xmlns:p="http://schemas.openxmlformats.org/presentationml/2006/main" xmlns:c="http://schemas.openxmlformats.org/drawingml/2006/chart" xmlns:dgm="http://schemas.openxmlformats.org/drawingml/2006/diagram" xmlns:o="urn:schemas-microsoft-com:office:office" xmlns:v="urn:schemas-microsoft-com:vml" xmlns:pvml="urn:schemas-microsoft-com:office:powerpoint" xmlns:com="http://schemas.openxmlformats.org/drawingml/2006/compatibility" xmlns:p14="http://schemas.microsoft.com/office/powerpoint/2010/main" showMasterPhAnim="0" showMasterSp="0">
+  <p:cSld>
+    <p:spTree>
+      <p:nvGrpSpPr>
+        <p:cNvPr id="98" name="Shape 98"/>
+        <p:cNvGrpSpPr/>
+        <p:nvPr/>
+      </p:nvGrpSpPr>
+      <p:grpSpPr>
+        <a:xfrm>
+          <a:off x="0" y="0"/>
+          <a:ext cx="0" cy="0"/>
+          <a:chOff x="0" y="0"/>
+          <a:chExt cx="0" cy="0"/>
+        </a:xfrm>
+      </p:grpSpPr>
+      <p:sp>
+        <p:nvSpPr>
+          <p:cNvPr id="99" name="Shape 99"/>
+          <p:cNvSpPr/>
+          <p:nvPr>
+            <p:ph idx="2" type="sldImg"/>
+          </p:nvPr>
+        </p:nvSpPr>
+        <p:spPr>
+          <a:xfrm>
+            <a:off x="381300" y="685800"/>
+            <a:ext cx="6096000" cy="3429000"/>
+          </a:xfrm>
+          <a:custGeom>
+            <a:pathLst>
+              <a:path extrusionOk="0" h="120000" w="120000">
+                <a:moveTo>
+                  <a:pt x="0" y="0"/>
+                </a:moveTo>
+                <a:lnTo>
+                  <a:pt x="120000" y="0"/>
+                </a:lnTo>
+                <a:lnTo>
+                  <a:pt x="120000" y="120000"/>
+                </a:lnTo>
+                <a:lnTo>
+                  <a:pt x="0" y="120000"/>
+                </a:lnTo>
+                <a:close/>
+              </a:path>
+            </a:pathLst>
+          </a:custGeom>
+        </p:spPr>
+      </p:sp>
+      <p:sp>
+        <p:nvSpPr>
+          <p:cNvPr id="100" name="Shape 100"/>
           <p:cNvSpPr txBox="1"/>
           <p:nvPr>
             <p:ph idx="1" type="body"/>
@@ -464,6 +1532,13 @@
 <file path=ppt/slideLayouts/slideLayout1.xml><?xml version="1.0" encoding="utf-8"?>
 <p:sldLayout xmlns:a="http://schemas.openxmlformats.org/drawingml/2006/main" xmlns:r="http://schemas.openxmlformats.org/officeDocument/2006/relationships" xmlns:mc="http://schemas.openxmlformats.org/markup-compatibility/2006" xmlns:mv="urn:schemas-microsoft-com:mac:vml" xmlns:p="http://schemas.openxmlformats.org/presentationml/2006/main" xmlns:c="http://schemas.openxmlformats.org/drawingml/2006/chart" xmlns:dgm="http://schemas.openxmlformats.org/drawingml/2006/diagram" xmlns:o="urn:schemas-microsoft-com:office:office" xmlns:v="urn:schemas-microsoft-com:vml" xmlns:pvml="urn:schemas-microsoft-com:office:powerpoint" xmlns:com="http://schemas.openxmlformats.org/drawingml/2006/compatibility" xmlns:p14="http://schemas.microsoft.com/office/powerpoint/2010/main" type="title">
   <p:cSld name="Title slide">
+    <p:bg>
+      <p:bgPr>
+        <a:solidFill>
+          <a:schemeClr val="dk1"/>
+        </a:solidFill>
+      </p:bgPr>
+    </p:bg>
     <p:spTree>
       <p:nvGrpSpPr>
         <p:cNvPr id="9" name="Shape 9"/>
@@ -481,6 +1556,46 @@
       <p:sp>
         <p:nvSpPr>
           <p:cNvPr id="10" name="Shape 10"/>
+          <p:cNvSpPr/>
+          <p:nvPr/>
+        </p:nvSpPr>
+        <p:spPr>
+          <a:xfrm>
+            <a:off x="0" y="0"/>
+            <a:ext cx="9144000" cy="3429000"/>
+          </a:xfrm>
+          <a:prstGeom prst="rect">
+            <a:avLst/>
+          </a:prstGeom>
+          <a:solidFill>
+            <a:schemeClr val="lt1"/>
+          </a:solidFill>
+          <a:ln>
+            <a:noFill/>
+          </a:ln>
+        </p:spPr>
+        <p:txBody>
+          <a:bodyPr anchorCtr="0" anchor="ctr" bIns="91425" lIns="91425" rIns="91425" tIns="91425">
+            <a:noAutofit/>
+          </a:bodyPr>
+          <a:lstStyle/>
+          <a:p>
+            <a:pPr lvl="0">
+              <a:spcBef>
+                <a:spcPts val="0"/>
+              </a:spcBef>
+              <a:buNone/>
+            </a:pPr>
+            <a:r>
+              <a:t/>
+            </a:r>
+            <a:endParaRPr/>
+          </a:p>
+        </p:txBody>
+      </p:sp>
+      <p:sp>
+        <p:nvSpPr>
+          <p:cNvPr id="11" name="Shape 11"/>
           <p:cNvSpPr txBox="1"/>
           <p:nvPr>
             <p:ph type="ctrTitle"/>
@@ -488,78 +1603,78 @@
         </p:nvSpPr>
         <p:spPr>
           <a:xfrm>
-            <a:off x="311708" y="744575"/>
-            <a:ext cx="8520600" cy="2052600"/>
+            <a:off x="311700" y="392150"/>
+            <a:ext cx="8520600" cy="2690400"/>
           </a:xfrm>
           <a:prstGeom prst="rect">
             <a:avLst/>
           </a:prstGeom>
         </p:spPr>
         <p:txBody>
-          <a:bodyPr anchorCtr="0" anchor="b" bIns="91425" lIns="91425" rIns="91425" tIns="91425"/>
+          <a:bodyPr anchorCtr="0" anchor="ctr" bIns="91425" lIns="91425" rIns="91425" tIns="91425"/>
           <a:lstStyle>
             <a:lvl1pPr lvl="0" algn="ctr">
               <a:spcBef>
                 <a:spcPts val="0"/>
               </a:spcBef>
               <a:buSzPct val="100000"/>
-              <a:defRPr sz="5200"/>
+              <a:defRPr sz="8000"/>
             </a:lvl1pPr>
             <a:lvl2pPr lvl="1" algn="ctr">
               <a:spcBef>
                 <a:spcPts val="0"/>
               </a:spcBef>
               <a:buSzPct val="100000"/>
-              <a:defRPr sz="5200"/>
+              <a:defRPr sz="8000"/>
             </a:lvl2pPr>
             <a:lvl3pPr lvl="2" algn="ctr">
               <a:spcBef>
                 <a:spcPts val="0"/>
               </a:spcBef>
               <a:buSzPct val="100000"/>
-              <a:defRPr sz="5200"/>
+              <a:defRPr sz="8000"/>
             </a:lvl3pPr>
             <a:lvl4pPr lvl="3" algn="ctr">
               <a:spcBef>
                 <a:spcPts val="0"/>
               </a:spcBef>
               <a:buSzPct val="100000"/>
-              <a:defRPr sz="5200"/>
+              <a:defRPr sz="8000"/>
             </a:lvl4pPr>
             <a:lvl5pPr lvl="4" algn="ctr">
               <a:spcBef>
                 <a:spcPts val="0"/>
               </a:spcBef>
               <a:buSzPct val="100000"/>
-              <a:defRPr sz="5200"/>
+              <a:defRPr sz="8000"/>
             </a:lvl5pPr>
             <a:lvl6pPr lvl="5" algn="ctr">
               <a:spcBef>
                 <a:spcPts val="0"/>
               </a:spcBef>
               <a:buSzPct val="100000"/>
-              <a:defRPr sz="5200"/>
+              <a:defRPr sz="8000"/>
             </a:lvl6pPr>
             <a:lvl7pPr lvl="6" algn="ctr">
               <a:spcBef>
                 <a:spcPts val="0"/>
               </a:spcBef>
               <a:buSzPct val="100000"/>
-              <a:defRPr sz="5200"/>
+              <a:defRPr sz="8000"/>
             </a:lvl7pPr>
             <a:lvl8pPr lvl="7" algn="ctr">
               <a:spcBef>
                 <a:spcPts val="0"/>
               </a:spcBef>
               <a:buSzPct val="100000"/>
-              <a:defRPr sz="5200"/>
+              <a:defRPr sz="8000"/>
             </a:lvl8pPr>
             <a:lvl9pPr lvl="8" algn="ctr">
               <a:spcBef>
                 <a:spcPts val="0"/>
               </a:spcBef>
               <a:buSzPct val="100000"/>
-              <a:defRPr sz="5200"/>
+              <a:defRPr sz="8000"/>
             </a:lvl9pPr>
           </a:lstStyle>
           <a:p/>
@@ -567,7 +1682,7 @@
       </p:sp>
       <p:sp>
         <p:nvSpPr>
-          <p:cNvPr id="11" name="Shape 11"/>
+          <p:cNvPr id="12" name="Shape 12"/>
           <p:cNvSpPr txBox="1"/>
           <p:nvPr>
             <p:ph idx="1" type="subTitle"/>
@@ -575,15 +1690,15 @@
         </p:nvSpPr>
         <p:spPr>
           <a:xfrm>
-            <a:off x="311700" y="2834125"/>
-            <a:ext cx="8520600" cy="792600"/>
+            <a:off x="311700" y="3890400"/>
+            <a:ext cx="8520600" cy="706200"/>
           </a:xfrm>
           <a:prstGeom prst="rect">
             <a:avLst/>
           </a:prstGeom>
         </p:spPr>
         <p:txBody>
-          <a:bodyPr anchorCtr="0" anchor="t" bIns="91425" lIns="91425" rIns="91425" tIns="91425"/>
+          <a:bodyPr anchorCtr="0" anchor="ctr" bIns="91425" lIns="91425" rIns="91425" tIns="91425"/>
           <a:lstStyle>
             <a:lvl1pPr lvl="0" algn="ctr">
               <a:lnSpc>
@@ -595,9 +1710,16 @@
               <a:spcAft>
                 <a:spcPts val="0"/>
               </a:spcAft>
-              <a:buSzPct val="100000"/>
-              <a:buNone/>
-              <a:defRPr sz="2800"/>
+              <a:buClr>
+                <a:schemeClr val="accent1"/>
+              </a:buClr>
+              <a:buSzPct val="100000"/>
+              <a:buNone/>
+              <a:defRPr b="1" sz="2100">
+                <a:solidFill>
+                  <a:schemeClr val="accent1"/>
+                </a:solidFill>
+              </a:defRPr>
             </a:lvl1pPr>
             <a:lvl2pPr lvl="1" algn="ctr">
               <a:lnSpc>
@@ -609,9 +1731,16 @@
               <a:spcAft>
                 <a:spcPts val="0"/>
               </a:spcAft>
-              <a:buSzPct val="100000"/>
-              <a:buNone/>
-              <a:defRPr sz="2800"/>
+              <a:buClr>
+                <a:schemeClr val="accent1"/>
+              </a:buClr>
+              <a:buSzPct val="100000"/>
+              <a:buNone/>
+              <a:defRPr b="1" sz="2100">
+                <a:solidFill>
+                  <a:schemeClr val="accent1"/>
+                </a:solidFill>
+              </a:defRPr>
             </a:lvl2pPr>
             <a:lvl3pPr lvl="2" algn="ctr">
               <a:lnSpc>
@@ -623,9 +1752,16 @@
               <a:spcAft>
                 <a:spcPts val="0"/>
               </a:spcAft>
-              <a:buSzPct val="100000"/>
-              <a:buNone/>
-              <a:defRPr sz="2800"/>
+              <a:buClr>
+                <a:schemeClr val="accent1"/>
+              </a:buClr>
+              <a:buSzPct val="100000"/>
+              <a:buNone/>
+              <a:defRPr b="1" sz="2100">
+                <a:solidFill>
+                  <a:schemeClr val="accent1"/>
+                </a:solidFill>
+              </a:defRPr>
             </a:lvl3pPr>
             <a:lvl4pPr lvl="3" algn="ctr">
               <a:lnSpc>
@@ -637,9 +1773,16 @@
               <a:spcAft>
                 <a:spcPts val="0"/>
               </a:spcAft>
-              <a:buSzPct val="100000"/>
-              <a:buNone/>
-              <a:defRPr sz="2800"/>
+              <a:buClr>
+                <a:schemeClr val="accent1"/>
+              </a:buClr>
+              <a:buSzPct val="100000"/>
+              <a:buNone/>
+              <a:defRPr b="1" sz="2100">
+                <a:solidFill>
+                  <a:schemeClr val="accent1"/>
+                </a:solidFill>
+              </a:defRPr>
             </a:lvl4pPr>
             <a:lvl5pPr lvl="4" algn="ctr">
               <a:lnSpc>
@@ -651,9 +1794,16 @@
               <a:spcAft>
                 <a:spcPts val="0"/>
               </a:spcAft>
-              <a:buSzPct val="100000"/>
-              <a:buNone/>
-              <a:defRPr sz="2800"/>
+              <a:buClr>
+                <a:schemeClr val="accent1"/>
+              </a:buClr>
+              <a:buSzPct val="100000"/>
+              <a:buNone/>
+              <a:defRPr b="1" sz="2100">
+                <a:solidFill>
+                  <a:schemeClr val="accent1"/>
+                </a:solidFill>
+              </a:defRPr>
             </a:lvl5pPr>
             <a:lvl6pPr lvl="5" algn="ctr">
               <a:lnSpc>
@@ -665,9 +1815,16 @@
               <a:spcAft>
                 <a:spcPts val="0"/>
               </a:spcAft>
-              <a:buSzPct val="100000"/>
-              <a:buNone/>
-              <a:defRPr sz="2800"/>
+              <a:buClr>
+                <a:schemeClr val="accent1"/>
+              </a:buClr>
+              <a:buSzPct val="100000"/>
+              <a:buNone/>
+              <a:defRPr b="1" sz="2100">
+                <a:solidFill>
+                  <a:schemeClr val="accent1"/>
+                </a:solidFill>
+              </a:defRPr>
             </a:lvl6pPr>
             <a:lvl7pPr lvl="6" algn="ctr">
               <a:lnSpc>
@@ -679,9 +1836,16 @@
               <a:spcAft>
                 <a:spcPts val="0"/>
               </a:spcAft>
-              <a:buSzPct val="100000"/>
-              <a:buNone/>
-              <a:defRPr sz="2800"/>
+              <a:buClr>
+                <a:schemeClr val="accent1"/>
+              </a:buClr>
+              <a:buSzPct val="100000"/>
+              <a:buNone/>
+              <a:defRPr b="1" sz="2100">
+                <a:solidFill>
+                  <a:schemeClr val="accent1"/>
+                </a:solidFill>
+              </a:defRPr>
             </a:lvl7pPr>
             <a:lvl8pPr lvl="7" algn="ctr">
               <a:lnSpc>
@@ -693,9 +1857,16 @@
               <a:spcAft>
                 <a:spcPts val="0"/>
               </a:spcAft>
-              <a:buSzPct val="100000"/>
-              <a:buNone/>
-              <a:defRPr sz="2800"/>
+              <a:buClr>
+                <a:schemeClr val="accent1"/>
+              </a:buClr>
+              <a:buSzPct val="100000"/>
+              <a:buNone/>
+              <a:defRPr b="1" sz="2100">
+                <a:solidFill>
+                  <a:schemeClr val="accent1"/>
+                </a:solidFill>
+              </a:defRPr>
             </a:lvl8pPr>
             <a:lvl9pPr lvl="8" algn="ctr">
               <a:lnSpc>
@@ -707,9 +1878,16 @@
               <a:spcAft>
                 <a:spcPts val="0"/>
               </a:spcAft>
-              <a:buSzPct val="100000"/>
-              <a:buNone/>
-              <a:defRPr sz="2800"/>
+              <a:buClr>
+                <a:schemeClr val="accent1"/>
+              </a:buClr>
+              <a:buSzPct val="100000"/>
+              <a:buNone/>
+              <a:defRPr b="1" sz="2100">
+                <a:solidFill>
+                  <a:schemeClr val="accent1"/>
+                </a:solidFill>
+              </a:defRPr>
             </a:lvl9pPr>
           </a:lstStyle>
           <a:p/>
@@ -717,7 +1895,7 @@
       </p:sp>
       <p:sp>
         <p:nvSpPr>
-          <p:cNvPr id="12" name="Shape 12"/>
+          <p:cNvPr id="13" name="Shape 13"/>
           <p:cNvSpPr txBox="1"/>
           <p:nvPr>
             <p:ph idx="12" type="sldNum"/>
@@ -764,7 +1942,7 @@
   <p:cSld name="Big number">
     <p:spTree>
       <p:nvGrpSpPr>
-        <p:cNvPr id="44" name="Shape 44"/>
+        <p:cNvPr id="46" name="Shape 46"/>
         <p:cNvGrpSpPr/>
         <p:nvPr/>
       </p:nvGrpSpPr>
@@ -778,7 +1956,7 @@
       </p:grpSpPr>
       <p:sp>
         <p:nvSpPr>
-          <p:cNvPr id="45" name="Shape 45"/>
+          <p:cNvPr id="47" name="Shape 47"/>
           <p:cNvSpPr txBox="1"/>
           <p:nvPr>
             <p:ph type="title"/>
@@ -786,8 +1964,8 @@
         </p:nvSpPr>
         <p:spPr>
           <a:xfrm>
-            <a:off x="311700" y="1106125"/>
-            <a:ext cx="8520600" cy="1963500"/>
+            <a:off x="311700" y="1240275"/>
+            <a:ext cx="8520600" cy="1981800"/>
           </a:xfrm>
           <a:prstGeom prst="rect">
             <a:avLst/>
@@ -800,64 +1978,127 @@
               <a:spcBef>
                 <a:spcPts val="0"/>
               </a:spcBef>
-              <a:buSzPct val="100000"/>
-              <a:defRPr sz="12000"/>
+              <a:buClr>
+                <a:schemeClr val="lt1"/>
+              </a:buClr>
+              <a:buSzPct val="100000"/>
+              <a:defRPr sz="12000">
+                <a:solidFill>
+                  <a:schemeClr val="lt1"/>
+                </a:solidFill>
+              </a:defRPr>
             </a:lvl1pPr>
             <a:lvl2pPr lvl="1" algn="ctr">
               <a:spcBef>
                 <a:spcPts val="0"/>
               </a:spcBef>
-              <a:buSzPct val="100000"/>
-              <a:defRPr sz="12000"/>
+              <a:buClr>
+                <a:schemeClr val="lt1"/>
+              </a:buClr>
+              <a:buSzPct val="100000"/>
+              <a:defRPr sz="12000">
+                <a:solidFill>
+                  <a:schemeClr val="lt1"/>
+                </a:solidFill>
+              </a:defRPr>
             </a:lvl2pPr>
             <a:lvl3pPr lvl="2" algn="ctr">
               <a:spcBef>
                 <a:spcPts val="0"/>
               </a:spcBef>
-              <a:buSzPct val="100000"/>
-              <a:defRPr sz="12000"/>
+              <a:buClr>
+                <a:schemeClr val="lt1"/>
+              </a:buClr>
+              <a:buSzPct val="100000"/>
+              <a:defRPr sz="12000">
+                <a:solidFill>
+                  <a:schemeClr val="lt1"/>
+                </a:solidFill>
+              </a:defRPr>
             </a:lvl3pPr>
             <a:lvl4pPr lvl="3" algn="ctr">
               <a:spcBef>
                 <a:spcPts val="0"/>
               </a:spcBef>
-              <a:buSzPct val="100000"/>
-              <a:defRPr sz="12000"/>
+              <a:buClr>
+                <a:schemeClr val="lt1"/>
+              </a:buClr>
+              <a:buSzPct val="100000"/>
+              <a:defRPr sz="12000">
+                <a:solidFill>
+                  <a:schemeClr val="lt1"/>
+                </a:solidFill>
+              </a:defRPr>
             </a:lvl4pPr>
             <a:lvl5pPr lvl="4" algn="ctr">
               <a:spcBef>
                 <a:spcPts val="0"/>
               </a:spcBef>
-              <a:buSzPct val="100000"/>
-              <a:defRPr sz="12000"/>
+              <a:buClr>
+                <a:schemeClr val="lt1"/>
+              </a:buClr>
+              <a:buSzPct val="100000"/>
+              <a:defRPr sz="12000">
+                <a:solidFill>
+                  <a:schemeClr val="lt1"/>
+                </a:solidFill>
+              </a:defRPr>
             </a:lvl5pPr>
             <a:lvl6pPr lvl="5" algn="ctr">
               <a:spcBef>
                 <a:spcPts val="0"/>
               </a:spcBef>
-              <a:buSzPct val="100000"/>
-              <a:defRPr sz="12000"/>
+              <a:buClr>
+                <a:schemeClr val="lt1"/>
+              </a:buClr>
+              <a:buSzPct val="100000"/>
+              <a:defRPr sz="12000">
+                <a:solidFill>
+                  <a:schemeClr val="lt1"/>
+                </a:solidFill>
+              </a:defRPr>
             </a:lvl6pPr>
             <a:lvl7pPr lvl="6" algn="ctr">
               <a:spcBef>
                 <a:spcPts val="0"/>
               </a:spcBef>
-              <a:buSzPct val="100000"/>
-              <a:defRPr sz="12000"/>
+              <a:buClr>
+                <a:schemeClr val="lt1"/>
+              </a:buClr>
+              <a:buSzPct val="100000"/>
+              <a:defRPr sz="12000">
+                <a:solidFill>
+                  <a:schemeClr val="lt1"/>
+                </a:solidFill>
+              </a:defRPr>
             </a:lvl7pPr>
             <a:lvl8pPr lvl="7" algn="ctr">
               <a:spcBef>
                 <a:spcPts val="0"/>
               </a:spcBef>
-              <a:buSzPct val="100000"/>
-              <a:defRPr sz="12000"/>
+              <a:buClr>
+                <a:schemeClr val="lt1"/>
+              </a:buClr>
+              <a:buSzPct val="100000"/>
+              <a:defRPr sz="12000">
+                <a:solidFill>
+                  <a:schemeClr val="lt1"/>
+                </a:solidFill>
+              </a:defRPr>
             </a:lvl8pPr>
             <a:lvl9pPr lvl="8" algn="ctr">
               <a:spcBef>
                 <a:spcPts val="0"/>
               </a:spcBef>
-              <a:buSzPct val="100000"/>
-              <a:defRPr sz="12000"/>
+              <a:buClr>
+                <a:schemeClr val="lt1"/>
+              </a:buClr>
+              <a:buSzPct val="100000"/>
+              <a:defRPr sz="12000">
+                <a:solidFill>
+                  <a:schemeClr val="lt1"/>
+                </a:solidFill>
+              </a:defRPr>
             </a:lvl9pPr>
           </a:lstStyle>
           <a:p/>
@@ -865,7 +2106,7 @@
       </p:sp>
       <p:sp>
         <p:nvSpPr>
-          <p:cNvPr id="46" name="Shape 46"/>
+          <p:cNvPr id="48" name="Shape 48"/>
           <p:cNvSpPr txBox="1"/>
           <p:nvPr>
             <p:ph idx="1" type="body"/>
@@ -873,7 +2114,7 @@
         </p:nvSpPr>
         <p:spPr>
           <a:xfrm>
-            <a:off x="311700" y="3152225"/>
+            <a:off x="311700" y="3304625"/>
             <a:ext cx="8520600" cy="1300800"/>
           </a:xfrm>
           <a:prstGeom prst="rect">
@@ -887,55 +2128,118 @@
               <a:spcBef>
                 <a:spcPts val="0"/>
               </a:spcBef>
-              <a:defRPr/>
+              <a:buClr>
+                <a:schemeClr val="accent1"/>
+              </a:buClr>
+              <a:defRPr>
+                <a:solidFill>
+                  <a:schemeClr val="accent1"/>
+                </a:solidFill>
+              </a:defRPr>
             </a:lvl1pPr>
             <a:lvl2pPr lvl="1" algn="ctr">
               <a:spcBef>
                 <a:spcPts val="0"/>
               </a:spcBef>
-              <a:defRPr/>
+              <a:buClr>
+                <a:schemeClr val="accent1"/>
+              </a:buClr>
+              <a:defRPr>
+                <a:solidFill>
+                  <a:schemeClr val="accent1"/>
+                </a:solidFill>
+              </a:defRPr>
             </a:lvl2pPr>
             <a:lvl3pPr lvl="2" algn="ctr">
               <a:spcBef>
                 <a:spcPts val="0"/>
               </a:spcBef>
-              <a:defRPr/>
+              <a:buClr>
+                <a:schemeClr val="accent1"/>
+              </a:buClr>
+              <a:defRPr>
+                <a:solidFill>
+                  <a:schemeClr val="accent1"/>
+                </a:solidFill>
+              </a:defRPr>
             </a:lvl3pPr>
             <a:lvl4pPr lvl="3" algn="ctr">
               <a:spcBef>
                 <a:spcPts val="0"/>
               </a:spcBef>
-              <a:defRPr/>
+              <a:buClr>
+                <a:schemeClr val="accent1"/>
+              </a:buClr>
+              <a:defRPr>
+                <a:solidFill>
+                  <a:schemeClr val="accent1"/>
+                </a:solidFill>
+              </a:defRPr>
             </a:lvl4pPr>
             <a:lvl5pPr lvl="4" algn="ctr">
               <a:spcBef>
                 <a:spcPts val="0"/>
               </a:spcBef>
-              <a:defRPr/>
+              <a:buClr>
+                <a:schemeClr val="accent1"/>
+              </a:buClr>
+              <a:defRPr>
+                <a:solidFill>
+                  <a:schemeClr val="accent1"/>
+                </a:solidFill>
+              </a:defRPr>
             </a:lvl5pPr>
             <a:lvl6pPr lvl="5" algn="ctr">
               <a:spcBef>
                 <a:spcPts val="0"/>
               </a:spcBef>
-              <a:defRPr/>
+              <a:buClr>
+                <a:schemeClr val="accent1"/>
+              </a:buClr>
+              <a:defRPr>
+                <a:solidFill>
+                  <a:schemeClr val="accent1"/>
+                </a:solidFill>
+              </a:defRPr>
             </a:lvl6pPr>
             <a:lvl7pPr lvl="6" algn="ctr">
               <a:spcBef>
                 <a:spcPts val="0"/>
               </a:spcBef>
-              <a:defRPr/>
+              <a:buClr>
+                <a:schemeClr val="accent1"/>
+              </a:buClr>
+              <a:defRPr>
+                <a:solidFill>
+                  <a:schemeClr val="accent1"/>
+                </a:solidFill>
+              </a:defRPr>
             </a:lvl7pPr>
             <a:lvl8pPr lvl="7" algn="ctr">
               <a:spcBef>
                 <a:spcPts val="0"/>
               </a:spcBef>
-              <a:defRPr/>
+              <a:buClr>
+                <a:schemeClr val="accent1"/>
+              </a:buClr>
+              <a:defRPr>
+                <a:solidFill>
+                  <a:schemeClr val="accent1"/>
+                </a:solidFill>
+              </a:defRPr>
             </a:lvl8pPr>
             <a:lvl9pPr lvl="8" algn="ctr">
               <a:spcBef>
                 <a:spcPts val="0"/>
               </a:spcBef>
-              <a:defRPr/>
+              <a:buClr>
+                <a:schemeClr val="accent1"/>
+              </a:buClr>
+              <a:defRPr>
+                <a:solidFill>
+                  <a:schemeClr val="accent1"/>
+                </a:solidFill>
+              </a:defRPr>
             </a:lvl9pPr>
           </a:lstStyle>
           <a:p/>
@@ -943,7 +2247,7 @@
       </p:sp>
       <p:sp>
         <p:nvSpPr>
-          <p:cNvPr id="47" name="Shape 47"/>
+          <p:cNvPr id="49" name="Shape 49"/>
           <p:cNvSpPr txBox="1"/>
           <p:nvPr>
             <p:ph idx="12" type="sldNum"/>
@@ -990,7 +2294,7 @@
   <p:cSld name="Blank">
     <p:spTree>
       <p:nvGrpSpPr>
-        <p:cNvPr id="48" name="Shape 48"/>
+        <p:cNvPr id="50" name="Shape 50"/>
         <p:cNvGrpSpPr/>
         <p:nvPr/>
       </p:nvGrpSpPr>
@@ -1004,7 +2308,7 @@
       </p:grpSpPr>
       <p:sp>
         <p:nvSpPr>
-          <p:cNvPr id="49" name="Shape 49"/>
+          <p:cNvPr id="51" name="Shape 51"/>
           <p:cNvSpPr txBox="1"/>
           <p:nvPr>
             <p:ph idx="12" type="sldNum"/>
@@ -1049,9 +2353,16 @@
 <file path=ppt/slideLayouts/slideLayout2.xml><?xml version="1.0" encoding="utf-8"?>
 <p:sldLayout xmlns:a="http://schemas.openxmlformats.org/drawingml/2006/main" xmlns:r="http://schemas.openxmlformats.org/officeDocument/2006/relationships" xmlns:mc="http://schemas.openxmlformats.org/markup-compatibility/2006" xmlns:mv="urn:schemas-microsoft-com:mac:vml" xmlns:p="http://schemas.openxmlformats.org/presentationml/2006/main" xmlns:c="http://schemas.openxmlformats.org/drawingml/2006/chart" xmlns:dgm="http://schemas.openxmlformats.org/drawingml/2006/diagram" xmlns:o="urn:schemas-microsoft-com:office:office" xmlns:v="urn:schemas-microsoft-com:vml" xmlns:pvml="urn:schemas-microsoft-com:office:powerpoint" xmlns:com="http://schemas.openxmlformats.org/drawingml/2006/compatibility" xmlns:p14="http://schemas.microsoft.com/office/powerpoint/2010/main" type="secHead">
   <p:cSld name="Section header">
+    <p:bg>
+      <p:bgPr>
+        <a:solidFill>
+          <a:schemeClr val="dk1"/>
+        </a:solidFill>
+      </p:bgPr>
+    </p:bg>
     <p:spTree>
       <p:nvGrpSpPr>
-        <p:cNvPr id="13" name="Shape 13"/>
+        <p:cNvPr id="14" name="Shape 14"/>
         <p:cNvGrpSpPr/>
         <p:nvPr/>
       </p:nvGrpSpPr>
@@ -1065,7 +2376,7 @@
       </p:grpSpPr>
       <p:sp>
         <p:nvSpPr>
-          <p:cNvPr id="14" name="Shape 14"/>
+          <p:cNvPr id="15" name="Shape 15"/>
           <p:cNvSpPr txBox="1"/>
           <p:nvPr>
             <p:ph type="title"/>
@@ -1073,12 +2384,15 @@
         </p:nvSpPr>
         <p:spPr>
           <a:xfrm>
-            <a:off x="311700" y="2150850"/>
-            <a:ext cx="8520600" cy="841800"/>
+            <a:off x="2802750" y="802500"/>
+            <a:ext cx="3538500" cy="3538500"/>
           </a:xfrm>
           <a:prstGeom prst="rect">
             <a:avLst/>
           </a:prstGeom>
+          <a:solidFill>
+            <a:srgbClr val="FFFFFF"/>
+          </a:solidFill>
         </p:spPr>
         <p:txBody>
           <a:bodyPr anchorCtr="0" anchor="ctr" bIns="91425" lIns="91425" rIns="91425" tIns="91425"/>
@@ -1088,63 +2402,63 @@
                 <a:spcPts val="0"/>
               </a:spcBef>
               <a:buSzPct val="100000"/>
-              <a:defRPr sz="3600"/>
+              <a:defRPr sz="4800"/>
             </a:lvl1pPr>
             <a:lvl2pPr lvl="1" algn="ctr">
               <a:spcBef>
                 <a:spcPts val="0"/>
               </a:spcBef>
               <a:buSzPct val="100000"/>
-              <a:defRPr sz="3600"/>
+              <a:defRPr sz="4800"/>
             </a:lvl2pPr>
             <a:lvl3pPr lvl="2" algn="ctr">
               <a:spcBef>
                 <a:spcPts val="0"/>
               </a:spcBef>
               <a:buSzPct val="100000"/>
-              <a:defRPr sz="3600"/>
+              <a:defRPr sz="4800"/>
             </a:lvl3pPr>
             <a:lvl4pPr lvl="3" algn="ctr">
               <a:spcBef>
                 <a:spcPts val="0"/>
               </a:spcBef>
               <a:buSzPct val="100000"/>
-              <a:defRPr sz="3600"/>
+              <a:defRPr sz="4800"/>
             </a:lvl4pPr>
             <a:lvl5pPr lvl="4" algn="ctr">
               <a:spcBef>
                 <a:spcPts val="0"/>
               </a:spcBef>
               <a:buSzPct val="100000"/>
-              <a:defRPr sz="3600"/>
+              <a:defRPr sz="4800"/>
             </a:lvl5pPr>
             <a:lvl6pPr lvl="5" algn="ctr">
               <a:spcBef>
                 <a:spcPts val="0"/>
               </a:spcBef>
               <a:buSzPct val="100000"/>
-              <a:defRPr sz="3600"/>
+              <a:defRPr sz="4800"/>
             </a:lvl6pPr>
             <a:lvl7pPr lvl="6" algn="ctr">
               <a:spcBef>
                 <a:spcPts val="0"/>
               </a:spcBef>
               <a:buSzPct val="100000"/>
-              <a:defRPr sz="3600"/>
+              <a:defRPr sz="4800"/>
             </a:lvl7pPr>
             <a:lvl8pPr lvl="7" algn="ctr">
               <a:spcBef>
                 <a:spcPts val="0"/>
               </a:spcBef>
               <a:buSzPct val="100000"/>
-              <a:defRPr sz="3600"/>
+              <a:defRPr sz="4800"/>
             </a:lvl8pPr>
             <a:lvl9pPr lvl="8" algn="ctr">
               <a:spcBef>
                 <a:spcPts val="0"/>
               </a:spcBef>
               <a:buSzPct val="100000"/>
-              <a:defRPr sz="3600"/>
+              <a:defRPr sz="4800"/>
             </a:lvl9pPr>
           </a:lstStyle>
           <a:p/>
@@ -1152,7 +2466,7 @@
       </p:sp>
       <p:sp>
         <p:nvSpPr>
-          <p:cNvPr id="15" name="Shape 15"/>
+          <p:cNvPr id="16" name="Shape 16"/>
           <p:cNvSpPr txBox="1"/>
           <p:nvPr>
             <p:ph idx="12" type="sldNum"/>
@@ -1199,7 +2513,7 @@
   <p:cSld name="Title and body">
     <p:spTree>
       <p:nvGrpSpPr>
-        <p:cNvPr id="16" name="Shape 16"/>
+        <p:cNvPr id="17" name="Shape 17"/>
         <p:cNvGrpSpPr/>
         <p:nvPr/>
       </p:nvGrpSpPr>
@@ -1213,7 +2527,7 @@
       </p:grpSpPr>
       <p:sp>
         <p:nvSpPr>
-          <p:cNvPr id="17" name="Shape 17"/>
+          <p:cNvPr id="18" name="Shape 18"/>
           <p:cNvSpPr txBox="1"/>
           <p:nvPr>
             <p:ph type="title"/>
@@ -1221,8 +2535,8 @@
         </p:nvSpPr>
         <p:spPr>
           <a:xfrm>
-            <a:off x="311700" y="445025"/>
-            <a:ext cx="8520600" cy="572700"/>
+            <a:off x="311700" y="292850"/>
+            <a:ext cx="8520600" cy="801000"/>
           </a:xfrm>
           <a:prstGeom prst="rect">
             <a:avLst/>
@@ -1291,7 +2605,7 @@
       </p:sp>
       <p:sp>
         <p:nvSpPr>
-          <p:cNvPr id="18" name="Shape 18"/>
+          <p:cNvPr id="19" name="Shape 19"/>
           <p:cNvSpPr txBox="1"/>
           <p:nvPr>
             <p:ph idx="1" type="body"/>
@@ -1299,8 +2613,8 @@
         </p:nvSpPr>
         <p:spPr>
           <a:xfrm>
-            <a:off x="311700" y="1152475"/>
-            <a:ext cx="8520600" cy="3416400"/>
+            <a:off x="311700" y="1228675"/>
+            <a:ext cx="8520600" cy="3340200"/>
           </a:xfrm>
           <a:prstGeom prst="rect">
             <a:avLst/>
@@ -1369,7 +2683,7 @@
       </p:sp>
       <p:sp>
         <p:nvSpPr>
-          <p:cNvPr id="19" name="Shape 19"/>
+          <p:cNvPr id="20" name="Shape 20"/>
           <p:cNvSpPr txBox="1"/>
           <p:nvPr>
             <p:ph idx="12" type="sldNum"/>
@@ -1416,7 +2730,7 @@
   <p:cSld name="Title and two columns">
     <p:spTree>
       <p:nvGrpSpPr>
-        <p:cNvPr id="20" name="Shape 20"/>
+        <p:cNvPr id="21" name="Shape 21"/>
         <p:cNvGrpSpPr/>
         <p:nvPr/>
       </p:nvGrpSpPr>
@@ -1430,7 +2744,7 @@
       </p:grpSpPr>
       <p:sp>
         <p:nvSpPr>
-          <p:cNvPr id="21" name="Shape 21"/>
+          <p:cNvPr id="22" name="Shape 22"/>
           <p:cNvSpPr txBox="1"/>
           <p:nvPr>
             <p:ph type="title"/>
@@ -1438,8 +2752,8 @@
         </p:nvSpPr>
         <p:spPr>
           <a:xfrm>
-            <a:off x="311700" y="445025"/>
-            <a:ext cx="8520600" cy="572700"/>
+            <a:off x="311700" y="292850"/>
+            <a:ext cx="8520600" cy="801000"/>
           </a:xfrm>
           <a:prstGeom prst="rect">
             <a:avLst/>
@@ -1508,7 +2822,7 @@
       </p:sp>
       <p:sp>
         <p:nvSpPr>
-          <p:cNvPr id="22" name="Shape 22"/>
+          <p:cNvPr id="23" name="Shape 23"/>
           <p:cNvSpPr txBox="1"/>
           <p:nvPr>
             <p:ph idx="1" type="body"/>
@@ -1516,8 +2830,8 @@
         </p:nvSpPr>
         <p:spPr>
           <a:xfrm>
-            <a:off x="311700" y="1152475"/>
-            <a:ext cx="3999900" cy="3416400"/>
+            <a:off x="311700" y="1228675"/>
+            <a:ext cx="3999900" cy="3340200"/>
           </a:xfrm>
           <a:prstGeom prst="rect">
             <a:avLst/>
@@ -1595,7 +2909,7 @@
       </p:sp>
       <p:sp>
         <p:nvSpPr>
-          <p:cNvPr id="23" name="Shape 23"/>
+          <p:cNvPr id="24" name="Shape 24"/>
           <p:cNvSpPr txBox="1"/>
           <p:nvPr>
             <p:ph idx="2" type="body"/>
@@ -1603,8 +2917,8 @@
         </p:nvSpPr>
         <p:spPr>
           <a:xfrm>
-            <a:off x="4832400" y="1152475"/>
-            <a:ext cx="3999900" cy="3416400"/>
+            <a:off x="4832400" y="1228675"/>
+            <a:ext cx="3999900" cy="3340200"/>
           </a:xfrm>
           <a:prstGeom prst="rect">
             <a:avLst/>
@@ -1682,7 +2996,7 @@
       </p:sp>
       <p:sp>
         <p:nvSpPr>
-          <p:cNvPr id="24" name="Shape 24"/>
+          <p:cNvPr id="25" name="Shape 25"/>
           <p:cNvSpPr txBox="1"/>
           <p:nvPr>
             <p:ph idx="12" type="sldNum"/>
@@ -1729,7 +3043,7 @@
   <p:cSld name="Title only">
     <p:spTree>
       <p:nvGrpSpPr>
-        <p:cNvPr id="25" name="Shape 25"/>
+        <p:cNvPr id="26" name="Shape 26"/>
         <p:cNvGrpSpPr/>
         <p:nvPr/>
       </p:nvGrpSpPr>
@@ -1743,7 +3057,7 @@
       </p:grpSpPr>
       <p:sp>
         <p:nvSpPr>
-          <p:cNvPr id="26" name="Shape 26"/>
+          <p:cNvPr id="27" name="Shape 27"/>
           <p:cNvSpPr txBox="1"/>
           <p:nvPr>
             <p:ph type="title"/>
@@ -1751,8 +3065,8 @@
         </p:nvSpPr>
         <p:spPr>
           <a:xfrm>
-            <a:off x="311700" y="445025"/>
-            <a:ext cx="8520600" cy="572700"/>
+            <a:off x="304800" y="309350"/>
+            <a:ext cx="8537700" cy="748200"/>
           </a:xfrm>
           <a:prstGeom prst="rect">
             <a:avLst/>
@@ -1765,55 +3079,64 @@
               <a:spcBef>
                 <a:spcPts val="0"/>
               </a:spcBef>
-              <a:defRPr/>
+              <a:buSzPct val="100000"/>
+              <a:defRPr sz="4000"/>
             </a:lvl1pPr>
             <a:lvl2pPr lvl="1">
               <a:spcBef>
                 <a:spcPts val="0"/>
               </a:spcBef>
-              <a:defRPr/>
+              <a:buSzPct val="100000"/>
+              <a:defRPr sz="4000"/>
             </a:lvl2pPr>
             <a:lvl3pPr lvl="2">
               <a:spcBef>
                 <a:spcPts val="0"/>
               </a:spcBef>
-              <a:defRPr/>
+              <a:buSzPct val="100000"/>
+              <a:defRPr sz="4000"/>
             </a:lvl3pPr>
             <a:lvl4pPr lvl="3">
               <a:spcBef>
                 <a:spcPts val="0"/>
               </a:spcBef>
-              <a:defRPr/>
+              <a:buSzPct val="100000"/>
+              <a:defRPr sz="4000"/>
             </a:lvl4pPr>
             <a:lvl5pPr lvl="4">
               <a:spcBef>
                 <a:spcPts val="0"/>
               </a:spcBef>
-              <a:defRPr/>
+              <a:buSzPct val="100000"/>
+              <a:defRPr sz="4000"/>
             </a:lvl5pPr>
             <a:lvl6pPr lvl="5">
               <a:spcBef>
                 <a:spcPts val="0"/>
               </a:spcBef>
-              <a:defRPr/>
+              <a:buSzPct val="100000"/>
+              <a:defRPr sz="4000"/>
             </a:lvl6pPr>
             <a:lvl7pPr lvl="6">
               <a:spcBef>
                 <a:spcPts val="0"/>
               </a:spcBef>
-              <a:defRPr/>
+              <a:buSzPct val="100000"/>
+              <a:defRPr sz="4000"/>
             </a:lvl7pPr>
             <a:lvl8pPr lvl="7">
               <a:spcBef>
                 <a:spcPts val="0"/>
               </a:spcBef>
-              <a:defRPr/>
+              <a:buSzPct val="100000"/>
+              <a:defRPr sz="4000"/>
             </a:lvl8pPr>
             <a:lvl9pPr lvl="8">
               <a:spcBef>
                 <a:spcPts val="0"/>
               </a:spcBef>
-              <a:defRPr/>
+              <a:buSzPct val="100000"/>
+              <a:defRPr sz="4000"/>
             </a:lvl9pPr>
           </a:lstStyle>
           <a:p/>
@@ -1821,7 +3144,7 @@
       </p:sp>
       <p:sp>
         <p:nvSpPr>
-          <p:cNvPr id="27" name="Shape 27"/>
+          <p:cNvPr id="28" name="Shape 28"/>
           <p:cNvSpPr txBox="1"/>
           <p:nvPr>
             <p:ph idx="12" type="sldNum"/>
@@ -1868,7 +3191,7 @@
   <p:cSld name="One column text">
     <p:spTree>
       <p:nvGrpSpPr>
-        <p:cNvPr id="28" name="Shape 28"/>
+        <p:cNvPr id="29" name="Shape 29"/>
         <p:cNvGrpSpPr/>
         <p:nvPr/>
       </p:nvGrpSpPr>
@@ -1882,7 +3205,7 @@
       </p:grpSpPr>
       <p:sp>
         <p:nvSpPr>
-          <p:cNvPr id="29" name="Shape 29"/>
+          <p:cNvPr id="30" name="Shape 30"/>
           <p:cNvSpPr txBox="1"/>
           <p:nvPr>
             <p:ph type="title"/>
@@ -1905,63 +3228,63 @@
                 <a:spcPts val="0"/>
               </a:spcBef>
               <a:buSzPct val="100000"/>
-              <a:defRPr sz="2400"/>
+              <a:defRPr sz="3000"/>
             </a:lvl1pPr>
             <a:lvl2pPr lvl="1">
               <a:spcBef>
                 <a:spcPts val="0"/>
               </a:spcBef>
               <a:buSzPct val="100000"/>
-              <a:defRPr sz="2400"/>
+              <a:defRPr sz="3000"/>
             </a:lvl2pPr>
             <a:lvl3pPr lvl="2">
               <a:spcBef>
                 <a:spcPts val="0"/>
               </a:spcBef>
               <a:buSzPct val="100000"/>
-              <a:defRPr sz="2400"/>
+              <a:defRPr sz="3000"/>
             </a:lvl3pPr>
             <a:lvl4pPr lvl="3">
               <a:spcBef>
                 <a:spcPts val="0"/>
               </a:spcBef>
               <a:buSzPct val="100000"/>
-              <a:defRPr sz="2400"/>
+              <a:defRPr sz="3000"/>
             </a:lvl4pPr>
             <a:lvl5pPr lvl="4">
               <a:spcBef>
                 <a:spcPts val="0"/>
               </a:spcBef>
               <a:buSzPct val="100000"/>
-              <a:defRPr sz="2400"/>
+              <a:defRPr sz="3000"/>
             </a:lvl5pPr>
             <a:lvl6pPr lvl="5">
               <a:spcBef>
                 <a:spcPts val="0"/>
               </a:spcBef>
               <a:buSzPct val="100000"/>
-              <a:defRPr sz="2400"/>
+              <a:defRPr sz="3000"/>
             </a:lvl6pPr>
             <a:lvl7pPr lvl="6">
               <a:spcBef>
                 <a:spcPts val="0"/>
               </a:spcBef>
               <a:buSzPct val="100000"/>
-              <a:defRPr sz="2400"/>
+              <a:defRPr sz="3000"/>
             </a:lvl7pPr>
             <a:lvl8pPr lvl="7">
               <a:spcBef>
                 <a:spcPts val="0"/>
               </a:spcBef>
               <a:buSzPct val="100000"/>
-              <a:defRPr sz="2400"/>
+              <a:defRPr sz="3000"/>
             </a:lvl8pPr>
             <a:lvl9pPr lvl="8">
               <a:spcBef>
                 <a:spcPts val="0"/>
               </a:spcBef>
               <a:buSzPct val="100000"/>
-              <a:defRPr sz="2400"/>
+              <a:defRPr sz="3000"/>
             </a:lvl9pPr>
           </a:lstStyle>
           <a:p/>
@@ -1969,7 +3292,7 @@
       </p:sp>
       <p:sp>
         <p:nvSpPr>
-          <p:cNvPr id="30" name="Shape 30"/>
+          <p:cNvPr id="31" name="Shape 31"/>
           <p:cNvSpPr txBox="1"/>
           <p:nvPr>
             <p:ph idx="1" type="body"/>
@@ -2056,7 +3379,7 @@
       </p:sp>
       <p:sp>
         <p:nvSpPr>
-          <p:cNvPr id="31" name="Shape 31"/>
+          <p:cNvPr id="32" name="Shape 32"/>
           <p:cNvSpPr txBox="1"/>
           <p:nvPr>
             <p:ph idx="12" type="sldNum"/>
@@ -2101,9 +3424,16 @@
 <file path=ppt/slideLayouts/slideLayout7.xml><?xml version="1.0" encoding="utf-8"?>
 <p:sldLayout xmlns:a="http://schemas.openxmlformats.org/drawingml/2006/main" xmlns:r="http://schemas.openxmlformats.org/officeDocument/2006/relationships" xmlns:mc="http://schemas.openxmlformats.org/markup-compatibility/2006" xmlns:mv="urn:schemas-microsoft-com:mac:vml" xmlns:p="http://schemas.openxmlformats.org/presentationml/2006/main" xmlns:c="http://schemas.openxmlformats.org/drawingml/2006/chart" xmlns:dgm="http://schemas.openxmlformats.org/drawingml/2006/diagram" xmlns:o="urn:schemas-microsoft-com:office:office" xmlns:v="urn:schemas-microsoft-com:vml" xmlns:pvml="urn:schemas-microsoft-com:office:powerpoint" xmlns:com="http://schemas.openxmlformats.org/drawingml/2006/compatibility" xmlns:p14="http://schemas.microsoft.com/office/powerpoint/2010/main">
   <p:cSld name="Main point">
+    <p:bg>
+      <p:bgPr>
+        <a:solidFill>
+          <a:schemeClr val="accent4"/>
+        </a:solidFill>
+      </p:bgPr>
+    </p:bg>
     <p:spTree>
       <p:nvGrpSpPr>
-        <p:cNvPr id="32" name="Shape 32"/>
+        <p:cNvPr id="33" name="Shape 33"/>
         <p:cNvGrpSpPr/>
         <p:nvPr/>
       </p:nvGrpSpPr>
@@ -2117,7 +3447,7 @@
       </p:grpSpPr>
       <p:sp>
         <p:nvSpPr>
-          <p:cNvPr id="33" name="Shape 33"/>
+          <p:cNvPr id="34" name="Shape 34"/>
           <p:cNvSpPr txBox="1"/>
           <p:nvPr>
             <p:ph type="title"/>
@@ -2125,8 +3455,8 @@
         </p:nvSpPr>
         <p:spPr>
           <a:xfrm>
-            <a:off x="490250" y="450150"/>
-            <a:ext cx="6367800" cy="4090800"/>
+            <a:off x="490250" y="526350"/>
+            <a:ext cx="5618700" cy="4090800"/>
           </a:xfrm>
           <a:prstGeom prst="rect">
             <a:avLst/>
@@ -2139,64 +3469,127 @@
               <a:spcBef>
                 <a:spcPts val="0"/>
               </a:spcBef>
-              <a:buSzPct val="100000"/>
-              <a:defRPr sz="4800"/>
+              <a:buClr>
+                <a:schemeClr val="lt1"/>
+              </a:buClr>
+              <a:buSzPct val="100000"/>
+              <a:defRPr sz="6000">
+                <a:solidFill>
+                  <a:schemeClr val="lt1"/>
+                </a:solidFill>
+              </a:defRPr>
             </a:lvl1pPr>
             <a:lvl2pPr lvl="1">
               <a:spcBef>
                 <a:spcPts val="0"/>
               </a:spcBef>
-              <a:buSzPct val="100000"/>
-              <a:defRPr sz="4800"/>
+              <a:buClr>
+                <a:schemeClr val="lt1"/>
+              </a:buClr>
+              <a:buSzPct val="100000"/>
+              <a:defRPr sz="6000">
+                <a:solidFill>
+                  <a:schemeClr val="lt1"/>
+                </a:solidFill>
+              </a:defRPr>
             </a:lvl2pPr>
             <a:lvl3pPr lvl="2">
               <a:spcBef>
                 <a:spcPts val="0"/>
               </a:spcBef>
-              <a:buSzPct val="100000"/>
-              <a:defRPr sz="4800"/>
+              <a:buClr>
+                <a:schemeClr val="lt1"/>
+              </a:buClr>
+              <a:buSzPct val="100000"/>
+              <a:defRPr sz="6000">
+                <a:solidFill>
+                  <a:schemeClr val="lt1"/>
+                </a:solidFill>
+              </a:defRPr>
             </a:lvl3pPr>
             <a:lvl4pPr lvl="3">
               <a:spcBef>
                 <a:spcPts val="0"/>
               </a:spcBef>
-              <a:buSzPct val="100000"/>
-              <a:defRPr sz="4800"/>
+              <a:buClr>
+                <a:schemeClr val="lt1"/>
+              </a:buClr>
+              <a:buSzPct val="100000"/>
+              <a:defRPr sz="6000">
+                <a:solidFill>
+                  <a:schemeClr val="lt1"/>
+                </a:solidFill>
+              </a:defRPr>
             </a:lvl4pPr>
             <a:lvl5pPr lvl="4">
               <a:spcBef>
                 <a:spcPts val="0"/>
               </a:spcBef>
-              <a:buSzPct val="100000"/>
-              <a:defRPr sz="4800"/>
+              <a:buClr>
+                <a:schemeClr val="lt1"/>
+              </a:buClr>
+              <a:buSzPct val="100000"/>
+              <a:defRPr sz="6000">
+                <a:solidFill>
+                  <a:schemeClr val="lt1"/>
+                </a:solidFill>
+              </a:defRPr>
             </a:lvl5pPr>
             <a:lvl6pPr lvl="5">
               <a:spcBef>
                 <a:spcPts val="0"/>
               </a:spcBef>
-              <a:buSzPct val="100000"/>
-              <a:defRPr sz="4800"/>
+              <a:buClr>
+                <a:schemeClr val="lt1"/>
+              </a:buClr>
+              <a:buSzPct val="100000"/>
+              <a:defRPr sz="6000">
+                <a:solidFill>
+                  <a:schemeClr val="lt1"/>
+                </a:solidFill>
+              </a:defRPr>
             </a:lvl6pPr>
             <a:lvl7pPr lvl="6">
               <a:spcBef>
                 <a:spcPts val="0"/>
               </a:spcBef>
-              <a:buSzPct val="100000"/>
-              <a:defRPr sz="4800"/>
+              <a:buClr>
+                <a:schemeClr val="lt1"/>
+              </a:buClr>
+              <a:buSzPct val="100000"/>
+              <a:defRPr sz="6000">
+                <a:solidFill>
+                  <a:schemeClr val="lt1"/>
+                </a:solidFill>
+              </a:defRPr>
             </a:lvl7pPr>
             <a:lvl8pPr lvl="7">
               <a:spcBef>
                 <a:spcPts val="0"/>
               </a:spcBef>
-              <a:buSzPct val="100000"/>
-              <a:defRPr sz="4800"/>
+              <a:buClr>
+                <a:schemeClr val="lt1"/>
+              </a:buClr>
+              <a:buSzPct val="100000"/>
+              <a:defRPr sz="6000">
+                <a:solidFill>
+                  <a:schemeClr val="lt1"/>
+                </a:solidFill>
+              </a:defRPr>
             </a:lvl8pPr>
             <a:lvl9pPr lvl="8">
               <a:spcBef>
                 <a:spcPts val="0"/>
               </a:spcBef>
-              <a:buSzPct val="100000"/>
-              <a:defRPr sz="4800"/>
+              <a:buClr>
+                <a:schemeClr val="lt1"/>
+              </a:buClr>
+              <a:buSzPct val="100000"/>
+              <a:defRPr sz="6000">
+                <a:solidFill>
+                  <a:schemeClr val="lt1"/>
+                </a:solidFill>
+              </a:defRPr>
             </a:lvl9pPr>
           </a:lstStyle>
           <a:p/>
@@ -2204,7 +3597,7 @@
       </p:sp>
       <p:sp>
         <p:nvSpPr>
-          <p:cNvPr id="34" name="Shape 34"/>
+          <p:cNvPr id="35" name="Shape 35"/>
           <p:cNvSpPr txBox="1"/>
           <p:nvPr>
             <p:ph idx="12" type="sldNum"/>
@@ -2232,7 +3625,11 @@
               <a:buNone/>
             </a:pPr>
             <a:fld id="{00000000-1234-1234-1234-123412341234}" type="slidenum">
-              <a:rPr lang="en"/>
+              <a:rPr lang="en">
+                <a:solidFill>
+                  <a:schemeClr val="lt1"/>
+                </a:solidFill>
+              </a:rPr>
               <a:t>‹#›</a:t>
             </a:fld>
           </a:p>
@@ -2251,7 +3648,7 @@
   <p:cSld name="Section title and description">
     <p:spTree>
       <p:nvGrpSpPr>
-        <p:cNvPr id="35" name="Shape 35"/>
+        <p:cNvPr id="36" name="Shape 36"/>
         <p:cNvGrpSpPr/>
         <p:nvPr/>
       </p:nvGrpSpPr>
@@ -2265,20 +3662,20 @@
       </p:grpSpPr>
       <p:sp>
         <p:nvSpPr>
-          <p:cNvPr id="36" name="Shape 36"/>
+          <p:cNvPr id="37" name="Shape 37"/>
           <p:cNvSpPr/>
           <p:nvPr/>
         </p:nvSpPr>
         <p:spPr>
           <a:xfrm>
-            <a:off x="4572000" y="-125"/>
+            <a:off x="4572000" y="-25"/>
             <a:ext cx="4572000" cy="5143500"/>
           </a:xfrm>
           <a:prstGeom prst="rect">
             <a:avLst/>
           </a:prstGeom>
           <a:solidFill>
-            <a:schemeClr val="lt2"/>
+            <a:schemeClr val="dk1"/>
           </a:solidFill>
           <a:ln>
             <a:noFill/>
@@ -2303,9 +3700,35 @@
           </a:p>
         </p:txBody>
       </p:sp>
-      <p:sp>
-        <p:nvSpPr>
-          <p:cNvPr id="37" name="Shape 37"/>
+      <p:cxnSp>
+        <p:nvCxnSpPr>
+          <p:cNvPr id="38" name="Shape 38"/>
+          <p:cNvCxnSpPr/>
+          <p:nvPr/>
+        </p:nvCxnSpPr>
+        <p:spPr>
+          <a:xfrm>
+            <a:off x="5029675" y="4495500"/>
+            <a:ext cx="468300" cy="0"/>
+          </a:xfrm>
+          <a:prstGeom prst="straightConnector1">
+            <a:avLst/>
+          </a:prstGeom>
+          <a:noFill/>
+          <a:ln cap="flat" cmpd="sng" w="28575">
+            <a:solidFill>
+              <a:schemeClr val="lt1"/>
+            </a:solidFill>
+            <a:prstDash val="solid"/>
+            <a:round/>
+            <a:headEnd len="med" w="med" type="none"/>
+            <a:tailEnd len="med" w="med" type="none"/>
+          </a:ln>
+        </p:spPr>
+      </p:cxnSp>
+      <p:sp>
+        <p:nvSpPr>
+          <p:cNvPr id="39" name="Shape 39"/>
           <p:cNvSpPr txBox="1"/>
           <p:nvPr>
             <p:ph type="title"/>
@@ -2313,8 +3736,8 @@
         </p:nvSpPr>
         <p:spPr>
           <a:xfrm>
-            <a:off x="265500" y="1233175"/>
-            <a:ext cx="4045200" cy="1482300"/>
+            <a:off x="265500" y="1081400"/>
+            <a:ext cx="4045200" cy="1710300"/>
           </a:xfrm>
           <a:prstGeom prst="rect">
             <a:avLst/>
@@ -2328,63 +3751,63 @@
                 <a:spcPts val="0"/>
               </a:spcBef>
               <a:buSzPct val="100000"/>
-              <a:defRPr sz="4200"/>
+              <a:defRPr sz="5400"/>
             </a:lvl1pPr>
             <a:lvl2pPr lvl="1" algn="ctr">
               <a:spcBef>
                 <a:spcPts val="0"/>
               </a:spcBef>
               <a:buSzPct val="100000"/>
-              <a:defRPr sz="4200"/>
+              <a:defRPr sz="5400"/>
             </a:lvl2pPr>
             <a:lvl3pPr lvl="2" algn="ctr">
               <a:spcBef>
                 <a:spcPts val="0"/>
               </a:spcBef>
               <a:buSzPct val="100000"/>
-              <a:defRPr sz="4200"/>
+              <a:defRPr sz="5400"/>
             </a:lvl3pPr>
             <a:lvl4pPr lvl="3" algn="ctr">
               <a:spcBef>
                 <a:spcPts val="0"/>
               </a:spcBef>
               <a:buSzPct val="100000"/>
-              <a:defRPr sz="4200"/>
+              <a:defRPr sz="5400"/>
             </a:lvl4pPr>
             <a:lvl5pPr lvl="4" algn="ctr">
               <a:spcBef>
                 <a:spcPts val="0"/>
               </a:spcBef>
               <a:buSzPct val="100000"/>
-              <a:defRPr sz="4200"/>
+              <a:defRPr sz="5400"/>
             </a:lvl5pPr>
             <a:lvl6pPr lvl="5" algn="ctr">
               <a:spcBef>
                 <a:spcPts val="0"/>
               </a:spcBef>
               <a:buSzPct val="100000"/>
-              <a:defRPr sz="4200"/>
+              <a:defRPr sz="5400"/>
             </a:lvl6pPr>
             <a:lvl7pPr lvl="6" algn="ctr">
               <a:spcBef>
                 <a:spcPts val="0"/>
               </a:spcBef>
               <a:buSzPct val="100000"/>
-              <a:defRPr sz="4200"/>
+              <a:defRPr sz="5400"/>
             </a:lvl7pPr>
             <a:lvl8pPr lvl="7" algn="ctr">
               <a:spcBef>
                 <a:spcPts val="0"/>
               </a:spcBef>
               <a:buSzPct val="100000"/>
-              <a:defRPr sz="4200"/>
+              <a:defRPr sz="5400"/>
             </a:lvl8pPr>
             <a:lvl9pPr lvl="8" algn="ctr">
               <a:spcBef>
                 <a:spcPts val="0"/>
               </a:spcBef>
               <a:buSzPct val="100000"/>
-              <a:defRPr sz="4200"/>
+              <a:defRPr sz="5400"/>
             </a:lvl9pPr>
           </a:lstStyle>
           <a:p/>
@@ -2392,7 +3815,7 @@
       </p:sp>
       <p:sp>
         <p:nvSpPr>
-          <p:cNvPr id="38" name="Shape 38"/>
+          <p:cNvPr id="40" name="Shape 40"/>
           <p:cNvSpPr txBox="1"/>
           <p:nvPr>
             <p:ph idx="1" type="subTitle"/>
@@ -2400,8 +3823,8 @@
         </p:nvSpPr>
         <p:spPr>
           <a:xfrm>
-            <a:off x="265500" y="2803075"/>
-            <a:ext cx="4045200" cy="1235100"/>
+            <a:off x="265500" y="2845222"/>
+            <a:ext cx="4045200" cy="1345500"/>
           </a:xfrm>
           <a:prstGeom prst="rect">
             <a:avLst/>
@@ -2420,9 +3843,8 @@
               <a:spcAft>
                 <a:spcPts val="0"/>
               </a:spcAft>
-              <a:buSzPct val="100000"/>
-              <a:buNone/>
-              <a:defRPr sz="2100"/>
+              <a:buNone/>
+              <a:defRPr/>
             </a:lvl1pPr>
             <a:lvl2pPr lvl="1" algn="ctr">
               <a:lnSpc>
@@ -2436,7 +3858,7 @@
               </a:spcAft>
               <a:buSzPct val="100000"/>
               <a:buNone/>
-              <a:defRPr sz="2100"/>
+              <a:defRPr sz="1800"/>
             </a:lvl2pPr>
             <a:lvl3pPr lvl="2" algn="ctr">
               <a:lnSpc>
@@ -2450,7 +3872,7 @@
               </a:spcAft>
               <a:buSzPct val="100000"/>
               <a:buNone/>
-              <a:defRPr sz="2100"/>
+              <a:defRPr sz="1800"/>
             </a:lvl3pPr>
             <a:lvl4pPr lvl="3" algn="ctr">
               <a:lnSpc>
@@ -2464,7 +3886,7 @@
               </a:spcAft>
               <a:buSzPct val="100000"/>
               <a:buNone/>
-              <a:defRPr sz="2100"/>
+              <a:defRPr sz="1800"/>
             </a:lvl4pPr>
             <a:lvl5pPr lvl="4" algn="ctr">
               <a:lnSpc>
@@ -2478,7 +3900,7 @@
               </a:spcAft>
               <a:buSzPct val="100000"/>
               <a:buNone/>
-              <a:defRPr sz="2100"/>
+              <a:defRPr sz="1800"/>
             </a:lvl5pPr>
             <a:lvl6pPr lvl="5" algn="ctr">
               <a:lnSpc>
@@ -2492,7 +3914,7 @@
               </a:spcAft>
               <a:buSzPct val="100000"/>
               <a:buNone/>
-              <a:defRPr sz="2100"/>
+              <a:defRPr sz="1800"/>
             </a:lvl6pPr>
             <a:lvl7pPr lvl="6" algn="ctr">
               <a:lnSpc>
@@ -2506,7 +3928,7 @@
               </a:spcAft>
               <a:buSzPct val="100000"/>
               <a:buNone/>
-              <a:defRPr sz="2100"/>
+              <a:defRPr sz="1800"/>
             </a:lvl7pPr>
             <a:lvl8pPr lvl="7" algn="ctr">
               <a:lnSpc>
@@ -2520,7 +3942,7 @@
               </a:spcAft>
               <a:buSzPct val="100000"/>
               <a:buNone/>
-              <a:defRPr sz="2100"/>
+              <a:defRPr sz="1800"/>
             </a:lvl8pPr>
             <a:lvl9pPr lvl="8" algn="ctr">
               <a:lnSpc>
@@ -2534,7 +3956,7 @@
               </a:spcAft>
               <a:buSzPct val="100000"/>
               <a:buNone/>
-              <a:defRPr sz="2100"/>
+              <a:defRPr sz="1800"/>
             </a:lvl9pPr>
           </a:lstStyle>
           <a:p/>
@@ -2542,7 +3964,7 @@
       </p:sp>
       <p:sp>
         <p:nvSpPr>
-          <p:cNvPr id="39" name="Shape 39"/>
+          <p:cNvPr id="41" name="Shape 41"/>
           <p:cNvSpPr txBox="1"/>
           <p:nvPr>
             <p:ph idx="2" type="body"/>
@@ -2550,7 +3972,7 @@
         </p:nvSpPr>
         <p:spPr>
           <a:xfrm>
-            <a:off x="4939500" y="724075"/>
+            <a:off x="4939500" y="724200"/>
             <a:ext cx="3837000" cy="3695100"/>
           </a:xfrm>
           <a:prstGeom prst="rect">
@@ -2564,55 +3986,118 @@
               <a:spcBef>
                 <a:spcPts val="0"/>
               </a:spcBef>
-              <a:defRPr/>
+              <a:buClr>
+                <a:schemeClr val="accent1"/>
+              </a:buClr>
+              <a:defRPr>
+                <a:solidFill>
+                  <a:schemeClr val="accent1"/>
+                </a:solidFill>
+              </a:defRPr>
             </a:lvl1pPr>
             <a:lvl2pPr lvl="1">
               <a:spcBef>
                 <a:spcPts val="0"/>
               </a:spcBef>
-              <a:defRPr/>
+              <a:buClr>
+                <a:schemeClr val="accent1"/>
+              </a:buClr>
+              <a:defRPr>
+                <a:solidFill>
+                  <a:schemeClr val="accent1"/>
+                </a:solidFill>
+              </a:defRPr>
             </a:lvl2pPr>
             <a:lvl3pPr lvl="2">
               <a:spcBef>
                 <a:spcPts val="0"/>
               </a:spcBef>
-              <a:defRPr/>
+              <a:buClr>
+                <a:schemeClr val="accent1"/>
+              </a:buClr>
+              <a:defRPr>
+                <a:solidFill>
+                  <a:schemeClr val="accent1"/>
+                </a:solidFill>
+              </a:defRPr>
             </a:lvl3pPr>
             <a:lvl4pPr lvl="3">
               <a:spcBef>
                 <a:spcPts val="0"/>
               </a:spcBef>
-              <a:defRPr/>
+              <a:buClr>
+                <a:schemeClr val="accent1"/>
+              </a:buClr>
+              <a:defRPr>
+                <a:solidFill>
+                  <a:schemeClr val="accent1"/>
+                </a:solidFill>
+              </a:defRPr>
             </a:lvl4pPr>
             <a:lvl5pPr lvl="4">
               <a:spcBef>
                 <a:spcPts val="0"/>
               </a:spcBef>
-              <a:defRPr/>
+              <a:buClr>
+                <a:schemeClr val="accent1"/>
+              </a:buClr>
+              <a:defRPr>
+                <a:solidFill>
+                  <a:schemeClr val="accent1"/>
+                </a:solidFill>
+              </a:defRPr>
             </a:lvl5pPr>
             <a:lvl6pPr lvl="5">
               <a:spcBef>
                 <a:spcPts val="0"/>
               </a:spcBef>
-              <a:defRPr/>
+              <a:buClr>
+                <a:schemeClr val="accent1"/>
+              </a:buClr>
+              <a:defRPr>
+                <a:solidFill>
+                  <a:schemeClr val="accent1"/>
+                </a:solidFill>
+              </a:defRPr>
             </a:lvl6pPr>
             <a:lvl7pPr lvl="6">
               <a:spcBef>
                 <a:spcPts val="0"/>
               </a:spcBef>
-              <a:defRPr/>
+              <a:buClr>
+                <a:schemeClr val="accent1"/>
+              </a:buClr>
+              <a:defRPr>
+                <a:solidFill>
+                  <a:schemeClr val="accent1"/>
+                </a:solidFill>
+              </a:defRPr>
             </a:lvl7pPr>
             <a:lvl8pPr lvl="7">
               <a:spcBef>
                 <a:spcPts val="0"/>
               </a:spcBef>
-              <a:defRPr/>
+              <a:buClr>
+                <a:schemeClr val="accent1"/>
+              </a:buClr>
+              <a:defRPr>
+                <a:solidFill>
+                  <a:schemeClr val="accent1"/>
+                </a:solidFill>
+              </a:defRPr>
             </a:lvl8pPr>
             <a:lvl9pPr lvl="8">
               <a:spcBef>
                 <a:spcPts val="0"/>
               </a:spcBef>
-              <a:defRPr/>
+              <a:buClr>
+                <a:schemeClr val="accent1"/>
+              </a:buClr>
+              <a:defRPr>
+                <a:solidFill>
+                  <a:schemeClr val="accent1"/>
+                </a:solidFill>
+              </a:defRPr>
             </a:lvl9pPr>
           </a:lstStyle>
           <a:p/>
@@ -2620,7 +4105,7 @@
       </p:sp>
       <p:sp>
         <p:nvSpPr>
-          <p:cNvPr id="40" name="Shape 40"/>
+          <p:cNvPr id="42" name="Shape 42"/>
           <p:cNvSpPr txBox="1"/>
           <p:nvPr>
             <p:ph idx="12" type="sldNum"/>
@@ -2667,7 +4152,7 @@
   <p:cSld name="Caption">
     <p:spTree>
       <p:nvGrpSpPr>
-        <p:cNvPr id="41" name="Shape 41"/>
+        <p:cNvPr id="43" name="Shape 43"/>
         <p:cNvGrpSpPr/>
         <p:nvPr/>
       </p:nvGrpSpPr>
@@ -2681,7 +4166,7 @@
       </p:grpSpPr>
       <p:sp>
         <p:nvSpPr>
-          <p:cNvPr id="42" name="Shape 42"/>
+          <p:cNvPr id="44" name="Shape 44"/>
           <p:cNvSpPr txBox="1"/>
           <p:nvPr>
             <p:ph idx="1" type="body"/>
@@ -2689,8 +4174,8 @@
         </p:nvSpPr>
         <p:spPr>
           <a:xfrm>
-            <a:off x="311700" y="4230575"/>
-            <a:ext cx="5998800" cy="605100"/>
+            <a:off x="319500" y="4230575"/>
+            <a:ext cx="5998800" cy="598800"/>
           </a:xfrm>
           <a:prstGeom prst="rect">
             <a:avLst/>
@@ -2709,8 +4194,21 @@
               <a:spcAft>
                 <a:spcPts val="0"/>
               </a:spcAft>
-              <a:buNone/>
-              <a:defRPr/>
+              <a:buClr>
+                <a:schemeClr val="accent1"/>
+              </a:buClr>
+              <a:buSzPct val="100000"/>
+              <a:buFont typeface="Amatic SC"/>
+              <a:buNone/>
+              <a:defRPr b="1" sz="2400">
+                <a:solidFill>
+                  <a:schemeClr val="accent1"/>
+                </a:solidFill>
+                <a:latin typeface="Amatic SC"/>
+                <a:ea typeface="Amatic SC"/>
+                <a:cs typeface="Amatic SC"/>
+                <a:sym typeface="Amatic SC"/>
+              </a:defRPr>
             </a:lvl1pPr>
           </a:lstStyle>
           <a:p/>
@@ -2718,7 +4216,7 @@
       </p:sp>
       <p:sp>
         <p:nvSpPr>
-          <p:cNvPr id="43" name="Shape 43"/>
+          <p:cNvPr id="45" name="Shape 45"/>
           <p:cNvSpPr txBox="1"/>
           <p:nvPr>
             <p:ph idx="12" type="sldNum"/>
@@ -2794,8 +4292,8 @@
         </p:nvSpPr>
         <p:spPr>
           <a:xfrm>
-            <a:off x="311700" y="445025"/>
-            <a:ext cx="8520600" cy="572700"/>
+            <a:off x="311700" y="292850"/>
+            <a:ext cx="8520600" cy="801000"/>
           </a:xfrm>
           <a:prstGeom prst="rect">
             <a:avLst/>
@@ -2813,14 +4311,19 @@
                 <a:spcPts val="0"/>
               </a:spcBef>
               <a:buClr>
-                <a:schemeClr val="dk1"/>
+                <a:schemeClr val="accent1"/>
               </a:buClr>
               <a:buSzPct val="100000"/>
-              <a:buNone/>
-              <a:defRPr sz="2800">
+              <a:buFont typeface="Amatic SC"/>
+              <a:buNone/>
+              <a:defRPr b="1" sz="4200">
                 <a:solidFill>
-                  <a:schemeClr val="dk1"/>
+                  <a:schemeClr val="accent1"/>
                 </a:solidFill>
+                <a:latin typeface="Amatic SC"/>
+                <a:ea typeface="Amatic SC"/>
+                <a:cs typeface="Amatic SC"/>
+                <a:sym typeface="Amatic SC"/>
               </a:defRPr>
             </a:lvl1pPr>
             <a:lvl2pPr lvl="1">
@@ -2828,14 +4331,19 @@
                 <a:spcPts val="0"/>
               </a:spcBef>
               <a:buClr>
-                <a:schemeClr val="dk1"/>
+                <a:schemeClr val="accent1"/>
               </a:buClr>
               <a:buSzPct val="100000"/>
-              <a:buNone/>
-              <a:defRPr sz="2800">
+              <a:buFont typeface="Amatic SC"/>
+              <a:buNone/>
+              <a:defRPr b="1" sz="4200">
                 <a:solidFill>
-                  <a:schemeClr val="dk1"/>
+                  <a:schemeClr val="accent1"/>
                 </a:solidFill>
+                <a:latin typeface="Amatic SC"/>
+                <a:ea typeface="Amatic SC"/>
+                <a:cs typeface="Amatic SC"/>
+                <a:sym typeface="Amatic SC"/>
               </a:defRPr>
             </a:lvl2pPr>
             <a:lvl3pPr lvl="2">
@@ -2843,14 +4351,19 @@
                 <a:spcPts val="0"/>
               </a:spcBef>
               <a:buClr>
-                <a:schemeClr val="dk1"/>
+                <a:schemeClr val="accent1"/>
               </a:buClr>
               <a:buSzPct val="100000"/>
-              <a:buNone/>
-              <a:defRPr sz="2800">
+              <a:buFont typeface="Amatic SC"/>
+              <a:buNone/>
+              <a:defRPr b="1" sz="4200">
                 <a:solidFill>
-                  <a:schemeClr val="dk1"/>
+                  <a:schemeClr val="accent1"/>
                 </a:solidFill>
+                <a:latin typeface="Amatic SC"/>
+                <a:ea typeface="Amatic SC"/>
+                <a:cs typeface="Amatic SC"/>
+                <a:sym typeface="Amatic SC"/>
               </a:defRPr>
             </a:lvl3pPr>
             <a:lvl4pPr lvl="3">
@@ -2858,14 +4371,19 @@
                 <a:spcPts val="0"/>
               </a:spcBef>
               <a:buClr>
-                <a:schemeClr val="dk1"/>
+                <a:schemeClr val="accent1"/>
               </a:buClr>
               <a:buSzPct val="100000"/>
-              <a:buNone/>
-              <a:defRPr sz="2800">
+              <a:buFont typeface="Amatic SC"/>
+              <a:buNone/>
+              <a:defRPr b="1" sz="4200">
                 <a:solidFill>
-                  <a:schemeClr val="dk1"/>
+                  <a:schemeClr val="accent1"/>
                 </a:solidFill>
+                <a:latin typeface="Amatic SC"/>
+                <a:ea typeface="Amatic SC"/>
+                <a:cs typeface="Amatic SC"/>
+                <a:sym typeface="Amatic SC"/>
               </a:defRPr>
             </a:lvl4pPr>
             <a:lvl5pPr lvl="4">
@@ -2873,14 +4391,19 @@
                 <a:spcPts val="0"/>
               </a:spcBef>
               <a:buClr>
-                <a:schemeClr val="dk1"/>
+                <a:schemeClr val="accent1"/>
               </a:buClr>
               <a:buSzPct val="100000"/>
-              <a:buNone/>
-              <a:defRPr sz="2800">
+              <a:buFont typeface="Amatic SC"/>
+              <a:buNone/>
+              <a:defRPr b="1" sz="4200">
                 <a:solidFill>
-                  <a:schemeClr val="dk1"/>
+                  <a:schemeClr val="accent1"/>
                 </a:solidFill>
+                <a:latin typeface="Amatic SC"/>
+                <a:ea typeface="Amatic SC"/>
+                <a:cs typeface="Amatic SC"/>
+                <a:sym typeface="Amatic SC"/>
               </a:defRPr>
             </a:lvl5pPr>
             <a:lvl6pPr lvl="5">
@@ -2888,14 +4411,19 @@
                 <a:spcPts val="0"/>
               </a:spcBef>
               <a:buClr>
-                <a:schemeClr val="dk1"/>
+                <a:schemeClr val="accent1"/>
               </a:buClr>
               <a:buSzPct val="100000"/>
-              <a:buNone/>
-              <a:defRPr sz="2800">
+              <a:buFont typeface="Amatic SC"/>
+              <a:buNone/>
+              <a:defRPr b="1" sz="4200">
                 <a:solidFill>
-                  <a:schemeClr val="dk1"/>
+                  <a:schemeClr val="accent1"/>
                 </a:solidFill>
+                <a:latin typeface="Amatic SC"/>
+                <a:ea typeface="Amatic SC"/>
+                <a:cs typeface="Amatic SC"/>
+                <a:sym typeface="Amatic SC"/>
               </a:defRPr>
             </a:lvl6pPr>
             <a:lvl7pPr lvl="6">
@@ -2903,14 +4431,19 @@
                 <a:spcPts val="0"/>
               </a:spcBef>
               <a:buClr>
-                <a:schemeClr val="dk1"/>
+                <a:schemeClr val="accent1"/>
               </a:buClr>
               <a:buSzPct val="100000"/>
-              <a:buNone/>
-              <a:defRPr sz="2800">
+              <a:buFont typeface="Amatic SC"/>
+              <a:buNone/>
+              <a:defRPr b="1" sz="4200">
                 <a:solidFill>
-                  <a:schemeClr val="dk1"/>
+                  <a:schemeClr val="accent1"/>
                 </a:solidFill>
+                <a:latin typeface="Amatic SC"/>
+                <a:ea typeface="Amatic SC"/>
+                <a:cs typeface="Amatic SC"/>
+                <a:sym typeface="Amatic SC"/>
               </a:defRPr>
             </a:lvl7pPr>
             <a:lvl8pPr lvl="7">
@@ -2918,14 +4451,19 @@
                 <a:spcPts val="0"/>
               </a:spcBef>
               <a:buClr>
-                <a:schemeClr val="dk1"/>
+                <a:schemeClr val="accent1"/>
               </a:buClr>
               <a:buSzPct val="100000"/>
-              <a:buNone/>
-              <a:defRPr sz="2800">
+              <a:buFont typeface="Amatic SC"/>
+              <a:buNone/>
+              <a:defRPr b="1" sz="4200">
                 <a:solidFill>
-                  <a:schemeClr val="dk1"/>
+                  <a:schemeClr val="accent1"/>
                 </a:solidFill>
+                <a:latin typeface="Amatic SC"/>
+                <a:ea typeface="Amatic SC"/>
+                <a:cs typeface="Amatic SC"/>
+                <a:sym typeface="Amatic SC"/>
               </a:defRPr>
             </a:lvl8pPr>
             <a:lvl9pPr lvl="8">
@@ -2933,14 +4471,19 @@
                 <a:spcPts val="0"/>
               </a:spcBef>
               <a:buClr>
-                <a:schemeClr val="dk1"/>
+                <a:schemeClr val="accent1"/>
               </a:buClr>
               <a:buSzPct val="100000"/>
-              <a:buNone/>
-              <a:defRPr sz="2800">
+              <a:buFont typeface="Amatic SC"/>
+              <a:buNone/>
+              <a:defRPr b="1" sz="4200">
                 <a:solidFill>
-                  <a:schemeClr val="dk1"/>
+                  <a:schemeClr val="accent1"/>
                 </a:solidFill>
+                <a:latin typeface="Amatic SC"/>
+                <a:ea typeface="Amatic SC"/>
+                <a:cs typeface="Amatic SC"/>
+                <a:sym typeface="Amatic SC"/>
               </a:defRPr>
             </a:lvl9pPr>
           </a:lstStyle>
@@ -2957,8 +4500,8 @@
         </p:nvSpPr>
         <p:spPr>
           <a:xfrm>
-            <a:off x="311700" y="1152475"/>
-            <a:ext cx="8520600" cy="3416400"/>
+            <a:off x="311700" y="1228675"/>
+            <a:ext cx="8520600" cy="3340200"/>
           </a:xfrm>
           <a:prstGeom prst="rect">
             <a:avLst/>
@@ -2985,10 +4528,15 @@
                 <a:schemeClr val="dk2"/>
               </a:buClr>
               <a:buSzPct val="100000"/>
+              <a:buFont typeface="Source Code Pro"/>
               <a:defRPr sz="1800">
                 <a:solidFill>
                   <a:schemeClr val="dk2"/>
                 </a:solidFill>
+                <a:latin typeface="Source Code Pro"/>
+                <a:ea typeface="Source Code Pro"/>
+                <a:cs typeface="Source Code Pro"/>
+                <a:sym typeface="Source Code Pro"/>
               </a:defRPr>
             </a:lvl1pPr>
             <a:lvl2pPr lvl="1">
@@ -3004,10 +4552,15 @@
               <a:buClr>
                 <a:schemeClr val="dk2"/>
               </a:buClr>
+              <a:buFont typeface="Source Code Pro"/>
               <a:defRPr>
                 <a:solidFill>
                   <a:schemeClr val="dk2"/>
                 </a:solidFill>
+                <a:latin typeface="Source Code Pro"/>
+                <a:ea typeface="Source Code Pro"/>
+                <a:cs typeface="Source Code Pro"/>
+                <a:sym typeface="Source Code Pro"/>
               </a:defRPr>
             </a:lvl2pPr>
             <a:lvl3pPr lvl="2">
@@ -3023,10 +4576,15 @@
               <a:buClr>
                 <a:schemeClr val="dk2"/>
               </a:buClr>
+              <a:buFont typeface="Source Code Pro"/>
               <a:defRPr>
                 <a:solidFill>
                   <a:schemeClr val="dk2"/>
                 </a:solidFill>
+                <a:latin typeface="Source Code Pro"/>
+                <a:ea typeface="Source Code Pro"/>
+                <a:cs typeface="Source Code Pro"/>
+                <a:sym typeface="Source Code Pro"/>
               </a:defRPr>
             </a:lvl3pPr>
             <a:lvl4pPr lvl="3">
@@ -3042,10 +4600,15 @@
               <a:buClr>
                 <a:schemeClr val="dk2"/>
               </a:buClr>
+              <a:buFont typeface="Source Code Pro"/>
               <a:defRPr>
                 <a:solidFill>
                   <a:schemeClr val="dk2"/>
                 </a:solidFill>
+                <a:latin typeface="Source Code Pro"/>
+                <a:ea typeface="Source Code Pro"/>
+                <a:cs typeface="Source Code Pro"/>
+                <a:sym typeface="Source Code Pro"/>
               </a:defRPr>
             </a:lvl4pPr>
             <a:lvl5pPr lvl="4">
@@ -3061,10 +4624,15 @@
               <a:buClr>
                 <a:schemeClr val="dk2"/>
               </a:buClr>
+              <a:buFont typeface="Source Code Pro"/>
               <a:defRPr>
                 <a:solidFill>
                   <a:schemeClr val="dk2"/>
                 </a:solidFill>
+                <a:latin typeface="Source Code Pro"/>
+                <a:ea typeface="Source Code Pro"/>
+                <a:cs typeface="Source Code Pro"/>
+                <a:sym typeface="Source Code Pro"/>
               </a:defRPr>
             </a:lvl5pPr>
             <a:lvl6pPr lvl="5">
@@ -3080,10 +4648,15 @@
               <a:buClr>
                 <a:schemeClr val="dk2"/>
               </a:buClr>
+              <a:buFont typeface="Source Code Pro"/>
               <a:defRPr>
                 <a:solidFill>
                   <a:schemeClr val="dk2"/>
                 </a:solidFill>
+                <a:latin typeface="Source Code Pro"/>
+                <a:ea typeface="Source Code Pro"/>
+                <a:cs typeface="Source Code Pro"/>
+                <a:sym typeface="Source Code Pro"/>
               </a:defRPr>
             </a:lvl6pPr>
             <a:lvl7pPr lvl="6">
@@ -3099,10 +4672,15 @@
               <a:buClr>
                 <a:schemeClr val="dk2"/>
               </a:buClr>
+              <a:buFont typeface="Source Code Pro"/>
               <a:defRPr>
                 <a:solidFill>
                   <a:schemeClr val="dk2"/>
                 </a:solidFill>
+                <a:latin typeface="Source Code Pro"/>
+                <a:ea typeface="Source Code Pro"/>
+                <a:cs typeface="Source Code Pro"/>
+                <a:sym typeface="Source Code Pro"/>
               </a:defRPr>
             </a:lvl7pPr>
             <a:lvl8pPr lvl="7">
@@ -3118,10 +4696,15 @@
               <a:buClr>
                 <a:schemeClr val="dk2"/>
               </a:buClr>
+              <a:buFont typeface="Source Code Pro"/>
               <a:defRPr>
                 <a:solidFill>
                   <a:schemeClr val="dk2"/>
                 </a:solidFill>
+                <a:latin typeface="Source Code Pro"/>
+                <a:ea typeface="Source Code Pro"/>
+                <a:cs typeface="Source Code Pro"/>
+                <a:sym typeface="Source Code Pro"/>
               </a:defRPr>
             </a:lvl8pPr>
             <a:lvl9pPr lvl="8">
@@ -3137,10 +4720,15 @@
               <a:buClr>
                 <a:schemeClr val="dk2"/>
               </a:buClr>
+              <a:buFont typeface="Source Code Pro"/>
               <a:defRPr>
                 <a:solidFill>
                   <a:schemeClr val="dk2"/>
                 </a:solidFill>
+                <a:latin typeface="Source Code Pro"/>
+                <a:ea typeface="Source Code Pro"/>
+                <a:cs typeface="Source Code Pro"/>
+                <a:sym typeface="Source Code Pro"/>
               </a:defRPr>
             </a:lvl9pPr>
           </a:lstStyle>
@@ -3183,8 +4771,12 @@
             <a:fld id="{00000000-1234-1234-1234-123412341234}" type="slidenum">
               <a:rPr lang="en" sz="1000">
                 <a:solidFill>
-                  <a:schemeClr val="dk2"/>
+                  <a:schemeClr val="accent1"/>
                 </a:solidFill>
+                <a:latin typeface="Source Code Pro"/>
+                <a:ea typeface="Source Code Pro"/>
+                <a:cs typeface="Source Code Pro"/>
+                <a:sym typeface="Source Code Pro"/>
               </a:rPr>
               <a:t>‹#›</a:t>
             </a:fld>
@@ -3656,7 +5248,7 @@
   <p:cSld>
     <p:spTree>
       <p:nvGrpSpPr>
-        <p:cNvPr id="53" name="Shape 53"/>
+        <p:cNvPr id="55" name="Shape 55"/>
         <p:cNvGrpSpPr/>
         <p:nvPr/>
       </p:nvGrpSpPr>
@@ -3670,7 +5262,7 @@
       </p:grpSpPr>
       <p:sp>
         <p:nvSpPr>
-          <p:cNvPr id="54" name="Shape 54"/>
+          <p:cNvPr id="56" name="Shape 56"/>
           <p:cNvSpPr txBox="1"/>
           <p:nvPr>
             <p:ph type="ctrTitle"/>
@@ -3678,8 +5270,1225 @@
         </p:nvSpPr>
         <p:spPr>
           <a:xfrm>
-            <a:off x="311708" y="744575"/>
-            <a:ext cx="8520600" cy="2052600"/>
+            <a:off x="311700" y="392150"/>
+            <a:ext cx="8520600" cy="2690400"/>
+          </a:xfrm>
+          <a:prstGeom prst="rect">
+            <a:avLst/>
+          </a:prstGeom>
+        </p:spPr>
+        <p:txBody>
+          <a:bodyPr anchorCtr="0" anchor="ctr" bIns="91425" lIns="91425" rIns="91425" tIns="91425">
+            <a:noAutofit/>
+          </a:bodyPr>
+          <a:lstStyle/>
+          <a:p>
+            <a:pPr lvl="0">
+              <a:spcBef>
+                <a:spcPts val="0"/>
+              </a:spcBef>
+              <a:buNone/>
+            </a:pPr>
+            <a:r>
+              <a:rPr lang="en"/>
+              <a:t>Anger Release</a:t>
+            </a:r>
+          </a:p>
+        </p:txBody>
+      </p:sp>
+      <p:sp>
+        <p:nvSpPr>
+          <p:cNvPr id="57" name="Shape 57"/>
+          <p:cNvSpPr txBox="1"/>
+          <p:nvPr>
+            <p:ph idx="1" type="subTitle"/>
+          </p:nvPr>
+        </p:nvSpPr>
+        <p:spPr>
+          <a:xfrm>
+            <a:off x="311700" y="3890400"/>
+            <a:ext cx="8520600" cy="706200"/>
+          </a:xfrm>
+          <a:prstGeom prst="rect">
+            <a:avLst/>
+          </a:prstGeom>
+        </p:spPr>
+        <p:txBody>
+          <a:bodyPr anchorCtr="0" anchor="ctr" bIns="91425" lIns="91425" rIns="91425" tIns="91425">
+            <a:noAutofit/>
+          </a:bodyPr>
+          <a:lstStyle/>
+          <a:p>
+            <a:pPr lvl="0">
+              <a:spcBef>
+                <a:spcPts val="0"/>
+              </a:spcBef>
+              <a:buNone/>
+            </a:pPr>
+            <a:r>
+              <a:rPr lang="en"/>
+              <a:t>Cylia, Jiahua &amp; Gabbie</a:t>
+            </a:r>
+          </a:p>
+        </p:txBody>
+      </p:sp>
+    </p:spTree>
+  </p:cSld>
+  <p:clrMapOvr>
+    <a:masterClrMapping/>
+  </p:clrMapOvr>
+</p:sld>
+</file>
+
+<file path=ppt/slides/slide10.xml><?xml version="1.0" encoding="utf-8"?>
+<p:sld xmlns:a="http://schemas.openxmlformats.org/drawingml/2006/main" xmlns:r="http://schemas.openxmlformats.org/officeDocument/2006/relationships" xmlns:mc="http://schemas.openxmlformats.org/markup-compatibility/2006" xmlns:mv="urn:schemas-microsoft-com:mac:vml" xmlns:p="http://schemas.openxmlformats.org/presentationml/2006/main" xmlns:c="http://schemas.openxmlformats.org/drawingml/2006/chart" xmlns:dgm="http://schemas.openxmlformats.org/drawingml/2006/diagram" xmlns:o="urn:schemas-microsoft-com:office:office" xmlns:v="urn:schemas-microsoft-com:vml" xmlns:pvml="urn:schemas-microsoft-com:office:powerpoint" xmlns:com="http://schemas.openxmlformats.org/drawingml/2006/compatibility" xmlns:p14="http://schemas.microsoft.com/office/powerpoint/2010/main">
+  <p:cSld>
+    <p:spTree>
+      <p:nvGrpSpPr>
+        <p:cNvPr id="106" name="Shape 106"/>
+        <p:cNvGrpSpPr/>
+        <p:nvPr/>
+      </p:nvGrpSpPr>
+      <p:grpSpPr>
+        <a:xfrm>
+          <a:off x="0" y="0"/>
+          <a:ext cx="0" cy="0"/>
+          <a:chOff x="0" y="0"/>
+          <a:chExt cx="0" cy="0"/>
+        </a:xfrm>
+      </p:grpSpPr>
+      <p:sp>
+        <p:nvSpPr>
+          <p:cNvPr id="107" name="Shape 107"/>
+          <p:cNvSpPr txBox="1"/>
+          <p:nvPr>
+            <p:ph type="title"/>
+          </p:nvPr>
+        </p:nvSpPr>
+        <p:spPr>
+          <a:xfrm>
+            <a:off x="2802750" y="802500"/>
+            <a:ext cx="3538500" cy="3538500"/>
+          </a:xfrm>
+          <a:prstGeom prst="rect">
+            <a:avLst/>
+          </a:prstGeom>
+        </p:spPr>
+        <p:txBody>
+          <a:bodyPr anchorCtr="0" anchor="ctr" bIns="91425" lIns="91425" rIns="91425" tIns="91425">
+            <a:noAutofit/>
+          </a:bodyPr>
+          <a:lstStyle/>
+          <a:p>
+            <a:pPr lvl="0" rtl="0">
+              <a:spcBef>
+                <a:spcPts val="0"/>
+              </a:spcBef>
+              <a:buNone/>
+            </a:pPr>
+            <a:r>
+              <a:rPr lang="en"/>
+              <a:t>Competition</a:t>
+            </a:r>
+          </a:p>
+        </p:txBody>
+      </p:sp>
+    </p:spTree>
+  </p:cSld>
+  <p:clrMapOvr>
+    <a:masterClrMapping/>
+  </p:clrMapOvr>
+</p:sld>
+</file>
+
+<file path=ppt/slides/slide11.xml><?xml version="1.0" encoding="utf-8"?>
+<p:sld xmlns:a="http://schemas.openxmlformats.org/drawingml/2006/main" xmlns:r="http://schemas.openxmlformats.org/officeDocument/2006/relationships" xmlns:mc="http://schemas.openxmlformats.org/markup-compatibility/2006" xmlns:mv="urn:schemas-microsoft-com:mac:vml" xmlns:p="http://schemas.openxmlformats.org/presentationml/2006/main" xmlns:c="http://schemas.openxmlformats.org/drawingml/2006/chart" xmlns:dgm="http://schemas.openxmlformats.org/drawingml/2006/diagram" xmlns:o="urn:schemas-microsoft-com:office:office" xmlns:v="urn:schemas-microsoft-com:vml" xmlns:pvml="urn:schemas-microsoft-com:office:powerpoint" xmlns:com="http://schemas.openxmlformats.org/drawingml/2006/compatibility" xmlns:p14="http://schemas.microsoft.com/office/powerpoint/2010/main">
+  <p:cSld>
+    <p:spTree>
+      <p:nvGrpSpPr>
+        <p:cNvPr id="111" name="Shape 111"/>
+        <p:cNvGrpSpPr/>
+        <p:nvPr/>
+      </p:nvGrpSpPr>
+      <p:grpSpPr>
+        <a:xfrm>
+          <a:off x="0" y="0"/>
+          <a:ext cx="0" cy="0"/>
+          <a:chOff x="0" y="0"/>
+          <a:chExt cx="0" cy="0"/>
+        </a:xfrm>
+      </p:grpSpPr>
+      <p:pic>
+        <p:nvPicPr>
+          <p:cNvPr id="112" name="Shape 112"/>
+          <p:cNvPicPr preferRelativeResize="0"/>
+          <p:nvPr/>
+        </p:nvPicPr>
+        <p:blipFill>
+          <a:blip r:embed="rId3">
+            <a:alphaModFix/>
+          </a:blip>
+          <a:stretch>
+            <a:fillRect/>
+          </a:stretch>
+        </p:blipFill>
+        <p:spPr>
+          <a:xfrm>
+            <a:off x="3416262" y="190550"/>
+            <a:ext cx="2311465" cy="2247899"/>
+          </a:xfrm>
+          <a:prstGeom prst="rect">
+            <a:avLst/>
+          </a:prstGeom>
+          <a:noFill/>
+          <a:ln>
+            <a:noFill/>
+          </a:ln>
+        </p:spPr>
+      </p:pic>
+      <p:pic>
+        <p:nvPicPr>
+          <p:cNvPr id="113" name="Shape 113"/>
+          <p:cNvPicPr preferRelativeResize="0"/>
+          <p:nvPr/>
+        </p:nvPicPr>
+        <p:blipFill>
+          <a:blip r:embed="rId4">
+            <a:alphaModFix/>
+          </a:blip>
+          <a:stretch>
+            <a:fillRect/>
+          </a:stretch>
+        </p:blipFill>
+        <p:spPr>
+          <a:xfrm>
+            <a:off x="152400" y="2438450"/>
+            <a:ext cx="3268957" cy="2397232"/>
+          </a:xfrm>
+          <a:prstGeom prst="rect">
+            <a:avLst/>
+          </a:prstGeom>
+          <a:noFill/>
+          <a:ln>
+            <a:noFill/>
+          </a:ln>
+        </p:spPr>
+      </p:pic>
+      <p:pic>
+        <p:nvPicPr>
+          <p:cNvPr id="114" name="Shape 114"/>
+          <p:cNvPicPr preferRelativeResize="0"/>
+          <p:nvPr/>
+        </p:nvPicPr>
+        <p:blipFill>
+          <a:blip r:embed="rId5">
+            <a:alphaModFix/>
+          </a:blip>
+          <a:stretch>
+            <a:fillRect/>
+          </a:stretch>
+        </p:blipFill>
+        <p:spPr>
+          <a:xfrm>
+            <a:off x="5727725" y="771252"/>
+            <a:ext cx="3148874" cy="3148875"/>
+          </a:xfrm>
+          <a:prstGeom prst="rect">
+            <a:avLst/>
+          </a:prstGeom>
+          <a:noFill/>
+          <a:ln>
+            <a:noFill/>
+          </a:ln>
+        </p:spPr>
+      </p:pic>
+      <p:pic>
+        <p:nvPicPr>
+          <p:cNvPr id="115" name="Shape 115"/>
+          <p:cNvPicPr preferRelativeResize="0"/>
+          <p:nvPr/>
+        </p:nvPicPr>
+        <p:blipFill rotWithShape="1">
+          <a:blip r:embed="rId6">
+            <a:alphaModFix/>
+          </a:blip>
+          <a:srcRect b="4287" l="7918" r="0" t="0"/>
+          <a:stretch/>
+        </p:blipFill>
+        <p:spPr>
+          <a:xfrm>
+            <a:off x="3421357" y="2438450"/>
+            <a:ext cx="2306367" cy="2397231"/>
+          </a:xfrm>
+          <a:prstGeom prst="rect">
+            <a:avLst/>
+          </a:prstGeom>
+          <a:noFill/>
+          <a:ln>
+            <a:noFill/>
+          </a:ln>
+        </p:spPr>
+      </p:pic>
+      <p:pic>
+        <p:nvPicPr>
+          <p:cNvPr id="116" name="Shape 116"/>
+          <p:cNvPicPr preferRelativeResize="0"/>
+          <p:nvPr/>
+        </p:nvPicPr>
+        <p:blipFill>
+          <a:blip r:embed="rId7">
+            <a:alphaModFix/>
+          </a:blip>
+          <a:stretch>
+            <a:fillRect/>
+          </a:stretch>
+        </p:blipFill>
+        <p:spPr>
+          <a:xfrm>
+            <a:off x="152400" y="190550"/>
+            <a:ext cx="3246981" cy="2247900"/>
+          </a:xfrm>
+          <a:prstGeom prst="rect">
+            <a:avLst/>
+          </a:prstGeom>
+          <a:noFill/>
+          <a:ln>
+            <a:noFill/>
+          </a:ln>
+        </p:spPr>
+      </p:pic>
+    </p:spTree>
+  </p:cSld>
+  <p:clrMapOvr>
+    <a:masterClrMapping/>
+  </p:clrMapOvr>
+</p:sld>
+</file>
+
+<file path=ppt/slides/slide12.xml><?xml version="1.0" encoding="utf-8"?>
+<p:sld xmlns:a="http://schemas.openxmlformats.org/drawingml/2006/main" xmlns:r="http://schemas.openxmlformats.org/officeDocument/2006/relationships" xmlns:mc="http://schemas.openxmlformats.org/markup-compatibility/2006" xmlns:mv="urn:schemas-microsoft-com:mac:vml" xmlns:p="http://schemas.openxmlformats.org/presentationml/2006/main" xmlns:c="http://schemas.openxmlformats.org/drawingml/2006/chart" xmlns:dgm="http://schemas.openxmlformats.org/drawingml/2006/diagram" xmlns:o="urn:schemas-microsoft-com:office:office" xmlns:v="urn:schemas-microsoft-com:vml" xmlns:pvml="urn:schemas-microsoft-com:office:powerpoint" xmlns:com="http://schemas.openxmlformats.org/drawingml/2006/compatibility" xmlns:p14="http://schemas.microsoft.com/office/powerpoint/2010/main">
+  <p:cSld>
+    <p:spTree>
+      <p:nvGrpSpPr>
+        <p:cNvPr id="120" name="Shape 120"/>
+        <p:cNvGrpSpPr/>
+        <p:nvPr/>
+      </p:nvGrpSpPr>
+      <p:grpSpPr>
+        <a:xfrm>
+          <a:off x="0" y="0"/>
+          <a:ext cx="0" cy="0"/>
+          <a:chOff x="0" y="0"/>
+          <a:chExt cx="0" cy="0"/>
+        </a:xfrm>
+      </p:grpSpPr>
+      <p:sp>
+        <p:nvSpPr>
+          <p:cNvPr id="121" name="Shape 121"/>
+          <p:cNvSpPr txBox="1"/>
+          <p:nvPr>
+            <p:ph type="title"/>
+          </p:nvPr>
+        </p:nvSpPr>
+        <p:spPr>
+          <a:xfrm>
+            <a:off x="490250" y="526350"/>
+            <a:ext cx="5618700" cy="4090800"/>
+          </a:xfrm>
+          <a:prstGeom prst="rect">
+            <a:avLst/>
+          </a:prstGeom>
+        </p:spPr>
+        <p:txBody>
+          <a:bodyPr anchorCtr="0" anchor="ctr" bIns="91425" lIns="91425" rIns="91425" tIns="91425">
+            <a:noAutofit/>
+          </a:bodyPr>
+          <a:lstStyle/>
+          <a:p>
+            <a:pPr lvl="0">
+              <a:spcBef>
+                <a:spcPts val="0"/>
+              </a:spcBef>
+              <a:buNone/>
+            </a:pPr>
+            <a:r>
+              <a:rPr lang="en"/>
+              <a:t>Thank you!</a:t>
+            </a:r>
+          </a:p>
+        </p:txBody>
+      </p:sp>
+    </p:spTree>
+  </p:cSld>
+  <p:clrMapOvr>
+    <a:masterClrMapping/>
+  </p:clrMapOvr>
+</p:sld>
+</file>
+
+<file path=ppt/slides/slide2.xml><?xml version="1.0" encoding="utf-8"?>
+<p:sld xmlns:a="http://schemas.openxmlformats.org/drawingml/2006/main" xmlns:r="http://schemas.openxmlformats.org/officeDocument/2006/relationships" xmlns:mc="http://schemas.openxmlformats.org/markup-compatibility/2006" xmlns:mv="urn:schemas-microsoft-com:mac:vml" xmlns:p="http://schemas.openxmlformats.org/presentationml/2006/main" xmlns:c="http://schemas.openxmlformats.org/drawingml/2006/chart" xmlns:dgm="http://schemas.openxmlformats.org/drawingml/2006/diagram" xmlns:o="urn:schemas-microsoft-com:office:office" xmlns:v="urn:schemas-microsoft-com:vml" xmlns:pvml="urn:schemas-microsoft-com:office:powerpoint" xmlns:com="http://schemas.openxmlformats.org/drawingml/2006/compatibility" xmlns:p14="http://schemas.microsoft.com/office/powerpoint/2010/main">
+  <p:cSld>
+    <p:spTree>
+      <p:nvGrpSpPr>
+        <p:cNvPr id="61" name="Shape 61"/>
+        <p:cNvGrpSpPr/>
+        <p:nvPr/>
+      </p:nvGrpSpPr>
+      <p:grpSpPr>
+        <a:xfrm>
+          <a:off x="0" y="0"/>
+          <a:ext cx="0" cy="0"/>
+          <a:chOff x="0" y="0"/>
+          <a:chExt cx="0" cy="0"/>
+        </a:xfrm>
+      </p:grpSpPr>
+      <p:sp>
+        <p:nvSpPr>
+          <p:cNvPr id="62" name="Shape 62"/>
+          <p:cNvSpPr txBox="1"/>
+          <p:nvPr>
+            <p:ph type="title"/>
+          </p:nvPr>
+        </p:nvSpPr>
+        <p:spPr>
+          <a:xfrm>
+            <a:off x="2802750" y="802500"/>
+            <a:ext cx="3538500" cy="3538500"/>
+          </a:xfrm>
+          <a:prstGeom prst="rect">
+            <a:avLst/>
+          </a:prstGeom>
+        </p:spPr>
+        <p:txBody>
+          <a:bodyPr anchorCtr="0" anchor="ctr" bIns="91425" lIns="91425" rIns="91425" tIns="91425">
+            <a:noAutofit/>
+          </a:bodyPr>
+          <a:lstStyle/>
+          <a:p>
+            <a:pPr lvl="0">
+              <a:spcBef>
+                <a:spcPts val="0"/>
+              </a:spcBef>
+              <a:buNone/>
+            </a:pPr>
+            <a:r>
+              <a:rPr lang="en"/>
+              <a:t>Marketing</a:t>
+            </a:r>
+          </a:p>
+          <a:p>
+            <a:pPr lvl="0" rtl="0">
+              <a:spcBef>
+                <a:spcPts val="0"/>
+              </a:spcBef>
+              <a:buNone/>
+            </a:pPr>
+            <a:r>
+              <a:rPr lang="en"/>
+              <a:t>&amp;</a:t>
+            </a:r>
+          </a:p>
+          <a:p>
+            <a:pPr lvl="0" rtl="0">
+              <a:spcBef>
+                <a:spcPts val="0"/>
+              </a:spcBef>
+              <a:buNone/>
+            </a:pPr>
+            <a:r>
+              <a:rPr lang="en"/>
+              <a:t>Looking For</a:t>
+            </a:r>
+          </a:p>
+          <a:p>
+            <a:pPr lvl="0" rtl="0">
+              <a:spcBef>
+                <a:spcPts val="0"/>
+              </a:spcBef>
+              <a:buNone/>
+            </a:pPr>
+            <a:r>
+              <a:rPr lang="en"/>
+              <a:t>problem</a:t>
+            </a:r>
+          </a:p>
+        </p:txBody>
+      </p:sp>
+    </p:spTree>
+  </p:cSld>
+  <p:clrMapOvr>
+    <a:masterClrMapping/>
+  </p:clrMapOvr>
+</p:sld>
+</file>
+
+<file path=ppt/slides/slide3.xml><?xml version="1.0" encoding="utf-8"?>
+<p:sld xmlns:a="http://schemas.openxmlformats.org/drawingml/2006/main" xmlns:r="http://schemas.openxmlformats.org/officeDocument/2006/relationships" xmlns:mc="http://schemas.openxmlformats.org/markup-compatibility/2006" xmlns:mv="urn:schemas-microsoft-com:mac:vml" xmlns:p="http://schemas.openxmlformats.org/presentationml/2006/main" xmlns:c="http://schemas.openxmlformats.org/drawingml/2006/chart" xmlns:dgm="http://schemas.openxmlformats.org/drawingml/2006/diagram" xmlns:o="urn:schemas-microsoft-com:office:office" xmlns:v="urn:schemas-microsoft-com:vml" xmlns:pvml="urn:schemas-microsoft-com:office:powerpoint" xmlns:com="http://schemas.openxmlformats.org/drawingml/2006/compatibility" xmlns:p14="http://schemas.microsoft.com/office/powerpoint/2010/main">
+  <p:cSld>
+    <p:spTree>
+      <p:nvGrpSpPr>
+        <p:cNvPr id="66" name="Shape 66"/>
+        <p:cNvGrpSpPr/>
+        <p:nvPr/>
+      </p:nvGrpSpPr>
+      <p:grpSpPr>
+        <a:xfrm>
+          <a:off x="0" y="0"/>
+          <a:ext cx="0" cy="0"/>
+          <a:chOff x="0" y="0"/>
+          <a:chExt cx="0" cy="0"/>
+        </a:xfrm>
+      </p:grpSpPr>
+      <p:sp>
+        <p:nvSpPr>
+          <p:cNvPr id="67" name="Shape 67"/>
+          <p:cNvSpPr txBox="1"/>
+          <p:nvPr>
+            <p:ph type="title"/>
+          </p:nvPr>
+        </p:nvSpPr>
+        <p:spPr>
+          <a:xfrm>
+            <a:off x="311700" y="292850"/>
+            <a:ext cx="8520600" cy="801000"/>
+          </a:xfrm>
+          <a:prstGeom prst="rect">
+            <a:avLst/>
+          </a:prstGeom>
+        </p:spPr>
+        <p:txBody>
+          <a:bodyPr anchorCtr="0" anchor="t" bIns="91425" lIns="91425" rIns="91425" tIns="91425">
+            <a:noAutofit/>
+          </a:bodyPr>
+          <a:lstStyle/>
+          <a:p>
+            <a:pPr lvl="0">
+              <a:spcBef>
+                <a:spcPts val="0"/>
+              </a:spcBef>
+              <a:buNone/>
+            </a:pPr>
+            <a:r>
+              <a:rPr lang="en"/>
+              <a:t>Market and looking for problems </a:t>
+            </a:r>
+          </a:p>
+        </p:txBody>
+      </p:sp>
+      <p:sp>
+        <p:nvSpPr>
+          <p:cNvPr id="68" name="Shape 68"/>
+          <p:cNvSpPr txBox="1"/>
+          <p:nvPr>
+            <p:ph idx="1" type="body"/>
+          </p:nvPr>
+        </p:nvSpPr>
+        <p:spPr>
+          <a:xfrm>
+            <a:off x="311700" y="1228675"/>
+            <a:ext cx="8520600" cy="3340200"/>
+          </a:xfrm>
+          <a:prstGeom prst="rect">
+            <a:avLst/>
+          </a:prstGeom>
+        </p:spPr>
+        <p:txBody>
+          <a:bodyPr anchorCtr="0" anchor="t" bIns="91425" lIns="91425" rIns="91425" tIns="91425">
+            <a:noAutofit/>
+          </a:bodyPr>
+          <a:lstStyle/>
+          <a:p>
+            <a:pPr indent="-228600" lvl="0" marL="457200" rtl="0">
+              <a:spcBef>
+                <a:spcPts val="0"/>
+              </a:spcBef>
+            </a:pPr>
+            <a:r>
+              <a:rPr lang="en"/>
+              <a:t>Therapy Toy Market, belong toy industry. </a:t>
+            </a:r>
+          </a:p>
+          <a:p>
+            <a:pPr indent="-228600" lvl="0" marL="457200" rtl="0">
+              <a:spcBef>
+                <a:spcPts val="0"/>
+              </a:spcBef>
+            </a:pPr>
+            <a:r>
+              <a:rPr lang="en"/>
+              <a:t>The global toy market is expected to exceed $90 billion in sales in 2016(ICTI)</a:t>
+            </a:r>
+          </a:p>
+          <a:p>
+            <a:pPr indent="-228600" lvl="0" marL="457200" rtl="0">
+              <a:spcBef>
+                <a:spcPts val="0"/>
+              </a:spcBef>
+            </a:pPr>
+            <a:r>
+              <a:rPr lang="en"/>
+              <a:t>Focusing on America therapy toy market.</a:t>
+            </a:r>
+          </a:p>
+          <a:p>
+            <a:pPr indent="-228600" lvl="0" marL="457200" rtl="0">
+              <a:spcBef>
+                <a:spcPts val="0"/>
+              </a:spcBef>
+            </a:pPr>
+            <a:r>
+              <a:rPr lang="en"/>
+              <a:t>Stress level go up about 44% compared with 5 years ago </a:t>
+            </a:r>
+          </a:p>
+          <a:p>
+            <a:pPr indent="-228600" lvl="0" marL="457200" rtl="0">
+              <a:spcBef>
+                <a:spcPts val="0"/>
+              </a:spcBef>
+            </a:pPr>
+            <a:r>
+              <a:rPr lang="en"/>
+              <a:t>Anger Management</a:t>
+            </a:r>
+          </a:p>
+          <a:p>
+            <a:pPr lvl="0">
+              <a:spcBef>
+                <a:spcPts val="0"/>
+              </a:spcBef>
+              <a:buNone/>
+            </a:pPr>
+            <a:r>
+              <a:t/>
+            </a:r>
+            <a:endParaRPr/>
+          </a:p>
+        </p:txBody>
+      </p:sp>
+    </p:spTree>
+  </p:cSld>
+  <p:clrMapOvr>
+    <a:masterClrMapping/>
+  </p:clrMapOvr>
+</p:sld>
+</file>
+
+<file path=ppt/slides/slide4.xml><?xml version="1.0" encoding="utf-8"?>
+<p:sld xmlns:a="http://schemas.openxmlformats.org/drawingml/2006/main" xmlns:r="http://schemas.openxmlformats.org/officeDocument/2006/relationships" xmlns:mc="http://schemas.openxmlformats.org/markup-compatibility/2006" xmlns:mv="urn:schemas-microsoft-com:mac:vml" xmlns:p="http://schemas.openxmlformats.org/presentationml/2006/main" xmlns:c="http://schemas.openxmlformats.org/drawingml/2006/chart" xmlns:dgm="http://schemas.openxmlformats.org/drawingml/2006/diagram" xmlns:o="urn:schemas-microsoft-com:office:office" xmlns:v="urn:schemas-microsoft-com:vml" xmlns:pvml="urn:schemas-microsoft-com:office:powerpoint" xmlns:com="http://schemas.openxmlformats.org/drawingml/2006/compatibility" xmlns:p14="http://schemas.microsoft.com/office/powerpoint/2010/main">
+  <p:cSld>
+    <p:spTree>
+      <p:nvGrpSpPr>
+        <p:cNvPr id="72" name="Shape 72"/>
+        <p:cNvGrpSpPr/>
+        <p:nvPr/>
+      </p:nvGrpSpPr>
+      <p:grpSpPr>
+        <a:xfrm>
+          <a:off x="0" y="0"/>
+          <a:ext cx="0" cy="0"/>
+          <a:chOff x="0" y="0"/>
+          <a:chExt cx="0" cy="0"/>
+        </a:xfrm>
+      </p:grpSpPr>
+      <p:sp>
+        <p:nvSpPr>
+          <p:cNvPr id="73" name="Shape 73"/>
+          <p:cNvSpPr txBox="1"/>
+          <p:nvPr>
+            <p:ph type="title"/>
+          </p:nvPr>
+        </p:nvSpPr>
+        <p:spPr>
+          <a:xfrm>
+            <a:off x="311700" y="292850"/>
+            <a:ext cx="8520600" cy="801000"/>
+          </a:xfrm>
+          <a:prstGeom prst="rect">
+            <a:avLst/>
+          </a:prstGeom>
+        </p:spPr>
+        <p:txBody>
+          <a:bodyPr anchorCtr="0" anchor="t" bIns="91425" lIns="91425" rIns="91425" tIns="91425">
+            <a:noAutofit/>
+          </a:bodyPr>
+          <a:lstStyle/>
+          <a:p>
+            <a:pPr lvl="0">
+              <a:spcBef>
+                <a:spcPts val="0"/>
+              </a:spcBef>
+              <a:buNone/>
+            </a:pPr>
+            <a:r>
+              <a:t/>
+            </a:r>
+            <a:endParaRPr/>
+          </a:p>
+        </p:txBody>
+      </p:sp>
+      <p:sp>
+        <p:nvSpPr>
+          <p:cNvPr id="74" name="Shape 74"/>
+          <p:cNvSpPr txBox="1"/>
+          <p:nvPr>
+            <p:ph idx="1" type="body"/>
+          </p:nvPr>
+        </p:nvSpPr>
+        <p:spPr>
+          <a:xfrm>
+            <a:off x="311700" y="1228675"/>
+            <a:ext cx="8520600" cy="3340200"/>
+          </a:xfrm>
+          <a:prstGeom prst="rect">
+            <a:avLst/>
+          </a:prstGeom>
+        </p:spPr>
+        <p:txBody>
+          <a:bodyPr anchorCtr="0" anchor="t" bIns="91425" lIns="91425" rIns="91425" tIns="91425">
+            <a:noAutofit/>
+          </a:bodyPr>
+          <a:lstStyle/>
+          <a:p>
+            <a:pPr indent="-228600" lvl="0" marL="457200" rtl="0">
+              <a:spcBef>
+                <a:spcPts val="0"/>
+              </a:spcBef>
+            </a:pPr>
+            <a:r>
+              <a:rPr lang="en"/>
+              <a:t>People still Suffering from this </a:t>
+            </a:r>
+            <a:r>
+              <a:rPr lang="en"/>
+              <a:t>psychological stress </a:t>
+            </a:r>
+            <a:r>
+              <a:rPr lang="en"/>
+              <a:t>problem.</a:t>
+            </a:r>
+          </a:p>
+          <a:p>
+            <a:pPr indent="-228600" lvl="0" marL="457200" rtl="0">
+              <a:spcBef>
+                <a:spcPts val="0"/>
+              </a:spcBef>
+            </a:pPr>
+            <a:r>
+              <a:rPr lang="en"/>
+              <a:t>Target</a:t>
+            </a:r>
+            <a:r>
+              <a:rPr lang="en"/>
+              <a:t> group</a:t>
+            </a:r>
+          </a:p>
+          <a:p>
+            <a:pPr indent="-228600" lvl="0" marL="457200" rtl="0">
+              <a:spcBef>
+                <a:spcPts val="0"/>
+              </a:spcBef>
+            </a:pPr>
+            <a:r>
+              <a:rPr lang="en"/>
+              <a:t>Why? </a:t>
+            </a:r>
+          </a:p>
+          <a:p>
+            <a:pPr lvl="0" rtl="0">
+              <a:spcBef>
+                <a:spcPts val="0"/>
+              </a:spcBef>
+              <a:buNone/>
+            </a:pPr>
+            <a:r>
+              <a:t/>
+            </a:r>
+            <a:endParaRPr/>
+          </a:p>
+        </p:txBody>
+      </p:sp>
+    </p:spTree>
+  </p:cSld>
+  <p:clrMapOvr>
+    <a:masterClrMapping/>
+  </p:clrMapOvr>
+</p:sld>
+</file>
+
+<file path=ppt/slides/slide5.xml><?xml version="1.0" encoding="utf-8"?>
+<p:sld xmlns:a="http://schemas.openxmlformats.org/drawingml/2006/main" xmlns:r="http://schemas.openxmlformats.org/officeDocument/2006/relationships" xmlns:mc="http://schemas.openxmlformats.org/markup-compatibility/2006" xmlns:mv="urn:schemas-microsoft-com:mac:vml" xmlns:p="http://schemas.openxmlformats.org/presentationml/2006/main" xmlns:c="http://schemas.openxmlformats.org/drawingml/2006/chart" xmlns:dgm="http://schemas.openxmlformats.org/drawingml/2006/diagram" xmlns:o="urn:schemas-microsoft-com:office:office" xmlns:v="urn:schemas-microsoft-com:vml" xmlns:pvml="urn:schemas-microsoft-com:office:powerpoint" xmlns:com="http://schemas.openxmlformats.org/drawingml/2006/compatibility" xmlns:p14="http://schemas.microsoft.com/office/powerpoint/2010/main">
+  <p:cSld>
+    <p:spTree>
+      <p:nvGrpSpPr>
+        <p:cNvPr id="78" name="Shape 78"/>
+        <p:cNvGrpSpPr/>
+        <p:nvPr/>
+      </p:nvGrpSpPr>
+      <p:grpSpPr>
+        <a:xfrm>
+          <a:off x="0" y="0"/>
+          <a:ext cx="0" cy="0"/>
+          <a:chOff x="0" y="0"/>
+          <a:chExt cx="0" cy="0"/>
+        </a:xfrm>
+      </p:grpSpPr>
+      <p:sp>
+        <p:nvSpPr>
+          <p:cNvPr id="79" name="Shape 79"/>
+          <p:cNvSpPr txBox="1"/>
+          <p:nvPr>
+            <p:ph type="title"/>
+          </p:nvPr>
+        </p:nvSpPr>
+        <p:spPr>
+          <a:xfrm>
+            <a:off x="2802750" y="802500"/>
+            <a:ext cx="3538500" cy="3538500"/>
+          </a:xfrm>
+          <a:prstGeom prst="rect">
+            <a:avLst/>
+          </a:prstGeom>
+        </p:spPr>
+        <p:txBody>
+          <a:bodyPr anchorCtr="0" anchor="ctr" bIns="91425" lIns="91425" rIns="91425" tIns="91425">
+            <a:noAutofit/>
+          </a:bodyPr>
+          <a:lstStyle/>
+          <a:p>
+            <a:pPr lvl="0">
+              <a:spcBef>
+                <a:spcPts val="0"/>
+              </a:spcBef>
+              <a:buNone/>
+            </a:pPr>
+            <a:r>
+              <a:rPr lang="en"/>
+              <a:t>Solution</a:t>
+            </a:r>
+          </a:p>
+        </p:txBody>
+      </p:sp>
+    </p:spTree>
+  </p:cSld>
+  <p:clrMapOvr>
+    <a:masterClrMapping/>
+  </p:clrMapOvr>
+</p:sld>
+</file>
+
+<file path=ppt/slides/slide6.xml><?xml version="1.0" encoding="utf-8"?>
+<p:sld xmlns:a="http://schemas.openxmlformats.org/drawingml/2006/main" xmlns:r="http://schemas.openxmlformats.org/officeDocument/2006/relationships" xmlns:mc="http://schemas.openxmlformats.org/markup-compatibility/2006" xmlns:mv="urn:schemas-microsoft-com:mac:vml" xmlns:p="http://schemas.openxmlformats.org/presentationml/2006/main" xmlns:c="http://schemas.openxmlformats.org/drawingml/2006/chart" xmlns:dgm="http://schemas.openxmlformats.org/drawingml/2006/diagram" xmlns:o="urn:schemas-microsoft-com:office:office" xmlns:v="urn:schemas-microsoft-com:vml" xmlns:pvml="urn:schemas-microsoft-com:office:powerpoint" xmlns:com="http://schemas.openxmlformats.org/drawingml/2006/compatibility" xmlns:p14="http://schemas.microsoft.com/office/powerpoint/2010/main">
+  <p:cSld>
+    <p:spTree>
+      <p:nvGrpSpPr>
+        <p:cNvPr id="83" name="Shape 83"/>
+        <p:cNvGrpSpPr/>
+        <p:nvPr/>
+      </p:nvGrpSpPr>
+      <p:grpSpPr>
+        <a:xfrm>
+          <a:off x="0" y="0"/>
+          <a:ext cx="0" cy="0"/>
+          <a:chOff x="0" y="0"/>
+          <a:chExt cx="0" cy="0"/>
+        </a:xfrm>
+      </p:grpSpPr>
+      <p:sp>
+        <p:nvSpPr>
+          <p:cNvPr id="84" name="Shape 84"/>
+          <p:cNvSpPr txBox="1"/>
+          <p:nvPr>
+            <p:ph idx="2" type="body"/>
+          </p:nvPr>
+        </p:nvSpPr>
+        <p:spPr>
+          <a:xfrm>
+            <a:off x="4970475" y="592575"/>
+            <a:ext cx="3837000" cy="4036800"/>
+          </a:xfrm>
+          <a:prstGeom prst="rect">
+            <a:avLst/>
+          </a:prstGeom>
+        </p:spPr>
+        <p:txBody>
+          <a:bodyPr anchorCtr="0" anchor="ctr" bIns="91425" lIns="91425" rIns="91425" tIns="91425">
+            <a:noAutofit/>
+          </a:bodyPr>
+          <a:lstStyle/>
+          <a:p>
+            <a:pPr lvl="0" rtl="0" algn="ctr">
+              <a:spcBef>
+                <a:spcPts val="0"/>
+              </a:spcBef>
+              <a:buNone/>
+            </a:pPr>
+            <a:r>
+              <a:t/>
+            </a:r>
+            <a:endParaRPr b="1" sz="1200">
+              <a:solidFill>
+                <a:srgbClr val="2E2E30"/>
+              </a:solidFill>
+              <a:highlight>
+                <a:srgbClr val="F3F3F3"/>
+              </a:highlight>
+            </a:endParaRPr>
+          </a:p>
+          <a:p>
+            <a:pPr lvl="0" rtl="0" algn="ctr">
+              <a:spcBef>
+                <a:spcPts val="0"/>
+              </a:spcBef>
+              <a:buNone/>
+            </a:pPr>
+            <a:r>
+              <a:rPr b="1" lang="en" sz="1400" u="sng">
+                <a:solidFill>
+                  <a:srgbClr val="2E2E30"/>
+                </a:solidFill>
+              </a:rPr>
+              <a:t>a fun therapy toy</a:t>
+            </a:r>
+            <a:r>
+              <a:rPr b="1" lang="en" sz="1400">
+                <a:solidFill>
+                  <a:srgbClr val="2E2E30"/>
+                </a:solidFill>
+              </a:rPr>
+              <a:t> </a:t>
+            </a:r>
+          </a:p>
+          <a:p>
+            <a:pPr lvl="0" rtl="0" algn="ctr">
+              <a:spcBef>
+                <a:spcPts val="0"/>
+              </a:spcBef>
+              <a:buNone/>
+            </a:pPr>
+            <a:r>
+              <a:t/>
+            </a:r>
+            <a:endParaRPr b="1" sz="1400">
+              <a:solidFill>
+                <a:srgbClr val="2E2E30"/>
+              </a:solidFill>
+              <a:highlight>
+                <a:srgbClr val="F3F3F3"/>
+              </a:highlight>
+            </a:endParaRPr>
+          </a:p>
+          <a:p>
+            <a:pPr lvl="0" rtl="0" algn="ctr">
+              <a:spcBef>
+                <a:spcPts val="0"/>
+              </a:spcBef>
+              <a:buNone/>
+            </a:pPr>
+            <a:r>
+              <a:rPr b="1" lang="en" sz="1400">
+                <a:solidFill>
+                  <a:srgbClr val="2E2E30"/>
+                </a:solidFill>
+                <a:highlight>
+                  <a:srgbClr val="F3F3F3"/>
+                </a:highlight>
+              </a:rPr>
+              <a:t>a punching surface with </a:t>
+            </a:r>
+          </a:p>
+          <a:p>
+            <a:pPr lvl="0" rtl="0" algn="ctr">
+              <a:spcBef>
+                <a:spcPts val="0"/>
+              </a:spcBef>
+              <a:buNone/>
+            </a:pPr>
+            <a:r>
+              <a:rPr b="1" lang="en" sz="1400">
+                <a:solidFill>
+                  <a:srgbClr val="2E2E30"/>
+                </a:solidFill>
+                <a:highlight>
+                  <a:srgbClr val="F3F3F3"/>
+                </a:highlight>
+              </a:rPr>
+              <a:t>chatbot function</a:t>
+            </a:r>
+          </a:p>
+          <a:p>
+            <a:pPr lvl="0" rtl="0" algn="ctr">
+              <a:spcBef>
+                <a:spcPts val="0"/>
+              </a:spcBef>
+              <a:buNone/>
+            </a:pPr>
+            <a:r>
+              <a:t/>
+            </a:r>
+            <a:endParaRPr b="1" sz="1400">
+              <a:solidFill>
+                <a:srgbClr val="2E2E30"/>
+              </a:solidFill>
+              <a:highlight>
+                <a:srgbClr val="F3F3F3"/>
+              </a:highlight>
+            </a:endParaRPr>
+          </a:p>
+          <a:p>
+            <a:pPr lvl="0" rtl="0" algn="ctr">
+              <a:spcBef>
+                <a:spcPts val="0"/>
+              </a:spcBef>
+              <a:buNone/>
+            </a:pPr>
+            <a:r>
+              <a:rPr b="1" lang="en" sz="1400">
+                <a:solidFill>
+                  <a:srgbClr val="2E2E30"/>
+                </a:solidFill>
+                <a:highlight>
+                  <a:srgbClr val="F3F3F3"/>
+                </a:highlight>
+              </a:rPr>
+              <a:t>in your own private space</a:t>
+            </a:r>
+          </a:p>
+          <a:p>
+            <a:pPr lvl="0" rtl="0">
+              <a:spcBef>
+                <a:spcPts val="0"/>
+              </a:spcBef>
+              <a:buNone/>
+            </a:pPr>
+            <a:r>
+              <a:t/>
+            </a:r>
+            <a:endParaRPr sz="1200">
+              <a:solidFill>
+                <a:srgbClr val="2E2E30"/>
+              </a:solidFill>
+              <a:highlight>
+                <a:srgbClr val="F3F3F3"/>
+              </a:highlight>
+            </a:endParaRPr>
+          </a:p>
+          <a:p>
+            <a:pPr lvl="0" rtl="0">
+              <a:spcBef>
+                <a:spcPts val="0"/>
+              </a:spcBef>
+              <a:buNone/>
+            </a:pPr>
+            <a:r>
+              <a:t/>
+            </a:r>
+            <a:endParaRPr sz="1200">
+              <a:solidFill>
+                <a:srgbClr val="2E2E30"/>
+              </a:solidFill>
+              <a:highlight>
+                <a:srgbClr val="F3F3F3"/>
+              </a:highlight>
+            </a:endParaRPr>
+          </a:p>
+        </p:txBody>
+      </p:sp>
+      <p:sp>
+        <p:nvSpPr>
+          <p:cNvPr id="85" name="Shape 85"/>
+          <p:cNvSpPr txBox="1"/>
+          <p:nvPr>
+            <p:ph idx="2" type="body"/>
+          </p:nvPr>
+        </p:nvSpPr>
+        <p:spPr>
+          <a:xfrm>
+            <a:off x="714300" y="934450"/>
+            <a:ext cx="3180300" cy="3340200"/>
+          </a:xfrm>
+          <a:prstGeom prst="rect">
+            <a:avLst/>
+          </a:prstGeom>
+        </p:spPr>
+        <p:txBody>
+          <a:bodyPr anchorCtr="0" anchor="ctr" bIns="91425" lIns="91425" rIns="91425" tIns="91425">
+            <a:noAutofit/>
+          </a:bodyPr>
+          <a:lstStyle/>
+          <a:p>
+            <a:pPr lvl="0" rtl="0">
+              <a:spcBef>
+                <a:spcPts val="0"/>
+              </a:spcBef>
+              <a:buNone/>
+            </a:pPr>
+            <a:r>
+              <a:rPr b="1" lang="en" sz="1400"/>
+              <a:t>Stress relief solution:</a:t>
+            </a:r>
+          </a:p>
+          <a:p>
+            <a:pPr lvl="0" rtl="0">
+              <a:spcBef>
+                <a:spcPts val="0"/>
+              </a:spcBef>
+              <a:buNone/>
+            </a:pPr>
+            <a:r>
+              <a:rPr lang="en" sz="1400"/>
+              <a:t>-physical expression:</a:t>
+            </a:r>
+          </a:p>
+          <a:p>
+            <a:pPr lvl="0" rtl="0">
+              <a:spcBef>
+                <a:spcPts val="0"/>
+              </a:spcBef>
+              <a:buNone/>
+            </a:pPr>
+            <a:r>
+              <a:rPr lang="en" sz="1400"/>
+              <a:t>  exercise,hitting punching bag</a:t>
+            </a:r>
+          </a:p>
+          <a:p>
+            <a:pPr lvl="0" rtl="0">
+              <a:spcBef>
+                <a:spcPts val="0"/>
+              </a:spcBef>
+              <a:buNone/>
+            </a:pPr>
+            <a:r>
+              <a:rPr lang="en" sz="1400"/>
+              <a:t>-mental expression</a:t>
+            </a:r>
+          </a:p>
+          <a:p>
+            <a:pPr lvl="0" rtl="0">
+              <a:spcBef>
+                <a:spcPts val="0"/>
+              </a:spcBef>
+              <a:buNone/>
+            </a:pPr>
+            <a:r>
+              <a:rPr lang="en" sz="1400"/>
+              <a:t>  listener, know your emotion</a:t>
+            </a:r>
+          </a:p>
+          <a:p>
+            <a:pPr lvl="0" rtl="0">
+              <a:spcBef>
+                <a:spcPts val="0"/>
+              </a:spcBef>
+              <a:buNone/>
+            </a:pPr>
+            <a:r>
+              <a:rPr lang="en" sz="1400"/>
+              <a:t>  stimulate, cheer you up</a:t>
+            </a:r>
+          </a:p>
+        </p:txBody>
+      </p:sp>
+    </p:spTree>
+  </p:cSld>
+  <p:clrMapOvr>
+    <a:masterClrMapping/>
+  </p:clrMapOvr>
+</p:sld>
+</file>
+
+<file path=ppt/slides/slide7.xml><?xml version="1.0" encoding="utf-8"?>
+<p:sld xmlns:a="http://schemas.openxmlformats.org/drawingml/2006/main" xmlns:r="http://schemas.openxmlformats.org/officeDocument/2006/relationships" xmlns:mc="http://schemas.openxmlformats.org/markup-compatibility/2006" xmlns:mv="urn:schemas-microsoft-com:mac:vml" xmlns:p="http://schemas.openxmlformats.org/presentationml/2006/main" xmlns:c="http://schemas.openxmlformats.org/drawingml/2006/chart" xmlns:dgm="http://schemas.openxmlformats.org/drawingml/2006/diagram" xmlns:o="urn:schemas-microsoft-com:office:office" xmlns:v="urn:schemas-microsoft-com:vml" xmlns:pvml="urn:schemas-microsoft-com:office:powerpoint" xmlns:com="http://schemas.openxmlformats.org/drawingml/2006/compatibility" xmlns:p14="http://schemas.microsoft.com/office/powerpoint/2010/main">
+  <p:cSld>
+    <p:spTree>
+      <p:nvGrpSpPr>
+        <p:cNvPr id="89" name="Shape 89"/>
+        <p:cNvGrpSpPr/>
+        <p:nvPr/>
+      </p:nvGrpSpPr>
+      <p:grpSpPr>
+        <a:xfrm>
+          <a:off x="0" y="0"/>
+          <a:ext cx="0" cy="0"/>
+          <a:chOff x="0" y="0"/>
+          <a:chExt cx="0" cy="0"/>
+        </a:xfrm>
+      </p:grpSpPr>
+      <p:sp>
+        <p:nvSpPr>
+          <p:cNvPr id="90" name="Shape 90"/>
+          <p:cNvSpPr txBox="1"/>
+          <p:nvPr>
+            <p:ph type="title"/>
+          </p:nvPr>
+        </p:nvSpPr>
+        <p:spPr>
+          <a:xfrm>
+            <a:off x="2802750" y="802500"/>
+            <a:ext cx="3538500" cy="3538500"/>
+          </a:xfrm>
+          <a:prstGeom prst="rect">
+            <a:avLst/>
+          </a:prstGeom>
+        </p:spPr>
+        <p:txBody>
+          <a:bodyPr anchorCtr="0" anchor="ctr" bIns="91425" lIns="91425" rIns="91425" tIns="91425">
+            <a:noAutofit/>
+          </a:bodyPr>
+          <a:lstStyle/>
+          <a:p>
+            <a:pPr lvl="0" rtl="0">
+              <a:spcBef>
+                <a:spcPts val="0"/>
+              </a:spcBef>
+              <a:buNone/>
+            </a:pPr>
+            <a:r>
+              <a:rPr lang="en"/>
+              <a:t>Technology</a:t>
+            </a:r>
+          </a:p>
+        </p:txBody>
+      </p:sp>
+    </p:spTree>
+  </p:cSld>
+  <p:clrMapOvr>
+    <a:masterClrMapping/>
+  </p:clrMapOvr>
+</p:sld>
+</file>
+
+<file path=ppt/slides/slide8.xml><?xml version="1.0" encoding="utf-8"?>
+<p:sld xmlns:a="http://schemas.openxmlformats.org/drawingml/2006/main" xmlns:r="http://schemas.openxmlformats.org/officeDocument/2006/relationships" xmlns:mc="http://schemas.openxmlformats.org/markup-compatibility/2006" xmlns:mv="urn:schemas-microsoft-com:mac:vml" xmlns:p="http://schemas.openxmlformats.org/presentationml/2006/main" xmlns:c="http://schemas.openxmlformats.org/drawingml/2006/chart" xmlns:dgm="http://schemas.openxmlformats.org/drawingml/2006/diagram" xmlns:o="urn:schemas-microsoft-com:office:office" xmlns:v="urn:schemas-microsoft-com:vml" xmlns:pvml="urn:schemas-microsoft-com:office:powerpoint" xmlns:com="http://schemas.openxmlformats.org/drawingml/2006/compatibility" xmlns:p14="http://schemas.microsoft.com/office/powerpoint/2010/main">
+  <p:cSld>
+    <p:spTree>
+      <p:nvGrpSpPr>
+        <p:cNvPr id="94" name="Shape 94"/>
+        <p:cNvGrpSpPr/>
+        <p:nvPr/>
+      </p:nvGrpSpPr>
+      <p:grpSpPr>
+        <a:xfrm>
+          <a:off x="0" y="0"/>
+          <a:ext cx="0" cy="0"/>
+          <a:chOff x="0" y="0"/>
+          <a:chExt cx="0" cy="0"/>
+        </a:xfrm>
+      </p:grpSpPr>
+      <p:sp>
+        <p:nvSpPr>
+          <p:cNvPr id="95" name="Shape 95"/>
+          <p:cNvSpPr txBox="1"/>
+          <p:nvPr>
+            <p:ph type="title"/>
+          </p:nvPr>
+        </p:nvSpPr>
+        <p:spPr>
+          <a:xfrm>
+            <a:off x="265500" y="663675"/>
+            <a:ext cx="4045200" cy="1623600"/>
           </a:xfrm>
           <a:prstGeom prst="rect">
             <a:avLst/>
@@ -3698,34 +6507,105 @@
               <a:buNone/>
             </a:pPr>
             <a:r>
+              <a:rPr lang="en"/>
+              <a:t>arduino</a:t>
+            </a:r>
+          </a:p>
+        </p:txBody>
+      </p:sp>
+      <p:sp>
+        <p:nvSpPr>
+          <p:cNvPr id="96" name="Shape 96"/>
+          <p:cNvSpPr txBox="1"/>
+          <p:nvPr>
+            <p:ph idx="2" type="body"/>
+          </p:nvPr>
+        </p:nvSpPr>
+        <p:spPr>
+          <a:xfrm>
+            <a:off x="4939500" y="724200"/>
+            <a:ext cx="3837000" cy="3695100"/>
+          </a:xfrm>
+          <a:prstGeom prst="rect">
+            <a:avLst/>
+          </a:prstGeom>
+        </p:spPr>
+        <p:txBody>
+          <a:bodyPr anchorCtr="0" anchor="ctr" bIns="91425" lIns="91425" rIns="91425" tIns="91425">
+            <a:noAutofit/>
+          </a:bodyPr>
+          <a:lstStyle/>
+          <a:p>
+            <a:pPr lvl="0">
+              <a:spcBef>
+                <a:spcPts val="0"/>
+              </a:spcBef>
+              <a:buNone/>
+            </a:pPr>
+            <a:r>
+              <a:rPr lang="en">
+                <a:solidFill>
+                  <a:srgbClr val="4F4E4E"/>
+                </a:solidFill>
+                <a:highlight>
+                  <a:srgbClr val="FFFFFF"/>
+                </a:highlight>
+                <a:latin typeface="Verdana"/>
+                <a:ea typeface="Verdana"/>
+                <a:cs typeface="Verdana"/>
+                <a:sym typeface="Verdana"/>
+              </a:rPr>
+              <a:t>Arduino</a:t>
+            </a:r>
+          </a:p>
+          <a:p>
+            <a:pPr lvl="0">
+              <a:spcBef>
+                <a:spcPts val="0"/>
+              </a:spcBef>
+              <a:buNone/>
+            </a:pPr>
+            <a:r>
+              <a:rPr lang="en"/>
+              <a:t>Piezo Disc or </a:t>
+            </a:r>
+          </a:p>
+          <a:p>
+            <a:pPr lvl="0">
+              <a:spcBef>
+                <a:spcPts val="0"/>
+              </a:spcBef>
+              <a:buNone/>
+            </a:pPr>
+            <a:r>
+              <a:rPr lang="en"/>
+              <a:t>Impact sensor</a:t>
+            </a:r>
+          </a:p>
+          <a:p>
+            <a:pPr lvl="0">
+              <a:spcBef>
+                <a:spcPts val="0"/>
+              </a:spcBef>
+              <a:buNone/>
+            </a:pPr>
+            <a:r>
+              <a:rPr lang="en"/>
+              <a:t>Megohm resistor</a:t>
+            </a:r>
+          </a:p>
+          <a:p>
+            <a:pPr lvl="0">
+              <a:spcBef>
+                <a:spcPts val="0"/>
+              </a:spcBef>
+              <a:buNone/>
+            </a:pPr>
+            <a:r>
               <a:t/>
             </a:r>
             <a:endParaRPr/>
           </a:p>
-        </p:txBody>
-      </p:sp>
-      <p:sp>
-        <p:nvSpPr>
-          <p:cNvPr id="55" name="Shape 55"/>
-          <p:cNvSpPr txBox="1"/>
-          <p:nvPr>
-            <p:ph idx="1" type="subTitle"/>
-          </p:nvPr>
-        </p:nvSpPr>
-        <p:spPr>
-          <a:xfrm>
-            <a:off x="311700" y="2834125"/>
-            <a:ext cx="8520600" cy="792600"/>
-          </a:xfrm>
-          <a:prstGeom prst="rect">
-            <a:avLst/>
-          </a:prstGeom>
-        </p:spPr>
-        <p:txBody>
-          <a:bodyPr anchorCtr="0" anchor="t" bIns="91425" lIns="91425" rIns="91425" tIns="91425">
-            <a:noAutofit/>
-          </a:bodyPr>
-          <a:lstStyle/>
           <a:p>
             <a:pPr lvl="0">
               <a:spcBef>
@@ -3740,6 +6620,87 @@
           </a:p>
         </p:txBody>
       </p:sp>
+      <p:pic>
+        <p:nvPicPr>
+          <p:cNvPr id="97" name="Shape 97"/>
+          <p:cNvPicPr preferRelativeResize="0"/>
+          <p:nvPr/>
+        </p:nvPicPr>
+        <p:blipFill>
+          <a:blip r:embed="rId3">
+            <a:alphaModFix/>
+          </a:blip>
+          <a:stretch>
+            <a:fillRect/>
+          </a:stretch>
+        </p:blipFill>
+        <p:spPr>
+          <a:xfrm>
+            <a:off x="1035173" y="2339674"/>
+            <a:ext cx="2505874" cy="2370574"/>
+          </a:xfrm>
+          <a:prstGeom prst="rect">
+            <a:avLst/>
+          </a:prstGeom>
+          <a:noFill/>
+          <a:ln>
+            <a:noFill/>
+          </a:ln>
+        </p:spPr>
+      </p:pic>
+    </p:spTree>
+  </p:cSld>
+  <p:clrMapOvr>
+    <a:masterClrMapping/>
+  </p:clrMapOvr>
+</p:sld>
+</file>
+
+<file path=ppt/slides/slide9.xml><?xml version="1.0" encoding="utf-8"?>
+<p:sld xmlns:a="http://schemas.openxmlformats.org/drawingml/2006/main" xmlns:r="http://schemas.openxmlformats.org/officeDocument/2006/relationships" xmlns:mc="http://schemas.openxmlformats.org/markup-compatibility/2006" xmlns:mv="urn:schemas-microsoft-com:mac:vml" xmlns:p="http://schemas.openxmlformats.org/presentationml/2006/main" xmlns:c="http://schemas.openxmlformats.org/drawingml/2006/chart" xmlns:dgm="http://schemas.openxmlformats.org/drawingml/2006/diagram" xmlns:o="urn:schemas-microsoft-com:office:office" xmlns:v="urn:schemas-microsoft-com:vml" xmlns:pvml="urn:schemas-microsoft-com:office:powerpoint" xmlns:com="http://schemas.openxmlformats.org/drawingml/2006/compatibility" xmlns:p14="http://schemas.microsoft.com/office/powerpoint/2010/main">
+  <p:cSld>
+    <p:spTree>
+      <p:nvGrpSpPr>
+        <p:cNvPr id="101" name="Shape 101"/>
+        <p:cNvGrpSpPr/>
+        <p:nvPr/>
+      </p:nvGrpSpPr>
+      <p:grpSpPr>
+        <a:xfrm>
+          <a:off x="0" y="0"/>
+          <a:ext cx="0" cy="0"/>
+          <a:chOff x="0" y="0"/>
+          <a:chExt cx="0" cy="0"/>
+        </a:xfrm>
+      </p:grpSpPr>
+      <p:pic>
+        <p:nvPicPr>
+          <p:cNvPr id="102" name="Shape 102"/>
+          <p:cNvPicPr preferRelativeResize="0"/>
+          <p:nvPr/>
+        </p:nvPicPr>
+        <p:blipFill>
+          <a:blip r:embed="rId3">
+            <a:alphaModFix/>
+          </a:blip>
+          <a:stretch>
+            <a:fillRect/>
+          </a:stretch>
+        </p:blipFill>
+        <p:spPr>
+          <a:xfrm>
+            <a:off x="1254550" y="152400"/>
+            <a:ext cx="6274624" cy="4838700"/>
+          </a:xfrm>
+          <a:prstGeom prst="rect">
+            <a:avLst/>
+          </a:prstGeom>
+          <a:noFill/>
+          <a:ln>
+            <a:noFill/>
+          </a:ln>
+        </p:spPr>
+      </p:pic>
     </p:spTree>
   </p:cSld>
   <p:clrMapOvr>
@@ -3749,285 +6710,6 @@
 </file>
 
 <file path=ppt/theme/theme1.xml><?xml version="1.0" encoding="utf-8"?>
-<a:theme xmlns:a="http://schemas.openxmlformats.org/drawingml/2006/main" xmlns:r="http://schemas.openxmlformats.org/officeDocument/2006/relationships" name="simple-light-2">
-  <a:themeElements>
-    <a:clrScheme name="Simple Light">
-      <a:dk1>
-        <a:srgbClr val="000000"/>
-      </a:dk1>
-      <a:lt1>
-        <a:srgbClr val="FFFFFF"/>
-      </a:lt1>
-      <a:dk2>
-        <a:srgbClr val="595959"/>
-      </a:dk2>
-      <a:lt2>
-        <a:srgbClr val="EEEEEE"/>
-      </a:lt2>
-      <a:accent1>
-        <a:srgbClr val="FFAB40"/>
-      </a:accent1>
-      <a:accent2>
-        <a:srgbClr val="212121"/>
-      </a:accent2>
-      <a:accent3>
-        <a:srgbClr val="78909C"/>
-      </a:accent3>
-      <a:accent4>
-        <a:srgbClr val="FFAB40"/>
-      </a:accent4>
-      <a:accent5>
-        <a:srgbClr val="0097A7"/>
-      </a:accent5>
-      <a:accent6>
-        <a:srgbClr val="EEFF41"/>
-      </a:accent6>
-      <a:hlink>
-        <a:srgbClr val="0097A7"/>
-      </a:hlink>
-      <a:folHlink>
-        <a:srgbClr val="0097A7"/>
-      </a:folHlink>
-    </a:clrScheme>
-    <a:fontScheme name="Office">
-      <a:majorFont>
-        <a:latin typeface="Arial"/>
-        <a:ea typeface=""/>
-        <a:cs typeface=""/>
-        <a:font script="Jpan" typeface="ＭＳ Ｐゴシック"/>
-        <a:font script="Hang" typeface="맑은 고딕"/>
-        <a:font script="Hans" typeface="宋体"/>
-        <a:font script="Hant" typeface="新細明體"/>
-        <a:font script="Arab" typeface="Times New Roman"/>
-        <a:font script="Hebr" typeface="Times New Roman"/>
-        <a:font script="Thai" typeface="Angsana New"/>
-        <a:font script="Ethi" typeface="Nyala"/>
-        <a:font script="Beng" typeface="Vrinda"/>
-        <a:font script="Gujr" typeface="Shruti"/>
-        <a:font script="Khmr" typeface="MoolBoran"/>
-        <a:font script="Knda" typeface="Tunga"/>
-        <a:font script="Guru" typeface="Raavi"/>
-        <a:font script="Cans" typeface="Euphemia"/>
-        <a:font script="Cher" typeface="Plantagenet Cherokee"/>
-        <a:font script="Yiii" typeface="Microsoft Yi Baiti"/>
-        <a:font script="Tibt" typeface="Microsoft Himalaya"/>
-        <a:font script="Thaa" typeface="MV Boli"/>
-        <a:font script="Deva" typeface="Mangal"/>
-        <a:font script="Telu" typeface="Gautami"/>
-        <a:font script="Taml" typeface="Latha"/>
-        <a:font script="Syrc" typeface="Estrangelo Edessa"/>
-        <a:font script="Orya" typeface="Kalinga"/>
-        <a:font script="Mlym" typeface="Kartika"/>
-        <a:font script="Laoo" typeface="DokChampa"/>
-        <a:font script="Sinh" typeface="Iskoola Pota"/>
-        <a:font script="Mong" typeface="Mongolian Baiti"/>
-        <a:font script="Viet" typeface="Times New Roman"/>
-        <a:font script="Uigh" typeface="Microsoft Uighur"/>
-        <a:font script="Geor" typeface="Sylfaen"/>
-      </a:majorFont>
-      <a:minorFont>
-        <a:latin typeface="Arial"/>
-        <a:ea typeface=""/>
-        <a:cs typeface=""/>
-        <a:font script="Jpan" typeface="ＭＳ Ｐゴシック"/>
-        <a:font script="Hang" typeface="맑은 고딕"/>
-        <a:font script="Hans" typeface="宋体"/>
-        <a:font script="Hant" typeface="新細明體"/>
-        <a:font script="Arab" typeface="Arial"/>
-        <a:font script="Hebr" typeface="Arial"/>
-        <a:font script="Thai" typeface="Cordia New"/>
-        <a:font script="Ethi" typeface="Nyala"/>
-        <a:font script="Beng" typeface="Vrinda"/>
-        <a:font script="Gujr" typeface="Shruti"/>
-        <a:font script="Khmr" typeface="DaunPenh"/>
-        <a:font script="Knda" typeface="Tunga"/>
-        <a:font script="Guru" typeface="Raavi"/>
-        <a:font script="Cans" typeface="Euphemia"/>
-        <a:font script="Cher" typeface="Plantagenet Cherokee"/>
-        <a:font script="Yiii" typeface="Microsoft Yi Baiti"/>
-        <a:font script="Tibt" typeface="Microsoft Himalaya"/>
-        <a:font script="Thaa" typeface="MV Boli"/>
-        <a:font script="Deva" typeface="Mangal"/>
-        <a:font script="Telu" typeface="Gautami"/>
-        <a:font script="Taml" typeface="Latha"/>
-        <a:font script="Syrc" typeface="Estrangelo Edessa"/>
-        <a:font script="Orya" typeface="Kalinga"/>
-        <a:font script="Mlym" typeface="Kartika"/>
-        <a:font script="Laoo" typeface="DokChampa"/>
-        <a:font script="Sinh" typeface="Iskoola Pota"/>
-        <a:font script="Mong" typeface="Mongolian Baiti"/>
-        <a:font script="Viet" typeface="Arial"/>
-        <a:font script="Uigh" typeface="Microsoft Uighur"/>
-        <a:font script="Geor" typeface="Sylfaen"/>
-      </a:minorFont>
-    </a:fontScheme>
-    <a:fmtScheme name="Office">
-      <a:fillStyleLst>
-        <a:solidFill>
-          <a:schemeClr val="phClr"/>
-        </a:solidFill>
-        <a:gradFill rotWithShape="1">
-          <a:gsLst>
-            <a:gs pos="0">
-              <a:schemeClr val="phClr">
-                <a:tint val="50000"/>
-                <a:satMod val="300000"/>
-              </a:schemeClr>
-            </a:gs>
-            <a:gs pos="35000">
-              <a:schemeClr val="phClr">
-                <a:tint val="37000"/>
-                <a:satMod val="300000"/>
-              </a:schemeClr>
-            </a:gs>
-            <a:gs pos="100000">
-              <a:schemeClr val="phClr">
-                <a:tint val="15000"/>
-                <a:satMod val="350000"/>
-              </a:schemeClr>
-            </a:gs>
-          </a:gsLst>
-          <a:lin ang="16200000" scaled="1"/>
-        </a:gradFill>
-        <a:gradFill rotWithShape="1">
-          <a:gsLst>
-            <a:gs pos="0">
-              <a:schemeClr val="phClr">
-                <a:tint val="100000"/>
-                <a:shade val="100000"/>
-                <a:satMod val="130000"/>
-              </a:schemeClr>
-            </a:gs>
-            <a:gs pos="100000">
-              <a:schemeClr val="phClr">
-                <a:tint val="50000"/>
-                <a:shade val="100000"/>
-                <a:satMod val="350000"/>
-              </a:schemeClr>
-            </a:gs>
-          </a:gsLst>
-          <a:lin ang="16200000" scaled="0"/>
-        </a:gradFill>
-      </a:fillStyleLst>
-      <a:lnStyleLst>
-        <a:ln w="9525" cap="flat" cmpd="sng" algn="ctr">
-          <a:solidFill>
-            <a:schemeClr val="phClr">
-              <a:shade val="95000"/>
-              <a:satMod val="105000"/>
-            </a:schemeClr>
-          </a:solidFill>
-          <a:prstDash val="solid"/>
-        </a:ln>
-        <a:ln w="25400" cap="flat" cmpd="sng" algn="ctr">
-          <a:solidFill>
-            <a:schemeClr val="phClr"/>
-          </a:solidFill>
-          <a:prstDash val="solid"/>
-        </a:ln>
-        <a:ln w="38100" cap="flat" cmpd="sng" algn="ctr">
-          <a:solidFill>
-            <a:schemeClr val="phClr"/>
-          </a:solidFill>
-          <a:prstDash val="solid"/>
-        </a:ln>
-      </a:lnStyleLst>
-      <a:effectStyleLst>
-        <a:effectStyle>
-          <a:effectLst>
-            <a:outerShdw blurRad="40000" dist="20000" dir="5400000" rotWithShape="0">
-              <a:srgbClr val="000000">
-                <a:alpha val="38000"/>
-              </a:srgbClr>
-            </a:outerShdw>
-          </a:effectLst>
-        </a:effectStyle>
-        <a:effectStyle>
-          <a:effectLst>
-            <a:outerShdw blurRad="40000" dist="23000" dir="5400000" rotWithShape="0">
-              <a:srgbClr val="000000">
-                <a:alpha val="35000"/>
-              </a:srgbClr>
-            </a:outerShdw>
-          </a:effectLst>
-        </a:effectStyle>
-        <a:effectStyle>
-          <a:effectLst>
-            <a:outerShdw blurRad="40000" dist="23000" dir="5400000" rotWithShape="0">
-              <a:srgbClr val="000000">
-                <a:alpha val="35000"/>
-              </a:srgbClr>
-            </a:outerShdw>
-          </a:effectLst>
-          <a:scene3d>
-            <a:camera prst="orthographicFront">
-              <a:rot lat="0" lon="0" rev="0"/>
-            </a:camera>
-            <a:lightRig rig="threePt" dir="t">
-              <a:rot lat="0" lon="0" rev="1200000"/>
-            </a:lightRig>
-          </a:scene3d>
-          <a:sp3d>
-            <a:bevelT w="63500" h="25400"/>
-          </a:sp3d>
-        </a:effectStyle>
-      </a:effectStyleLst>
-      <a:bgFillStyleLst>
-        <a:solidFill>
-          <a:schemeClr val="phClr"/>
-        </a:solidFill>
-        <a:gradFill rotWithShape="1">
-          <a:gsLst>
-            <a:gs pos="0">
-              <a:schemeClr val="phClr">
-                <a:tint val="40000"/>
-                <a:satMod val="350000"/>
-              </a:schemeClr>
-            </a:gs>
-            <a:gs pos="40000">
-              <a:schemeClr val="phClr">
-                <a:tint val="45000"/>
-                <a:shade val="99000"/>
-                <a:satMod val="350000"/>
-              </a:schemeClr>
-            </a:gs>
-            <a:gs pos="100000">
-              <a:schemeClr val="phClr">
-                <a:shade val="20000"/>
-                <a:satMod val="255000"/>
-              </a:schemeClr>
-            </a:gs>
-          </a:gsLst>
-          <a:path path="circle">
-            <a:fillToRect l="50000" t="-80000" r="50000" b="180000"/>
-          </a:path>
-        </a:gradFill>
-        <a:gradFill rotWithShape="1">
-          <a:gsLst>
-            <a:gs pos="0">
-              <a:schemeClr val="phClr">
-                <a:tint val="80000"/>
-                <a:satMod val="300000"/>
-              </a:schemeClr>
-            </a:gs>
-            <a:gs pos="100000">
-              <a:schemeClr val="phClr">
-                <a:shade val="30000"/>
-                <a:satMod val="200000"/>
-              </a:schemeClr>
-            </a:gs>
-          </a:gsLst>
-          <a:path path="circle">
-            <a:fillToRect l="50000" t="50000" r="50000" b="50000"/>
-          </a:path>
-        </a:gradFill>
-      </a:bgFillStyleLst>
-    </a:fmtScheme>
-  </a:themeElements>
-</a:theme>
-</file>
-
-<file path=ppt/theme/theme2.xml><?xml version="1.0" encoding="utf-8"?>
 <a:theme xmlns:a="http://schemas.openxmlformats.org/drawingml/2006/main" xmlns:r="http://schemas.openxmlformats.org/officeDocument/2006/relationships" name="Custom Theme">
   <a:themeElements>
     <a:clrScheme name="Default">
@@ -4304,4 +6986,283 @@
     </a:fmtScheme>
   </a:themeElements>
 </a:theme>
+</file>
+
+<file path=ppt/theme/theme2.xml><?xml version="1.0" encoding="utf-8"?>
+<a:theme xmlns:a="http://schemas.openxmlformats.org/drawingml/2006/main" xmlns:r="http://schemas.openxmlformats.org/officeDocument/2006/relationships" name="beach-day">
+  <a:themeElements>
+    <a:clrScheme name="Beach Day">
+      <a:dk1>
+        <a:srgbClr val="00FDC8"/>
+      </a:dk1>
+      <a:lt1>
+        <a:srgbClr val="FFFFFF"/>
+      </a:lt1>
+      <a:dk2>
+        <a:srgbClr val="666666"/>
+      </a:dk2>
+      <a:lt2>
+        <a:srgbClr val="EEEEEE"/>
+      </a:lt2>
+      <a:accent1>
+        <a:srgbClr val="212121"/>
+      </a:accent1>
+      <a:accent2>
+        <a:srgbClr val="455A64"/>
+      </a:accent2>
+      <a:accent3>
+        <a:srgbClr val="78909C"/>
+      </a:accent3>
+      <a:accent4>
+        <a:srgbClr val="7C7CE0"/>
+      </a:accent4>
+      <a:accent5>
+        <a:srgbClr val="DB4437"/>
+      </a:accent5>
+      <a:accent6>
+        <a:srgbClr val="F6CD4C"/>
+      </a:accent6>
+      <a:hlink>
+        <a:srgbClr val="DB4437"/>
+      </a:hlink>
+      <a:folHlink>
+        <a:srgbClr val="DB4437"/>
+      </a:folHlink>
+    </a:clrScheme>
+    <a:fontScheme name="Office">
+      <a:majorFont>
+        <a:latin typeface="Arial"/>
+        <a:ea typeface=""/>
+        <a:cs typeface=""/>
+        <a:font script="Jpan" typeface="ＭＳ Ｐゴシック"/>
+        <a:font script="Hang" typeface="맑은 고딕"/>
+        <a:font script="Hans" typeface="宋体"/>
+        <a:font script="Hant" typeface="新細明體"/>
+        <a:font script="Arab" typeface="Times New Roman"/>
+        <a:font script="Hebr" typeface="Times New Roman"/>
+        <a:font script="Thai" typeface="Angsana New"/>
+        <a:font script="Ethi" typeface="Nyala"/>
+        <a:font script="Beng" typeface="Vrinda"/>
+        <a:font script="Gujr" typeface="Shruti"/>
+        <a:font script="Khmr" typeface="MoolBoran"/>
+        <a:font script="Knda" typeface="Tunga"/>
+        <a:font script="Guru" typeface="Raavi"/>
+        <a:font script="Cans" typeface="Euphemia"/>
+        <a:font script="Cher" typeface="Plantagenet Cherokee"/>
+        <a:font script="Yiii" typeface="Microsoft Yi Baiti"/>
+        <a:font script="Tibt" typeface="Microsoft Himalaya"/>
+        <a:font script="Thaa" typeface="MV Boli"/>
+        <a:font script="Deva" typeface="Mangal"/>
+        <a:font script="Telu" typeface="Gautami"/>
+        <a:font script="Taml" typeface="Latha"/>
+        <a:font script="Syrc" typeface="Estrangelo Edessa"/>
+        <a:font script="Orya" typeface="Kalinga"/>
+        <a:font script="Mlym" typeface="Kartika"/>
+        <a:font script="Laoo" typeface="DokChampa"/>
+        <a:font script="Sinh" typeface="Iskoola Pota"/>
+        <a:font script="Mong" typeface="Mongolian Baiti"/>
+        <a:font script="Viet" typeface="Times New Roman"/>
+        <a:font script="Uigh" typeface="Microsoft Uighur"/>
+        <a:font script="Geor" typeface="Sylfaen"/>
+      </a:majorFont>
+      <a:minorFont>
+        <a:latin typeface="Arial"/>
+        <a:ea typeface=""/>
+        <a:cs typeface=""/>
+        <a:font script="Jpan" typeface="ＭＳ Ｐゴシック"/>
+        <a:font script="Hang" typeface="맑은 고딕"/>
+        <a:font script="Hans" typeface="宋体"/>
+        <a:font script="Hant" typeface="新細明體"/>
+        <a:font script="Arab" typeface="Arial"/>
+        <a:font script="Hebr" typeface="Arial"/>
+        <a:font script="Thai" typeface="Cordia New"/>
+        <a:font script="Ethi" typeface="Nyala"/>
+        <a:font script="Beng" typeface="Vrinda"/>
+        <a:font script="Gujr" typeface="Shruti"/>
+        <a:font script="Khmr" typeface="DaunPenh"/>
+        <a:font script="Knda" typeface="Tunga"/>
+        <a:font script="Guru" typeface="Raavi"/>
+        <a:font script="Cans" typeface="Euphemia"/>
+        <a:font script="Cher" typeface="Plantagenet Cherokee"/>
+        <a:font script="Yiii" typeface="Microsoft Yi Baiti"/>
+        <a:font script="Tibt" typeface="Microsoft Himalaya"/>
+        <a:font script="Thaa" typeface="MV Boli"/>
+        <a:font script="Deva" typeface="Mangal"/>
+        <a:font script="Telu" typeface="Gautami"/>
+        <a:font script="Taml" typeface="Latha"/>
+        <a:font script="Syrc" typeface="Estrangelo Edessa"/>
+        <a:font script="Orya" typeface="Kalinga"/>
+        <a:font script="Mlym" typeface="Kartika"/>
+        <a:font script="Laoo" typeface="DokChampa"/>
+        <a:font script="Sinh" typeface="Iskoola Pota"/>
+        <a:font script="Mong" typeface="Mongolian Baiti"/>
+        <a:font script="Viet" typeface="Arial"/>
+        <a:font script="Uigh" typeface="Microsoft Uighur"/>
+        <a:font script="Geor" typeface="Sylfaen"/>
+      </a:minorFont>
+    </a:fontScheme>
+    <a:fmtScheme name="Office">
+      <a:fillStyleLst>
+        <a:solidFill>
+          <a:schemeClr val="phClr"/>
+        </a:solidFill>
+        <a:gradFill rotWithShape="1">
+          <a:gsLst>
+            <a:gs pos="0">
+              <a:schemeClr val="phClr">
+                <a:tint val="50000"/>
+                <a:satMod val="300000"/>
+              </a:schemeClr>
+            </a:gs>
+            <a:gs pos="35000">
+              <a:schemeClr val="phClr">
+                <a:tint val="37000"/>
+                <a:satMod val="300000"/>
+              </a:schemeClr>
+            </a:gs>
+            <a:gs pos="100000">
+              <a:schemeClr val="phClr">
+                <a:tint val="15000"/>
+                <a:satMod val="350000"/>
+              </a:schemeClr>
+            </a:gs>
+          </a:gsLst>
+          <a:lin ang="16200000" scaled="1"/>
+        </a:gradFill>
+        <a:gradFill rotWithShape="1">
+          <a:gsLst>
+            <a:gs pos="0">
+              <a:schemeClr val="phClr">
+                <a:tint val="100000"/>
+                <a:shade val="100000"/>
+                <a:satMod val="130000"/>
+              </a:schemeClr>
+            </a:gs>
+            <a:gs pos="100000">
+              <a:schemeClr val="phClr">
+                <a:tint val="50000"/>
+                <a:shade val="100000"/>
+                <a:satMod val="350000"/>
+              </a:schemeClr>
+            </a:gs>
+          </a:gsLst>
+          <a:lin ang="16200000" scaled="0"/>
+        </a:gradFill>
+      </a:fillStyleLst>
+      <a:lnStyleLst>
+        <a:ln w="9525" cap="flat" cmpd="sng" algn="ctr">
+          <a:solidFill>
+            <a:schemeClr val="phClr">
+              <a:shade val="95000"/>
+              <a:satMod val="105000"/>
+            </a:schemeClr>
+          </a:solidFill>
+          <a:prstDash val="solid"/>
+        </a:ln>
+        <a:ln w="25400" cap="flat" cmpd="sng" algn="ctr">
+          <a:solidFill>
+            <a:schemeClr val="phClr"/>
+          </a:solidFill>
+          <a:prstDash val="solid"/>
+        </a:ln>
+        <a:ln w="38100" cap="flat" cmpd="sng" algn="ctr">
+          <a:solidFill>
+            <a:schemeClr val="phClr"/>
+          </a:solidFill>
+          <a:prstDash val="solid"/>
+        </a:ln>
+      </a:lnStyleLst>
+      <a:effectStyleLst>
+        <a:effectStyle>
+          <a:effectLst>
+            <a:outerShdw blurRad="40000" dist="20000" dir="5400000" rotWithShape="0">
+              <a:srgbClr val="000000">
+                <a:alpha val="38000"/>
+              </a:srgbClr>
+            </a:outerShdw>
+          </a:effectLst>
+        </a:effectStyle>
+        <a:effectStyle>
+          <a:effectLst>
+            <a:outerShdw blurRad="40000" dist="23000" dir="5400000" rotWithShape="0">
+              <a:srgbClr val="000000">
+                <a:alpha val="35000"/>
+              </a:srgbClr>
+            </a:outerShdw>
+          </a:effectLst>
+        </a:effectStyle>
+        <a:effectStyle>
+          <a:effectLst>
+            <a:outerShdw blurRad="40000" dist="23000" dir="5400000" rotWithShape="0">
+              <a:srgbClr val="000000">
+                <a:alpha val="35000"/>
+              </a:srgbClr>
+            </a:outerShdw>
+          </a:effectLst>
+          <a:scene3d>
+            <a:camera prst="orthographicFront">
+              <a:rot lat="0" lon="0" rev="0"/>
+            </a:camera>
+            <a:lightRig rig="threePt" dir="t">
+              <a:rot lat="0" lon="0" rev="1200000"/>
+            </a:lightRig>
+          </a:scene3d>
+          <a:sp3d>
+            <a:bevelT w="63500" h="25400"/>
+          </a:sp3d>
+        </a:effectStyle>
+      </a:effectStyleLst>
+      <a:bgFillStyleLst>
+        <a:solidFill>
+          <a:schemeClr val="phClr"/>
+        </a:solidFill>
+        <a:gradFill rotWithShape="1">
+          <a:gsLst>
+            <a:gs pos="0">
+              <a:schemeClr val="phClr">
+                <a:tint val="40000"/>
+                <a:satMod val="350000"/>
+              </a:schemeClr>
+            </a:gs>
+            <a:gs pos="40000">
+              <a:schemeClr val="phClr">
+                <a:tint val="45000"/>
+                <a:shade val="99000"/>
+                <a:satMod val="350000"/>
+              </a:schemeClr>
+            </a:gs>
+            <a:gs pos="100000">
+              <a:schemeClr val="phClr">
+                <a:shade val="20000"/>
+                <a:satMod val="255000"/>
+              </a:schemeClr>
+            </a:gs>
+          </a:gsLst>
+          <a:path path="circle">
+            <a:fillToRect l="50000" t="-80000" r="50000" b="180000"/>
+          </a:path>
+        </a:gradFill>
+        <a:gradFill rotWithShape="1">
+          <a:gsLst>
+            <a:gs pos="0">
+              <a:schemeClr val="phClr">
+                <a:tint val="80000"/>
+                <a:satMod val="300000"/>
+              </a:schemeClr>
+            </a:gs>
+            <a:gs pos="100000">
+              <a:schemeClr val="phClr">
+                <a:shade val="30000"/>
+                <a:satMod val="200000"/>
+              </a:schemeClr>
+            </a:gs>
+          </a:gsLst>
+          <a:path path="circle">
+            <a:fillToRect l="50000" t="50000" r="50000" b="50000"/>
+          </a:path>
+        </a:gradFill>
+      </a:bgFillStyleLst>
+    </a:fmtScheme>
+  </a:themeElements>
+</a:theme>
 </file>
--- a/anger_release.pptx
+++ b/anger_release.pptx
@@ -6710,6 +6710,285 @@
 </file>
 
 <file path=ppt/theme/theme1.xml><?xml version="1.0" encoding="utf-8"?>
+<a:theme xmlns:a="http://schemas.openxmlformats.org/drawingml/2006/main" xmlns:r="http://schemas.openxmlformats.org/officeDocument/2006/relationships" name="beach-day">
+  <a:themeElements>
+    <a:clrScheme name="Beach Day">
+      <a:dk1>
+        <a:srgbClr val="00FDC8"/>
+      </a:dk1>
+      <a:lt1>
+        <a:srgbClr val="FFFFFF"/>
+      </a:lt1>
+      <a:dk2>
+        <a:srgbClr val="666666"/>
+      </a:dk2>
+      <a:lt2>
+        <a:srgbClr val="EEEEEE"/>
+      </a:lt2>
+      <a:accent1>
+        <a:srgbClr val="212121"/>
+      </a:accent1>
+      <a:accent2>
+        <a:srgbClr val="455A64"/>
+      </a:accent2>
+      <a:accent3>
+        <a:srgbClr val="78909C"/>
+      </a:accent3>
+      <a:accent4>
+        <a:srgbClr val="7C7CE0"/>
+      </a:accent4>
+      <a:accent5>
+        <a:srgbClr val="DB4437"/>
+      </a:accent5>
+      <a:accent6>
+        <a:srgbClr val="F6CD4C"/>
+      </a:accent6>
+      <a:hlink>
+        <a:srgbClr val="DB4437"/>
+      </a:hlink>
+      <a:folHlink>
+        <a:srgbClr val="DB4437"/>
+      </a:folHlink>
+    </a:clrScheme>
+    <a:fontScheme name="Office">
+      <a:majorFont>
+        <a:latin typeface="Arial"/>
+        <a:ea typeface=""/>
+        <a:cs typeface=""/>
+        <a:font script="Jpan" typeface="ＭＳ Ｐゴシック"/>
+        <a:font script="Hang" typeface="맑은 고딕"/>
+        <a:font script="Hans" typeface="宋体"/>
+        <a:font script="Hant" typeface="新細明體"/>
+        <a:font script="Arab" typeface="Times New Roman"/>
+        <a:font script="Hebr" typeface="Times New Roman"/>
+        <a:font script="Thai" typeface="Angsana New"/>
+        <a:font script="Ethi" typeface="Nyala"/>
+        <a:font script="Beng" typeface="Vrinda"/>
+        <a:font script="Gujr" typeface="Shruti"/>
+        <a:font script="Khmr" typeface="MoolBoran"/>
+        <a:font script="Knda" typeface="Tunga"/>
+        <a:font script="Guru" typeface="Raavi"/>
+        <a:font script="Cans" typeface="Euphemia"/>
+        <a:font script="Cher" typeface="Plantagenet Cherokee"/>
+        <a:font script="Yiii" typeface="Microsoft Yi Baiti"/>
+        <a:font script="Tibt" typeface="Microsoft Himalaya"/>
+        <a:font script="Thaa" typeface="MV Boli"/>
+        <a:font script="Deva" typeface="Mangal"/>
+        <a:font script="Telu" typeface="Gautami"/>
+        <a:font script="Taml" typeface="Latha"/>
+        <a:font script="Syrc" typeface="Estrangelo Edessa"/>
+        <a:font script="Orya" typeface="Kalinga"/>
+        <a:font script="Mlym" typeface="Kartika"/>
+        <a:font script="Laoo" typeface="DokChampa"/>
+        <a:font script="Sinh" typeface="Iskoola Pota"/>
+        <a:font script="Mong" typeface="Mongolian Baiti"/>
+        <a:font script="Viet" typeface="Times New Roman"/>
+        <a:font script="Uigh" typeface="Microsoft Uighur"/>
+        <a:font script="Geor" typeface="Sylfaen"/>
+      </a:majorFont>
+      <a:minorFont>
+        <a:latin typeface="Arial"/>
+        <a:ea typeface=""/>
+        <a:cs typeface=""/>
+        <a:font script="Jpan" typeface="ＭＳ Ｐゴシック"/>
+        <a:font script="Hang" typeface="맑은 고딕"/>
+        <a:font script="Hans" typeface="宋体"/>
+        <a:font script="Hant" typeface="新細明體"/>
+        <a:font script="Arab" typeface="Arial"/>
+        <a:font script="Hebr" typeface="Arial"/>
+        <a:font script="Thai" typeface="Cordia New"/>
+        <a:font script="Ethi" typeface="Nyala"/>
+        <a:font script="Beng" typeface="Vrinda"/>
+        <a:font script="Gujr" typeface="Shruti"/>
+        <a:font script="Khmr" typeface="DaunPenh"/>
+        <a:font script="Knda" typeface="Tunga"/>
+        <a:font script="Guru" typeface="Raavi"/>
+        <a:font script="Cans" typeface="Euphemia"/>
+        <a:font script="Cher" typeface="Plantagenet Cherokee"/>
+        <a:font script="Yiii" typeface="Microsoft Yi Baiti"/>
+        <a:font script="Tibt" typeface="Microsoft Himalaya"/>
+        <a:font script="Thaa" typeface="MV Boli"/>
+        <a:font script="Deva" typeface="Mangal"/>
+        <a:font script="Telu" typeface="Gautami"/>
+        <a:font script="Taml" typeface="Latha"/>
+        <a:font script="Syrc" typeface="Estrangelo Edessa"/>
+        <a:font script="Orya" typeface="Kalinga"/>
+        <a:font script="Mlym" typeface="Kartika"/>
+        <a:font script="Laoo" typeface="DokChampa"/>
+        <a:font script="Sinh" typeface="Iskoola Pota"/>
+        <a:font script="Mong" typeface="Mongolian Baiti"/>
+        <a:font script="Viet" typeface="Arial"/>
+        <a:font script="Uigh" typeface="Microsoft Uighur"/>
+        <a:font script="Geor" typeface="Sylfaen"/>
+      </a:minorFont>
+    </a:fontScheme>
+    <a:fmtScheme name="Office">
+      <a:fillStyleLst>
+        <a:solidFill>
+          <a:schemeClr val="phClr"/>
+        </a:solidFill>
+        <a:gradFill rotWithShape="1">
+          <a:gsLst>
+            <a:gs pos="0">
+              <a:schemeClr val="phClr">
+                <a:tint val="50000"/>
+                <a:satMod val="300000"/>
+              </a:schemeClr>
+            </a:gs>
+            <a:gs pos="35000">
+              <a:schemeClr val="phClr">
+                <a:tint val="37000"/>
+                <a:satMod val="300000"/>
+              </a:schemeClr>
+            </a:gs>
+            <a:gs pos="100000">
+              <a:schemeClr val="phClr">
+                <a:tint val="15000"/>
+                <a:satMod val="350000"/>
+              </a:schemeClr>
+            </a:gs>
+          </a:gsLst>
+          <a:lin ang="16200000" scaled="1"/>
+        </a:gradFill>
+        <a:gradFill rotWithShape="1">
+          <a:gsLst>
+            <a:gs pos="0">
+              <a:schemeClr val="phClr">
+                <a:tint val="100000"/>
+                <a:shade val="100000"/>
+                <a:satMod val="130000"/>
+              </a:schemeClr>
+            </a:gs>
+            <a:gs pos="100000">
+              <a:schemeClr val="phClr">
+                <a:tint val="50000"/>
+                <a:shade val="100000"/>
+                <a:satMod val="350000"/>
+              </a:schemeClr>
+            </a:gs>
+          </a:gsLst>
+          <a:lin ang="16200000" scaled="0"/>
+        </a:gradFill>
+      </a:fillStyleLst>
+      <a:lnStyleLst>
+        <a:ln w="9525" cap="flat" cmpd="sng" algn="ctr">
+          <a:solidFill>
+            <a:schemeClr val="phClr">
+              <a:shade val="95000"/>
+              <a:satMod val="105000"/>
+            </a:schemeClr>
+          </a:solidFill>
+          <a:prstDash val="solid"/>
+        </a:ln>
+        <a:ln w="25400" cap="flat" cmpd="sng" algn="ctr">
+          <a:solidFill>
+            <a:schemeClr val="phClr"/>
+          </a:solidFill>
+          <a:prstDash val="solid"/>
+        </a:ln>
+        <a:ln w="38100" cap="flat" cmpd="sng" algn="ctr">
+          <a:solidFill>
+            <a:schemeClr val="phClr"/>
+          </a:solidFill>
+          <a:prstDash val="solid"/>
+        </a:ln>
+      </a:lnStyleLst>
+      <a:effectStyleLst>
+        <a:effectStyle>
+          <a:effectLst>
+            <a:outerShdw blurRad="40000" dist="20000" dir="5400000" rotWithShape="0">
+              <a:srgbClr val="000000">
+                <a:alpha val="38000"/>
+              </a:srgbClr>
+            </a:outerShdw>
+          </a:effectLst>
+        </a:effectStyle>
+        <a:effectStyle>
+          <a:effectLst>
+            <a:outerShdw blurRad="40000" dist="23000" dir="5400000" rotWithShape="0">
+              <a:srgbClr val="000000">
+                <a:alpha val="35000"/>
+              </a:srgbClr>
+            </a:outerShdw>
+          </a:effectLst>
+        </a:effectStyle>
+        <a:effectStyle>
+          <a:effectLst>
+            <a:outerShdw blurRad="40000" dist="23000" dir="5400000" rotWithShape="0">
+              <a:srgbClr val="000000">
+                <a:alpha val="35000"/>
+              </a:srgbClr>
+            </a:outerShdw>
+          </a:effectLst>
+          <a:scene3d>
+            <a:camera prst="orthographicFront">
+              <a:rot lat="0" lon="0" rev="0"/>
+            </a:camera>
+            <a:lightRig rig="threePt" dir="t">
+              <a:rot lat="0" lon="0" rev="1200000"/>
+            </a:lightRig>
+          </a:scene3d>
+          <a:sp3d>
+            <a:bevelT w="63500" h="25400"/>
+          </a:sp3d>
+        </a:effectStyle>
+      </a:effectStyleLst>
+      <a:bgFillStyleLst>
+        <a:solidFill>
+          <a:schemeClr val="phClr"/>
+        </a:solidFill>
+        <a:gradFill rotWithShape="1">
+          <a:gsLst>
+            <a:gs pos="0">
+              <a:schemeClr val="phClr">
+                <a:tint val="40000"/>
+                <a:satMod val="350000"/>
+              </a:schemeClr>
+            </a:gs>
+            <a:gs pos="40000">
+              <a:schemeClr val="phClr">
+                <a:tint val="45000"/>
+                <a:shade val="99000"/>
+                <a:satMod val="350000"/>
+              </a:schemeClr>
+            </a:gs>
+            <a:gs pos="100000">
+              <a:schemeClr val="phClr">
+                <a:shade val="20000"/>
+                <a:satMod val="255000"/>
+              </a:schemeClr>
+            </a:gs>
+          </a:gsLst>
+          <a:path path="circle">
+            <a:fillToRect l="50000" t="-80000" r="50000" b="180000"/>
+          </a:path>
+        </a:gradFill>
+        <a:gradFill rotWithShape="1">
+          <a:gsLst>
+            <a:gs pos="0">
+              <a:schemeClr val="phClr">
+                <a:tint val="80000"/>
+                <a:satMod val="300000"/>
+              </a:schemeClr>
+            </a:gs>
+            <a:gs pos="100000">
+              <a:schemeClr val="phClr">
+                <a:shade val="30000"/>
+                <a:satMod val="200000"/>
+              </a:schemeClr>
+            </a:gs>
+          </a:gsLst>
+          <a:path path="circle">
+            <a:fillToRect l="50000" t="50000" r="50000" b="50000"/>
+          </a:path>
+        </a:gradFill>
+      </a:bgFillStyleLst>
+    </a:fmtScheme>
+  </a:themeElements>
+</a:theme>
+</file>
+
+<file path=ppt/theme/theme2.xml><?xml version="1.0" encoding="utf-8"?>
 <a:theme xmlns:a="http://schemas.openxmlformats.org/drawingml/2006/main" xmlns:r="http://schemas.openxmlformats.org/officeDocument/2006/relationships" name="Custom Theme">
   <a:themeElements>
     <a:clrScheme name="Default">
@@ -6986,283 +7265,4 @@
     </a:fmtScheme>
   </a:themeElements>
 </a:theme>
-</file>
-
-<file path=ppt/theme/theme2.xml><?xml version="1.0" encoding="utf-8"?>
-<a:theme xmlns:a="http://schemas.openxmlformats.org/drawingml/2006/main" xmlns:r="http://schemas.openxmlformats.org/officeDocument/2006/relationships" name="beach-day">
-  <a:themeElements>
-    <a:clrScheme name="Beach Day">
-      <a:dk1>
-        <a:srgbClr val="00FDC8"/>
-      </a:dk1>
-      <a:lt1>
-        <a:srgbClr val="FFFFFF"/>
-      </a:lt1>
-      <a:dk2>
-        <a:srgbClr val="666666"/>
-      </a:dk2>
-      <a:lt2>
-        <a:srgbClr val="EEEEEE"/>
-      </a:lt2>
-      <a:accent1>
-        <a:srgbClr val="212121"/>
-      </a:accent1>
-      <a:accent2>
-        <a:srgbClr val="455A64"/>
-      </a:accent2>
-      <a:accent3>
-        <a:srgbClr val="78909C"/>
-      </a:accent3>
-      <a:accent4>
-        <a:srgbClr val="7C7CE0"/>
-      </a:accent4>
-      <a:accent5>
-        <a:srgbClr val="DB4437"/>
-      </a:accent5>
-      <a:accent6>
-        <a:srgbClr val="F6CD4C"/>
-      </a:accent6>
-      <a:hlink>
-        <a:srgbClr val="DB4437"/>
-      </a:hlink>
-      <a:folHlink>
-        <a:srgbClr val="DB4437"/>
-      </a:folHlink>
-    </a:clrScheme>
-    <a:fontScheme name="Office">
-      <a:majorFont>
-        <a:latin typeface="Arial"/>
-        <a:ea typeface=""/>
-        <a:cs typeface=""/>
-        <a:font script="Jpan" typeface="ＭＳ Ｐゴシック"/>
-        <a:font script="Hang" typeface="맑은 고딕"/>
-        <a:font script="Hans" typeface="宋体"/>
-        <a:font script="Hant" typeface="新細明體"/>
-        <a:font script="Arab" typeface="Times New Roman"/>
-        <a:font script="Hebr" typeface="Times New Roman"/>
-        <a:font script="Thai" typeface="Angsana New"/>
-        <a:font script="Ethi" typeface="Nyala"/>
-        <a:font script="Beng" typeface="Vrinda"/>
-        <a:font script="Gujr" typeface="Shruti"/>
-        <a:font script="Khmr" typeface="MoolBoran"/>
-        <a:font script="Knda" typeface="Tunga"/>
-        <a:font script="Guru" typeface="Raavi"/>
-        <a:font script="Cans" typeface="Euphemia"/>
-        <a:font script="Cher" typeface="Plantagenet Cherokee"/>
-        <a:font script="Yiii" typeface="Microsoft Yi Baiti"/>
-        <a:font script="Tibt" typeface="Microsoft Himalaya"/>
-        <a:font script="Thaa" typeface="MV Boli"/>
-        <a:font script="Deva" typeface="Mangal"/>
-        <a:font script="Telu" typeface="Gautami"/>
-        <a:font script="Taml" typeface="Latha"/>
-        <a:font script="Syrc" typeface="Estrangelo Edessa"/>
-        <a:font script="Orya" typeface="Kalinga"/>
-        <a:font script="Mlym" typeface="Kartika"/>
-        <a:font script="Laoo" typeface="DokChampa"/>
-        <a:font script="Sinh" typeface="Iskoola Pota"/>
-        <a:font script="Mong" typeface="Mongolian Baiti"/>
-        <a:font script="Viet" typeface="Times New Roman"/>
-        <a:font script="Uigh" typeface="Microsoft Uighur"/>
-        <a:font script="Geor" typeface="Sylfaen"/>
-      </a:majorFont>
-      <a:minorFont>
-        <a:latin typeface="Arial"/>
-        <a:ea typeface=""/>
-        <a:cs typeface=""/>
-        <a:font script="Jpan" typeface="ＭＳ Ｐゴシック"/>
-        <a:font script="Hang" typeface="맑은 고딕"/>
-        <a:font script="Hans" typeface="宋体"/>
-        <a:font script="Hant" typeface="新細明體"/>
-        <a:font script="Arab" typeface="Arial"/>
-        <a:font script="Hebr" typeface="Arial"/>
-        <a:font script="Thai" typeface="Cordia New"/>
-        <a:font script="Ethi" typeface="Nyala"/>
-        <a:font script="Beng" typeface="Vrinda"/>
-        <a:font script="Gujr" typeface="Shruti"/>
-        <a:font script="Khmr" typeface="DaunPenh"/>
-        <a:font script="Knda" typeface="Tunga"/>
-        <a:font script="Guru" typeface="Raavi"/>
-        <a:font script="Cans" typeface="Euphemia"/>
-        <a:font script="Cher" typeface="Plantagenet Cherokee"/>
-        <a:font script="Yiii" typeface="Microsoft Yi Baiti"/>
-        <a:font script="Tibt" typeface="Microsoft Himalaya"/>
-        <a:font script="Thaa" typeface="MV Boli"/>
-        <a:font script="Deva" typeface="Mangal"/>
-        <a:font script="Telu" typeface="Gautami"/>
-        <a:font script="Taml" typeface="Latha"/>
-        <a:font script="Syrc" typeface="Estrangelo Edessa"/>
-        <a:font script="Orya" typeface="Kalinga"/>
-        <a:font script="Mlym" typeface="Kartika"/>
-        <a:font script="Laoo" typeface="DokChampa"/>
-        <a:font script="Sinh" typeface="Iskoola Pota"/>
-        <a:font script="Mong" typeface="Mongolian Baiti"/>
-        <a:font script="Viet" typeface="Arial"/>
-        <a:font script="Uigh" typeface="Microsoft Uighur"/>
-        <a:font script="Geor" typeface="Sylfaen"/>
-      </a:minorFont>
-    </a:fontScheme>
-    <a:fmtScheme name="Office">
-      <a:fillStyleLst>
-        <a:solidFill>
-          <a:schemeClr val="phClr"/>
-        </a:solidFill>
-        <a:gradFill rotWithShape="1">
-          <a:gsLst>
-            <a:gs pos="0">
-              <a:schemeClr val="phClr">
-                <a:tint val="50000"/>
-                <a:satMod val="300000"/>
-              </a:schemeClr>
-            </a:gs>
-            <a:gs pos="35000">
-              <a:schemeClr val="phClr">
-                <a:tint val="37000"/>
-                <a:satMod val="300000"/>
-              </a:schemeClr>
-            </a:gs>
-            <a:gs pos="100000">
-              <a:schemeClr val="phClr">
-                <a:tint val="15000"/>
-                <a:satMod val="350000"/>
-              </a:schemeClr>
-            </a:gs>
-          </a:gsLst>
-          <a:lin ang="16200000" scaled="1"/>
-        </a:gradFill>
-        <a:gradFill rotWithShape="1">
-          <a:gsLst>
-            <a:gs pos="0">
-              <a:schemeClr val="phClr">
-                <a:tint val="100000"/>
-                <a:shade val="100000"/>
-                <a:satMod val="130000"/>
-              </a:schemeClr>
-            </a:gs>
-            <a:gs pos="100000">
-              <a:schemeClr val="phClr">
-                <a:tint val="50000"/>
-                <a:shade val="100000"/>
-                <a:satMod val="350000"/>
-              </a:schemeClr>
-            </a:gs>
-          </a:gsLst>
-          <a:lin ang="16200000" scaled="0"/>
-        </a:gradFill>
-      </a:fillStyleLst>
-      <a:lnStyleLst>
-        <a:ln w="9525" cap="flat" cmpd="sng" algn="ctr">
-          <a:solidFill>
-            <a:schemeClr val="phClr">
-              <a:shade val="95000"/>
-              <a:satMod val="105000"/>
-            </a:schemeClr>
-          </a:solidFill>
-          <a:prstDash val="solid"/>
-        </a:ln>
-        <a:ln w="25400" cap="flat" cmpd="sng" algn="ctr">
-          <a:solidFill>
-            <a:schemeClr val="phClr"/>
-          </a:solidFill>
-          <a:prstDash val="solid"/>
-        </a:ln>
-        <a:ln w="38100" cap="flat" cmpd="sng" algn="ctr">
-          <a:solidFill>
-            <a:schemeClr val="phClr"/>
-          </a:solidFill>
-          <a:prstDash val="solid"/>
-        </a:ln>
-      </a:lnStyleLst>
-      <a:effectStyleLst>
-        <a:effectStyle>
-          <a:effectLst>
-            <a:outerShdw blurRad="40000" dist="20000" dir="5400000" rotWithShape="0">
-              <a:srgbClr val="000000">
-                <a:alpha val="38000"/>
-              </a:srgbClr>
-            </a:outerShdw>
-          </a:effectLst>
-        </a:effectStyle>
-        <a:effectStyle>
-          <a:effectLst>
-            <a:outerShdw blurRad="40000" dist="23000" dir="5400000" rotWithShape="0">
-              <a:srgbClr val="000000">
-                <a:alpha val="35000"/>
-              </a:srgbClr>
-            </a:outerShdw>
-          </a:effectLst>
-        </a:effectStyle>
-        <a:effectStyle>
-          <a:effectLst>
-            <a:outerShdw blurRad="40000" dist="23000" dir="5400000" rotWithShape="0">
-              <a:srgbClr val="000000">
-                <a:alpha val="35000"/>
-              </a:srgbClr>
-            </a:outerShdw>
-          </a:effectLst>
-          <a:scene3d>
-            <a:camera prst="orthographicFront">
-              <a:rot lat="0" lon="0" rev="0"/>
-            </a:camera>
-            <a:lightRig rig="threePt" dir="t">
-              <a:rot lat="0" lon="0" rev="1200000"/>
-            </a:lightRig>
-          </a:scene3d>
-          <a:sp3d>
-            <a:bevelT w="63500" h="25400"/>
-          </a:sp3d>
-        </a:effectStyle>
-      </a:effectStyleLst>
-      <a:bgFillStyleLst>
-        <a:solidFill>
-          <a:schemeClr val="phClr"/>
-        </a:solidFill>
-        <a:gradFill rotWithShape="1">
-          <a:gsLst>
-            <a:gs pos="0">
-              <a:schemeClr val="phClr">
-                <a:tint val="40000"/>
-                <a:satMod val="350000"/>
-              </a:schemeClr>
-            </a:gs>
-            <a:gs pos="40000">
-              <a:schemeClr val="phClr">
-                <a:tint val="45000"/>
-                <a:shade val="99000"/>
-                <a:satMod val="350000"/>
-              </a:schemeClr>
-            </a:gs>
-            <a:gs pos="100000">
-              <a:schemeClr val="phClr">
-                <a:shade val="20000"/>
-                <a:satMod val="255000"/>
-              </a:schemeClr>
-            </a:gs>
-          </a:gsLst>
-          <a:path path="circle">
-            <a:fillToRect l="50000" t="-80000" r="50000" b="180000"/>
-          </a:path>
-        </a:gradFill>
-        <a:gradFill rotWithShape="1">
-          <a:gsLst>
-            <a:gs pos="0">
-              <a:schemeClr val="phClr">
-                <a:tint val="80000"/>
-                <a:satMod val="300000"/>
-              </a:schemeClr>
-            </a:gs>
-            <a:gs pos="100000">
-              <a:schemeClr val="phClr">
-                <a:shade val="30000"/>
-                <a:satMod val="200000"/>
-              </a:schemeClr>
-            </a:gs>
-          </a:gsLst>
-          <a:path path="circle">
-            <a:fillToRect l="50000" t="50000" r="50000" b="50000"/>
-          </a:path>
-        </a:gradFill>
-      </a:bgFillStyleLst>
-    </a:fmtScheme>
-  </a:themeElements>
-</a:theme>
 </file>